--- a/Wprowadzenie do rekurencji/I. Wprowadzenie do rekurencji/Sprawdź pudełka.pptx
+++ b/Wprowadzenie do rekurencji/I. Wprowadzenie do rekurencji/Sprawdź pudełka.pptx
@@ -1,6 +1,6 @@
 
 <file path=ppt/presentation.xml><?xml version="1.0" encoding="utf-8"?>
-<p:presentation xmlns:a="http://schemas.openxmlformats.org/drawingml/2006/main" xmlns:r="http://schemas.openxmlformats.org/officeDocument/2006/relationships" xmlns:p="http://schemas.openxmlformats.org/presentationml/2006/main" compatMode="1" saveSubsetFonts="1">
+<p:presentation xmlns:a="http://schemas.openxmlformats.org/drawingml/2006/main" xmlns:r="http://schemas.openxmlformats.org/officeDocument/2006/relationships" xmlns:p="http://schemas.openxmlformats.org/presentationml/2006/main" saveSubsetFonts="1">
   <p:sldMasterIdLst>
     <p:sldMasterId id="2147483648" r:id="rId1"/>
   </p:sldMasterIdLst>
@@ -9,17 +9,17 @@
   </p:notesMasterIdLst>
   <p:sldIdLst>
     <p:sldId id="274" r:id="rId2"/>
-    <p:sldId id="263" r:id="rId3"/>
-    <p:sldId id="275" r:id="rId4"/>
-    <p:sldId id="276" r:id="rId5"/>
-    <p:sldId id="278" r:id="rId6"/>
-    <p:sldId id="279" r:id="rId7"/>
-    <p:sldId id="281" r:id="rId8"/>
-    <p:sldId id="284" r:id="rId9"/>
-    <p:sldId id="282" r:id="rId10"/>
-    <p:sldId id="285" r:id="rId11"/>
-    <p:sldId id="280" r:id="rId12"/>
-    <p:sldId id="283" r:id="rId13"/>
+    <p:sldId id="275" r:id="rId3"/>
+    <p:sldId id="276" r:id="rId4"/>
+    <p:sldId id="278" r:id="rId5"/>
+    <p:sldId id="279" r:id="rId6"/>
+    <p:sldId id="281" r:id="rId7"/>
+    <p:sldId id="284" r:id="rId8"/>
+    <p:sldId id="282" r:id="rId9"/>
+    <p:sldId id="285" r:id="rId10"/>
+    <p:sldId id="280" r:id="rId11"/>
+    <p:sldId id="283" r:id="rId12"/>
+    <p:sldId id="263" r:id="rId13"/>
     <p:sldId id="272" r:id="rId14"/>
   </p:sldIdLst>
   <p:sldSz cx="12192000" cy="6858000"/>
@@ -168,6 +168,27 @@
 </p:presentation>
 </file>
 
+<file path=ppt/changesInfos/changesInfo1.xml><?xml version="1.0" encoding="utf-8"?>
+<pc:chgInfo xmlns:a="http://schemas.openxmlformats.org/drawingml/2006/main" xmlns:r="http://schemas.openxmlformats.org/officeDocument/2006/relationships" xmlns:ac="http://schemas.microsoft.com/office/drawing/2013/main/command" xmlns:pc="http://schemas.microsoft.com/office/powerpoint/2013/main/command">
+  <pc:docChgLst>
+    <pc:chgData name="Damian Kurpiewski" userId="a6c40eeacb61fb23" providerId="LiveId" clId="{24AC4224-CBCC-4F20-9F83-D5DBF3D91B61}"/>
+    <pc:docChg chg="modSld sldOrd">
+      <pc:chgData name="Damian Kurpiewski" userId="a6c40eeacb61fb23" providerId="LiveId" clId="{24AC4224-CBCC-4F20-9F83-D5DBF3D91B61}" dt="2021-02-21T18:59:43.680" v="1"/>
+      <pc:docMkLst>
+        <pc:docMk/>
+      </pc:docMkLst>
+      <pc:sldChg chg="ord">
+        <pc:chgData name="Damian Kurpiewski" userId="a6c40eeacb61fb23" providerId="LiveId" clId="{24AC4224-CBCC-4F20-9F83-D5DBF3D91B61}" dt="2021-02-21T18:59:43.680" v="1"/>
+        <pc:sldMkLst>
+          <pc:docMk/>
+          <pc:sldMk cId="0" sldId="263"/>
+        </pc:sldMkLst>
+      </pc:sldChg>
+    </pc:docChg>
+  </pc:docChgLst>
+</pc:chgInfo>
+</file>
+
 <file path=ppt/diagrams/colors1.xml><?xml version="1.0" encoding="utf-8"?>
 <dgm:colorsDef xmlns:dgm="http://schemas.openxmlformats.org/drawingml/2006/diagram" xmlns:a="http://schemas.openxmlformats.org/drawingml/2006/main" uniqueId="urn:microsoft.com/office/officeart/2005/8/colors/accent2_2">
   <dgm:title val=""/>
@@ -8103,14 +8124,14 @@
     <dgm:cxn modelId="{3FBBD023-9F39-574B-946B-666C3A7E82C7}" type="presOf" srcId="{04676674-70B1-6E41-9B28-5C6D5F171FD5}" destId="{61C8481A-0782-4C40-9EB2-EC1035EC8917}" srcOrd="0" destOrd="3" presId="urn:microsoft.com/office/officeart/2005/8/layout/vList2"/>
     <dgm:cxn modelId="{333B9432-EC9F-8D43-87E3-098A6A12DC49}" type="presOf" srcId="{9B8B9F17-DF99-9342-AC93-119D0C88718A}" destId="{61C8481A-0782-4C40-9EB2-EC1035EC8917}" srcOrd="0" destOrd="0" presId="urn:microsoft.com/office/officeart/2005/8/layout/vList2"/>
     <dgm:cxn modelId="{8F1FCC3F-AC9D-2142-A459-AC3AA30927EA}" type="presOf" srcId="{412A7F39-A00B-D044-AB39-A09D665D6A1C}" destId="{61C8481A-0782-4C40-9EB2-EC1035EC8917}" srcOrd="0" destOrd="6" presId="urn:microsoft.com/office/officeart/2005/8/layout/vList2"/>
+    <dgm:cxn modelId="{31C73560-D88E-7644-9DCF-0CA82CEAF294}" srcId="{0C433654-E965-D74A-8D2B-CA12390B1BE6}" destId="{9B8B9F17-DF99-9342-AC93-119D0C88718A}" srcOrd="0" destOrd="0" parTransId="{3F03B0A6-64CD-7340-B8D3-3386CCC6E47C}" sibTransId="{87E57475-B415-F348-A241-4AB0464EBD3A}"/>
+    <dgm:cxn modelId="{37B9D666-A530-9D49-B91C-BB30B9EB94C6}" type="presOf" srcId="{564D7D85-61B0-AC47-BE50-D8FF1763EA3C}" destId="{9AAA45CE-0B7E-7146-A7A0-1EC71B403540}" srcOrd="0" destOrd="0" presId="urn:microsoft.com/office/officeart/2005/8/layout/vList2"/>
     <dgm:cxn modelId="{0DBA0C47-A04C-EE4B-B15E-ABDACFDA8700}" srcId="{564D7D85-61B0-AC47-BE50-D8FF1763EA3C}" destId="{6D7B3B08-3472-674C-8386-5760EF70E103}" srcOrd="2" destOrd="0" parTransId="{07B7C3BE-3920-1145-8C48-E8F733CF99B6}" sibTransId="{3AD5037C-774D-AC47-936E-138152EB244A}"/>
+    <dgm:cxn modelId="{D1341868-450A-0B48-956C-A3EC53293CFB}" srcId="{0C433654-E965-D74A-8D2B-CA12390B1BE6}" destId="{61718454-EC50-9E4B-AD8C-1BE44430F727}" srcOrd="4" destOrd="0" parTransId="{C75A1FD0-2289-ED4C-8567-EE1BF745405B}" sibTransId="{46204773-C91F-8D4D-9E63-0CBE17D3D70A}"/>
     <dgm:cxn modelId="{3ACD654E-CAD7-294E-972E-F084A36FF2D6}" srcId="{0C433654-E965-D74A-8D2B-CA12390B1BE6}" destId="{412A7F39-A00B-D044-AB39-A09D665D6A1C}" srcOrd="6" destOrd="0" parTransId="{A9BD4D71-B275-F843-99ED-BF7376717AE8}" sibTransId="{61907A69-2E29-3148-86C5-227ED8D0E835}"/>
     <dgm:cxn modelId="{AEC94F50-C001-CE4E-85E2-2D142FD7D93B}" type="presOf" srcId="{8C308D2C-AAB2-C845-BFC3-8EA589820AA1}" destId="{2DAA50D5-FA14-BE45-86DA-B9A9730BC9F6}" srcOrd="0" destOrd="1" presId="urn:microsoft.com/office/officeart/2005/8/layout/vList2"/>
+    <dgm:cxn modelId="{73B84877-7856-CD45-A61D-6F1AADC4E3FF}" srcId="{BACCFF47-C623-E34F-A983-98843F300FAF}" destId="{0C433654-E965-D74A-8D2B-CA12390B1BE6}" srcOrd="0" destOrd="0" parTransId="{02FFCEB3-A515-E346-B11C-37D9A7BBD5B7}" sibTransId="{834BB999-CFD7-CE45-9282-1EF61039DE75}"/>
     <dgm:cxn modelId="{00CF9958-02E4-3D49-9DF8-87CFB77C7C48}" type="presOf" srcId="{6D7B3B08-3472-674C-8386-5760EF70E103}" destId="{2DAA50D5-FA14-BE45-86DA-B9A9730BC9F6}" srcOrd="0" destOrd="2" presId="urn:microsoft.com/office/officeart/2005/8/layout/vList2"/>
-    <dgm:cxn modelId="{31C73560-D88E-7644-9DCF-0CA82CEAF294}" srcId="{0C433654-E965-D74A-8D2B-CA12390B1BE6}" destId="{9B8B9F17-DF99-9342-AC93-119D0C88718A}" srcOrd="0" destOrd="0" parTransId="{3F03B0A6-64CD-7340-B8D3-3386CCC6E47C}" sibTransId="{87E57475-B415-F348-A241-4AB0464EBD3A}"/>
-    <dgm:cxn modelId="{37B9D666-A530-9D49-B91C-BB30B9EB94C6}" type="presOf" srcId="{564D7D85-61B0-AC47-BE50-D8FF1763EA3C}" destId="{9AAA45CE-0B7E-7146-A7A0-1EC71B403540}" srcOrd="0" destOrd="0" presId="urn:microsoft.com/office/officeart/2005/8/layout/vList2"/>
-    <dgm:cxn modelId="{D1341868-450A-0B48-956C-A3EC53293CFB}" srcId="{0C433654-E965-D74A-8D2B-CA12390B1BE6}" destId="{61718454-EC50-9E4B-AD8C-1BE44430F727}" srcOrd="4" destOrd="0" parTransId="{C75A1FD0-2289-ED4C-8567-EE1BF745405B}" sibTransId="{46204773-C91F-8D4D-9E63-0CBE17D3D70A}"/>
-    <dgm:cxn modelId="{73B84877-7856-CD45-A61D-6F1AADC4E3FF}" srcId="{BACCFF47-C623-E34F-A983-98843F300FAF}" destId="{0C433654-E965-D74A-8D2B-CA12390B1BE6}" srcOrd="0" destOrd="0" parTransId="{02FFCEB3-A515-E346-B11C-37D9A7BBD5B7}" sibTransId="{834BB999-CFD7-CE45-9282-1EF61039DE75}"/>
     <dgm:cxn modelId="{25752579-793D-164C-9313-6A418016C33F}" srcId="{0C433654-E965-D74A-8D2B-CA12390B1BE6}" destId="{04676674-70B1-6E41-9B28-5C6D5F171FD5}" srcOrd="3" destOrd="0" parTransId="{A8E85219-AA3C-4E48-A072-54F871E1E868}" sibTransId="{AD2B3E56-40F9-2746-9A3A-9DCE4C7EE261}"/>
     <dgm:cxn modelId="{3E60E693-B1F3-2245-AF12-4F5A90578EBB}" srcId="{0C433654-E965-D74A-8D2B-CA12390B1BE6}" destId="{E06A1110-479A-7F4C-B39D-4DAEABA963E7}" srcOrd="5" destOrd="0" parTransId="{BC5F00FC-2D3E-1745-BE31-54072544D41B}" sibTransId="{1724AF55-FDE9-C446-9307-B9D0D809BF81}"/>
     <dgm:cxn modelId="{C0C61C9C-4D95-3447-A23F-0E2369C120BB}" srcId="{564D7D85-61B0-AC47-BE50-D8FF1763EA3C}" destId="{8C308D2C-AAB2-C845-BFC3-8EA589820AA1}" srcOrd="1" destOrd="0" parTransId="{B0C5C1FB-9BBA-444D-9C0B-C8D73317BF17}" sibTransId="{03134B21-BD65-3442-BA91-03A4BBF740F1}"/>
@@ -8619,15 +8640,15 @@
     <dgm:cxn modelId="{47732B15-2C44-6E4E-A1F0-DBE99E014D6D}" srcId="{564D7D85-61B0-AC47-BE50-D8FF1763EA3C}" destId="{5A74360C-BCB6-C74B-9016-3ECC827EB3A4}" srcOrd="2" destOrd="0" parTransId="{75863CC7-0FBE-1C41-ADEC-F9D7380E1487}" sibTransId="{5EA398AF-6560-D64E-850B-3874020C8464}"/>
     <dgm:cxn modelId="{0F425F15-84E1-3D48-A5BE-919336B7CB32}" srcId="{9B8B9F17-DF99-9342-AC93-119D0C88718A}" destId="{FE524CFC-88AA-674E-B029-F632042AD10E}" srcOrd="0" destOrd="0" parTransId="{083781EC-2168-F349-8BB9-0687DD9DDA6B}" sibTransId="{814E2591-D072-7F41-9EAE-3E373C352E56}"/>
     <dgm:cxn modelId="{1894EB2D-BFB9-A840-8B97-E0639849EEB1}" type="presOf" srcId="{9B8B9F17-DF99-9342-AC93-119D0C88718A}" destId="{43AB5CC5-389F-0246-81B9-B3866C0C2632}" srcOrd="0" destOrd="0" presId="urn:microsoft.com/office/officeart/2005/8/layout/vList2"/>
+    <dgm:cxn modelId="{31C73560-D88E-7644-9DCF-0CA82CEAF294}" srcId="{0C433654-E965-D74A-8D2B-CA12390B1BE6}" destId="{9B8B9F17-DF99-9342-AC93-119D0C88718A}" srcOrd="0" destOrd="0" parTransId="{3F03B0A6-64CD-7340-B8D3-3386CCC6E47C}" sibTransId="{87E57475-B415-F348-A241-4AB0464EBD3A}"/>
     <dgm:cxn modelId="{60A46D42-43F4-064B-AE30-47543991DC1F}" type="presOf" srcId="{5A74360C-BCB6-C74B-9016-3ECC827EB3A4}" destId="{2DAA50D5-FA14-BE45-86DA-B9A9730BC9F6}" srcOrd="0" destOrd="2" presId="urn:microsoft.com/office/officeart/2005/8/layout/vList2"/>
-    <dgm:cxn modelId="{3ACD654E-CAD7-294E-972E-F084A36FF2D6}" srcId="{E06A1110-479A-7F4C-B39D-4DAEABA963E7}" destId="{412A7F39-A00B-D044-AB39-A09D665D6A1C}" srcOrd="0" destOrd="0" parTransId="{A9BD4D71-B275-F843-99ED-BF7376717AE8}" sibTransId="{61907A69-2E29-3148-86C5-227ED8D0E835}"/>
-    <dgm:cxn modelId="{AEC94F50-C001-CE4E-85E2-2D142FD7D93B}" type="presOf" srcId="{8C308D2C-AAB2-C845-BFC3-8EA589820AA1}" destId="{2DAA50D5-FA14-BE45-86DA-B9A9730BC9F6}" srcOrd="0" destOrd="1" presId="urn:microsoft.com/office/officeart/2005/8/layout/vList2"/>
-    <dgm:cxn modelId="{31C73560-D88E-7644-9DCF-0CA82CEAF294}" srcId="{0C433654-E965-D74A-8D2B-CA12390B1BE6}" destId="{9B8B9F17-DF99-9342-AC93-119D0C88718A}" srcOrd="0" destOrd="0" parTransId="{3F03B0A6-64CD-7340-B8D3-3386CCC6E47C}" sibTransId="{87E57475-B415-F348-A241-4AB0464EBD3A}"/>
     <dgm:cxn modelId="{A268C863-2F98-1743-82D7-9BC0A0D46C5B}" type="presOf" srcId="{04676674-70B1-6E41-9B28-5C6D5F171FD5}" destId="{43AB5CC5-389F-0246-81B9-B3866C0C2632}" srcOrd="0" destOrd="3" presId="urn:microsoft.com/office/officeart/2005/8/layout/vList2"/>
     <dgm:cxn modelId="{94270964-106F-8849-AC1A-0029D458FE90}" type="presOf" srcId="{61718454-EC50-9E4B-AD8C-1BE44430F727}" destId="{43AB5CC5-389F-0246-81B9-B3866C0C2632}" srcOrd="0" destOrd="4" presId="urn:microsoft.com/office/officeart/2005/8/layout/vList2"/>
     <dgm:cxn modelId="{37B9D666-A530-9D49-B91C-BB30B9EB94C6}" type="presOf" srcId="{564D7D85-61B0-AC47-BE50-D8FF1763EA3C}" destId="{9AAA45CE-0B7E-7146-A7A0-1EC71B403540}" srcOrd="0" destOrd="0" presId="urn:microsoft.com/office/officeart/2005/8/layout/vList2"/>
     <dgm:cxn modelId="{C9DDA167-4DB1-B742-9BD2-BC5F1C9548DE}" type="presOf" srcId="{1F1A98DE-37C8-724C-90C4-423F3F4894B0}" destId="{43AB5CC5-389F-0246-81B9-B3866C0C2632}" srcOrd="0" destOrd="2" presId="urn:microsoft.com/office/officeart/2005/8/layout/vList2"/>
     <dgm:cxn modelId="{D1341868-450A-0B48-956C-A3EC53293CFB}" srcId="{FE524CFC-88AA-674E-B029-F632042AD10E}" destId="{61718454-EC50-9E4B-AD8C-1BE44430F727}" srcOrd="1" destOrd="0" parTransId="{C75A1FD0-2289-ED4C-8567-EE1BF745405B}" sibTransId="{46204773-C91F-8D4D-9E63-0CBE17D3D70A}"/>
+    <dgm:cxn modelId="{3ACD654E-CAD7-294E-972E-F084A36FF2D6}" srcId="{E06A1110-479A-7F4C-B39D-4DAEABA963E7}" destId="{412A7F39-A00B-D044-AB39-A09D665D6A1C}" srcOrd="0" destOrd="0" parTransId="{A9BD4D71-B275-F843-99ED-BF7376717AE8}" sibTransId="{61907A69-2E29-3148-86C5-227ED8D0E835}"/>
+    <dgm:cxn modelId="{AEC94F50-C001-CE4E-85E2-2D142FD7D93B}" type="presOf" srcId="{8C308D2C-AAB2-C845-BFC3-8EA589820AA1}" destId="{2DAA50D5-FA14-BE45-86DA-B9A9730BC9F6}" srcOrd="0" destOrd="1" presId="urn:microsoft.com/office/officeart/2005/8/layout/vList2"/>
     <dgm:cxn modelId="{73B84877-7856-CD45-A61D-6F1AADC4E3FF}" srcId="{BACCFF47-C623-E34F-A983-98843F300FAF}" destId="{0C433654-E965-D74A-8D2B-CA12390B1BE6}" srcOrd="0" destOrd="0" parTransId="{02FFCEB3-A515-E346-B11C-37D9A7BBD5B7}" sibTransId="{834BB999-CFD7-CE45-9282-1EF61039DE75}"/>
     <dgm:cxn modelId="{25752579-793D-164C-9313-6A418016C33F}" srcId="{1F1A98DE-37C8-724C-90C4-423F3F4894B0}" destId="{04676674-70B1-6E41-9B28-5C6D5F171FD5}" srcOrd="0" destOrd="0" parTransId="{A8E85219-AA3C-4E48-A072-54F871E1E868}" sibTransId="{AD2B3E56-40F9-2746-9A3A-9DCE4C7EE261}"/>
     <dgm:cxn modelId="{3E60E693-B1F3-2245-AF12-4F5A90578EBB}" srcId="{9B8B9F17-DF99-9342-AC93-119D0C88718A}" destId="{E06A1110-479A-7F4C-B39D-4DAEABA963E7}" srcOrd="1" destOrd="0" parTransId="{BC5F00FC-2D3E-1745-BE31-54072544D41B}" sibTransId="{1724AF55-FDE9-C446-9307-B9D0D809BF81}"/>
@@ -9127,14 +9148,14 @@
     <dgm:cxn modelId="{3FBBD023-9F39-574B-946B-666C3A7E82C7}" type="presOf" srcId="{04676674-70B1-6E41-9B28-5C6D5F171FD5}" destId="{61C8481A-0782-4C40-9EB2-EC1035EC8917}" srcOrd="0" destOrd="3" presId="urn:microsoft.com/office/officeart/2005/8/layout/vList2"/>
     <dgm:cxn modelId="{333B9432-EC9F-8D43-87E3-098A6A12DC49}" type="presOf" srcId="{9B8B9F17-DF99-9342-AC93-119D0C88718A}" destId="{61C8481A-0782-4C40-9EB2-EC1035EC8917}" srcOrd="0" destOrd="0" presId="urn:microsoft.com/office/officeart/2005/8/layout/vList2"/>
     <dgm:cxn modelId="{8F1FCC3F-AC9D-2142-A459-AC3AA30927EA}" type="presOf" srcId="{412A7F39-A00B-D044-AB39-A09D665D6A1C}" destId="{61C8481A-0782-4C40-9EB2-EC1035EC8917}" srcOrd="0" destOrd="6" presId="urn:microsoft.com/office/officeart/2005/8/layout/vList2"/>
+    <dgm:cxn modelId="{31C73560-D88E-7644-9DCF-0CA82CEAF294}" srcId="{0C433654-E965-D74A-8D2B-CA12390B1BE6}" destId="{9B8B9F17-DF99-9342-AC93-119D0C88718A}" srcOrd="0" destOrd="0" parTransId="{3F03B0A6-64CD-7340-B8D3-3386CCC6E47C}" sibTransId="{87E57475-B415-F348-A241-4AB0464EBD3A}"/>
+    <dgm:cxn modelId="{37B9D666-A530-9D49-B91C-BB30B9EB94C6}" type="presOf" srcId="{564D7D85-61B0-AC47-BE50-D8FF1763EA3C}" destId="{9AAA45CE-0B7E-7146-A7A0-1EC71B403540}" srcOrd="0" destOrd="0" presId="urn:microsoft.com/office/officeart/2005/8/layout/vList2"/>
     <dgm:cxn modelId="{0DBA0C47-A04C-EE4B-B15E-ABDACFDA8700}" srcId="{564D7D85-61B0-AC47-BE50-D8FF1763EA3C}" destId="{6D7B3B08-3472-674C-8386-5760EF70E103}" srcOrd="2" destOrd="0" parTransId="{07B7C3BE-3920-1145-8C48-E8F733CF99B6}" sibTransId="{3AD5037C-774D-AC47-936E-138152EB244A}"/>
+    <dgm:cxn modelId="{D1341868-450A-0B48-956C-A3EC53293CFB}" srcId="{0C433654-E965-D74A-8D2B-CA12390B1BE6}" destId="{61718454-EC50-9E4B-AD8C-1BE44430F727}" srcOrd="4" destOrd="0" parTransId="{C75A1FD0-2289-ED4C-8567-EE1BF745405B}" sibTransId="{46204773-C91F-8D4D-9E63-0CBE17D3D70A}"/>
     <dgm:cxn modelId="{3ACD654E-CAD7-294E-972E-F084A36FF2D6}" srcId="{0C433654-E965-D74A-8D2B-CA12390B1BE6}" destId="{412A7F39-A00B-D044-AB39-A09D665D6A1C}" srcOrd="6" destOrd="0" parTransId="{A9BD4D71-B275-F843-99ED-BF7376717AE8}" sibTransId="{61907A69-2E29-3148-86C5-227ED8D0E835}"/>
     <dgm:cxn modelId="{AEC94F50-C001-CE4E-85E2-2D142FD7D93B}" type="presOf" srcId="{8C308D2C-AAB2-C845-BFC3-8EA589820AA1}" destId="{2DAA50D5-FA14-BE45-86DA-B9A9730BC9F6}" srcOrd="0" destOrd="1" presId="urn:microsoft.com/office/officeart/2005/8/layout/vList2"/>
+    <dgm:cxn modelId="{73B84877-7856-CD45-A61D-6F1AADC4E3FF}" srcId="{BACCFF47-C623-E34F-A983-98843F300FAF}" destId="{0C433654-E965-D74A-8D2B-CA12390B1BE6}" srcOrd="0" destOrd="0" parTransId="{02FFCEB3-A515-E346-B11C-37D9A7BBD5B7}" sibTransId="{834BB999-CFD7-CE45-9282-1EF61039DE75}"/>
     <dgm:cxn modelId="{00CF9958-02E4-3D49-9DF8-87CFB77C7C48}" type="presOf" srcId="{6D7B3B08-3472-674C-8386-5760EF70E103}" destId="{2DAA50D5-FA14-BE45-86DA-B9A9730BC9F6}" srcOrd="0" destOrd="2" presId="urn:microsoft.com/office/officeart/2005/8/layout/vList2"/>
-    <dgm:cxn modelId="{31C73560-D88E-7644-9DCF-0CA82CEAF294}" srcId="{0C433654-E965-D74A-8D2B-CA12390B1BE6}" destId="{9B8B9F17-DF99-9342-AC93-119D0C88718A}" srcOrd="0" destOrd="0" parTransId="{3F03B0A6-64CD-7340-B8D3-3386CCC6E47C}" sibTransId="{87E57475-B415-F348-A241-4AB0464EBD3A}"/>
-    <dgm:cxn modelId="{37B9D666-A530-9D49-B91C-BB30B9EB94C6}" type="presOf" srcId="{564D7D85-61B0-AC47-BE50-D8FF1763EA3C}" destId="{9AAA45CE-0B7E-7146-A7A0-1EC71B403540}" srcOrd="0" destOrd="0" presId="urn:microsoft.com/office/officeart/2005/8/layout/vList2"/>
-    <dgm:cxn modelId="{D1341868-450A-0B48-956C-A3EC53293CFB}" srcId="{0C433654-E965-D74A-8D2B-CA12390B1BE6}" destId="{61718454-EC50-9E4B-AD8C-1BE44430F727}" srcOrd="4" destOrd="0" parTransId="{C75A1FD0-2289-ED4C-8567-EE1BF745405B}" sibTransId="{46204773-C91F-8D4D-9E63-0CBE17D3D70A}"/>
-    <dgm:cxn modelId="{73B84877-7856-CD45-A61D-6F1AADC4E3FF}" srcId="{BACCFF47-C623-E34F-A983-98843F300FAF}" destId="{0C433654-E965-D74A-8D2B-CA12390B1BE6}" srcOrd="0" destOrd="0" parTransId="{02FFCEB3-A515-E346-B11C-37D9A7BBD5B7}" sibTransId="{834BB999-CFD7-CE45-9282-1EF61039DE75}"/>
     <dgm:cxn modelId="{25752579-793D-164C-9313-6A418016C33F}" srcId="{0C433654-E965-D74A-8D2B-CA12390B1BE6}" destId="{04676674-70B1-6E41-9B28-5C6D5F171FD5}" srcOrd="3" destOrd="0" parTransId="{A8E85219-AA3C-4E48-A072-54F871E1E868}" sibTransId="{AD2B3E56-40F9-2746-9A3A-9DCE4C7EE261}"/>
     <dgm:cxn modelId="{3E60E693-B1F3-2245-AF12-4F5A90578EBB}" srcId="{0C433654-E965-D74A-8D2B-CA12390B1BE6}" destId="{E06A1110-479A-7F4C-B39D-4DAEABA963E7}" srcOrd="5" destOrd="0" parTransId="{BC5F00FC-2D3E-1745-BE31-54072544D41B}" sibTransId="{1724AF55-FDE9-C446-9307-B9D0D809BF81}"/>
     <dgm:cxn modelId="{C0C61C9C-4D95-3447-A23F-0E2369C120BB}" srcId="{564D7D85-61B0-AC47-BE50-D8FF1763EA3C}" destId="{8C308D2C-AAB2-C845-BFC3-8EA589820AA1}" srcOrd="1" destOrd="0" parTransId="{B0C5C1FB-9BBA-444D-9C0B-C8D73317BF17}" sibTransId="{03134B21-BD65-3442-BA91-03A4BBF740F1}"/>
@@ -9625,18 +9646,18 @@
     <dgm:cxn modelId="{47732B15-2C44-6E4E-A1F0-DBE99E014D6D}" srcId="{564D7D85-61B0-AC47-BE50-D8FF1763EA3C}" destId="{5A74360C-BCB6-C74B-9016-3ECC827EB3A4}" srcOrd="1" destOrd="0" parTransId="{75863CC7-0FBE-1C41-ADEC-F9D7380E1487}" sibTransId="{5EA398AF-6560-D64E-850B-3874020C8464}"/>
     <dgm:cxn modelId="{0F425F15-84E1-3D48-A5BE-919336B7CB32}" srcId="{9B8B9F17-DF99-9342-AC93-119D0C88718A}" destId="{FE524CFC-88AA-674E-B029-F632042AD10E}" srcOrd="0" destOrd="0" parTransId="{083781EC-2168-F349-8BB9-0687DD9DDA6B}" sibTransId="{814E2591-D072-7F41-9EAE-3E373C352E56}"/>
     <dgm:cxn modelId="{1894EB2D-BFB9-A840-8B97-E0639849EEB1}" type="presOf" srcId="{9B8B9F17-DF99-9342-AC93-119D0C88718A}" destId="{43AB5CC5-389F-0246-81B9-B3866C0C2632}" srcOrd="0" destOrd="0" presId="urn:microsoft.com/office/officeart/2005/8/layout/vList2"/>
+    <dgm:cxn modelId="{31C73560-D88E-7644-9DCF-0CA82CEAF294}" srcId="{0C433654-E965-D74A-8D2B-CA12390B1BE6}" destId="{9B8B9F17-DF99-9342-AC93-119D0C88718A}" srcOrd="0" destOrd="0" parTransId="{3F03B0A6-64CD-7340-B8D3-3386CCC6E47C}" sibTransId="{87E57475-B415-F348-A241-4AB0464EBD3A}"/>
     <dgm:cxn modelId="{60A46D42-43F4-064B-AE30-47543991DC1F}" type="presOf" srcId="{5A74360C-BCB6-C74B-9016-3ECC827EB3A4}" destId="{2DAA50D5-FA14-BE45-86DA-B9A9730BC9F6}" srcOrd="0" destOrd="1" presId="urn:microsoft.com/office/officeart/2005/8/layout/vList2"/>
-    <dgm:cxn modelId="{0DBA0C47-A04C-EE4B-B15E-ABDACFDA8700}" srcId="{564D7D85-61B0-AC47-BE50-D8FF1763EA3C}" destId="{6D7B3B08-3472-674C-8386-5760EF70E103}" srcOrd="2" destOrd="0" parTransId="{07B7C3BE-3920-1145-8C48-E8F733CF99B6}" sibTransId="{3AD5037C-774D-AC47-936E-138152EB244A}"/>
-    <dgm:cxn modelId="{3ACD654E-CAD7-294E-972E-F084A36FF2D6}" srcId="{0C433654-E965-D74A-8D2B-CA12390B1BE6}" destId="{412A7F39-A00B-D044-AB39-A09D665D6A1C}" srcOrd="5" destOrd="0" parTransId="{A9BD4D71-B275-F843-99ED-BF7376717AE8}" sibTransId="{61907A69-2E29-3148-86C5-227ED8D0E835}"/>
-    <dgm:cxn modelId="{AEC94F50-C001-CE4E-85E2-2D142FD7D93B}" type="presOf" srcId="{8C308D2C-AAB2-C845-BFC3-8EA589820AA1}" destId="{2DAA50D5-FA14-BE45-86DA-B9A9730BC9F6}" srcOrd="0" destOrd="0" presId="urn:microsoft.com/office/officeart/2005/8/layout/vList2"/>
-    <dgm:cxn modelId="{00CF9958-02E4-3D49-9DF8-87CFB77C7C48}" type="presOf" srcId="{6D7B3B08-3472-674C-8386-5760EF70E103}" destId="{2DAA50D5-FA14-BE45-86DA-B9A9730BC9F6}" srcOrd="0" destOrd="2" presId="urn:microsoft.com/office/officeart/2005/8/layout/vList2"/>
-    <dgm:cxn modelId="{31C73560-D88E-7644-9DCF-0CA82CEAF294}" srcId="{0C433654-E965-D74A-8D2B-CA12390B1BE6}" destId="{9B8B9F17-DF99-9342-AC93-119D0C88718A}" srcOrd="0" destOrd="0" parTransId="{3F03B0A6-64CD-7340-B8D3-3386CCC6E47C}" sibTransId="{87E57475-B415-F348-A241-4AB0464EBD3A}"/>
     <dgm:cxn modelId="{A268C863-2F98-1743-82D7-9BC0A0D46C5B}" type="presOf" srcId="{04676674-70B1-6E41-9B28-5C6D5F171FD5}" destId="{43AB5CC5-389F-0246-81B9-B3866C0C2632}" srcOrd="0" destOrd="3" presId="urn:microsoft.com/office/officeart/2005/8/layout/vList2"/>
     <dgm:cxn modelId="{94270964-106F-8849-AC1A-0029D458FE90}" type="presOf" srcId="{61718454-EC50-9E4B-AD8C-1BE44430F727}" destId="{43AB5CC5-389F-0246-81B9-B3866C0C2632}" srcOrd="0" destOrd="4" presId="urn:microsoft.com/office/officeart/2005/8/layout/vList2"/>
     <dgm:cxn modelId="{37B9D666-A530-9D49-B91C-BB30B9EB94C6}" type="presOf" srcId="{564D7D85-61B0-AC47-BE50-D8FF1763EA3C}" destId="{9AAA45CE-0B7E-7146-A7A0-1EC71B403540}" srcOrd="0" destOrd="0" presId="urn:microsoft.com/office/officeart/2005/8/layout/vList2"/>
+    <dgm:cxn modelId="{0DBA0C47-A04C-EE4B-B15E-ABDACFDA8700}" srcId="{564D7D85-61B0-AC47-BE50-D8FF1763EA3C}" destId="{6D7B3B08-3472-674C-8386-5760EF70E103}" srcOrd="2" destOrd="0" parTransId="{07B7C3BE-3920-1145-8C48-E8F733CF99B6}" sibTransId="{3AD5037C-774D-AC47-936E-138152EB244A}"/>
     <dgm:cxn modelId="{C9DDA167-4DB1-B742-9BD2-BC5F1C9548DE}" type="presOf" srcId="{1F1A98DE-37C8-724C-90C4-423F3F4894B0}" destId="{43AB5CC5-389F-0246-81B9-B3866C0C2632}" srcOrd="0" destOrd="2" presId="urn:microsoft.com/office/officeart/2005/8/layout/vList2"/>
     <dgm:cxn modelId="{D1341868-450A-0B48-956C-A3EC53293CFB}" srcId="{0C433654-E965-D74A-8D2B-CA12390B1BE6}" destId="{61718454-EC50-9E4B-AD8C-1BE44430F727}" srcOrd="3" destOrd="0" parTransId="{C75A1FD0-2289-ED4C-8567-EE1BF745405B}" sibTransId="{46204773-C91F-8D4D-9E63-0CBE17D3D70A}"/>
+    <dgm:cxn modelId="{3ACD654E-CAD7-294E-972E-F084A36FF2D6}" srcId="{0C433654-E965-D74A-8D2B-CA12390B1BE6}" destId="{412A7F39-A00B-D044-AB39-A09D665D6A1C}" srcOrd="5" destOrd="0" parTransId="{A9BD4D71-B275-F843-99ED-BF7376717AE8}" sibTransId="{61907A69-2E29-3148-86C5-227ED8D0E835}"/>
+    <dgm:cxn modelId="{AEC94F50-C001-CE4E-85E2-2D142FD7D93B}" type="presOf" srcId="{8C308D2C-AAB2-C845-BFC3-8EA589820AA1}" destId="{2DAA50D5-FA14-BE45-86DA-B9A9730BC9F6}" srcOrd="0" destOrd="0" presId="urn:microsoft.com/office/officeart/2005/8/layout/vList2"/>
     <dgm:cxn modelId="{73B84877-7856-CD45-A61D-6F1AADC4E3FF}" srcId="{BACCFF47-C623-E34F-A983-98843F300FAF}" destId="{0C433654-E965-D74A-8D2B-CA12390B1BE6}" srcOrd="0" destOrd="0" parTransId="{02FFCEB3-A515-E346-B11C-37D9A7BBD5B7}" sibTransId="{834BB999-CFD7-CE45-9282-1EF61039DE75}"/>
+    <dgm:cxn modelId="{00CF9958-02E4-3D49-9DF8-87CFB77C7C48}" type="presOf" srcId="{6D7B3B08-3472-674C-8386-5760EF70E103}" destId="{2DAA50D5-FA14-BE45-86DA-B9A9730BC9F6}" srcOrd="0" destOrd="2" presId="urn:microsoft.com/office/officeart/2005/8/layout/vList2"/>
     <dgm:cxn modelId="{25752579-793D-164C-9313-6A418016C33F}" srcId="{0C433654-E965-D74A-8D2B-CA12390B1BE6}" destId="{04676674-70B1-6E41-9B28-5C6D5F171FD5}" srcOrd="2" destOrd="0" parTransId="{A8E85219-AA3C-4E48-A072-54F871E1E868}" sibTransId="{AD2B3E56-40F9-2746-9A3A-9DCE4C7EE261}"/>
     <dgm:cxn modelId="{3E60E693-B1F3-2245-AF12-4F5A90578EBB}" srcId="{0C433654-E965-D74A-8D2B-CA12390B1BE6}" destId="{E06A1110-479A-7F4C-B39D-4DAEABA963E7}" srcOrd="4" destOrd="0" parTransId="{BC5F00FC-2D3E-1745-BE31-54072544D41B}" sibTransId="{1724AF55-FDE9-C446-9307-B9D0D809BF81}"/>
     <dgm:cxn modelId="{C0C61C9C-4D95-3447-A23F-0E2369C120BB}" srcId="{564D7D85-61B0-AC47-BE50-D8FF1763EA3C}" destId="{8C308D2C-AAB2-C845-BFC3-8EA589820AA1}" srcOrd="0" destOrd="0" parTransId="{B0C5C1FB-9BBA-444D-9C0B-C8D73317BF17}" sibTransId="{03134B21-BD65-3442-BA91-03A4BBF740F1}"/>
@@ -10117,15 +10138,15 @@
     <dgm:cxn modelId="{47732B15-2C44-6E4E-A1F0-DBE99E014D6D}" srcId="{564D7D85-61B0-AC47-BE50-D8FF1763EA3C}" destId="{5A74360C-BCB6-C74B-9016-3ECC827EB3A4}" srcOrd="2" destOrd="0" parTransId="{75863CC7-0FBE-1C41-ADEC-F9D7380E1487}" sibTransId="{5EA398AF-6560-D64E-850B-3874020C8464}"/>
     <dgm:cxn modelId="{0F425F15-84E1-3D48-A5BE-919336B7CB32}" srcId="{9B8B9F17-DF99-9342-AC93-119D0C88718A}" destId="{FE524CFC-88AA-674E-B029-F632042AD10E}" srcOrd="0" destOrd="0" parTransId="{083781EC-2168-F349-8BB9-0687DD9DDA6B}" sibTransId="{814E2591-D072-7F41-9EAE-3E373C352E56}"/>
     <dgm:cxn modelId="{1894EB2D-BFB9-A840-8B97-E0639849EEB1}" type="presOf" srcId="{9B8B9F17-DF99-9342-AC93-119D0C88718A}" destId="{43AB5CC5-389F-0246-81B9-B3866C0C2632}" srcOrd="0" destOrd="0" presId="urn:microsoft.com/office/officeart/2005/8/layout/vList2"/>
+    <dgm:cxn modelId="{31C73560-D88E-7644-9DCF-0CA82CEAF294}" srcId="{0C433654-E965-D74A-8D2B-CA12390B1BE6}" destId="{9B8B9F17-DF99-9342-AC93-119D0C88718A}" srcOrd="0" destOrd="0" parTransId="{3F03B0A6-64CD-7340-B8D3-3386CCC6E47C}" sibTransId="{87E57475-B415-F348-A241-4AB0464EBD3A}"/>
     <dgm:cxn modelId="{60A46D42-43F4-064B-AE30-47543991DC1F}" type="presOf" srcId="{5A74360C-BCB6-C74B-9016-3ECC827EB3A4}" destId="{2DAA50D5-FA14-BE45-86DA-B9A9730BC9F6}" srcOrd="0" destOrd="2" presId="urn:microsoft.com/office/officeart/2005/8/layout/vList2"/>
-    <dgm:cxn modelId="{3ACD654E-CAD7-294E-972E-F084A36FF2D6}" srcId="{0C433654-E965-D74A-8D2B-CA12390B1BE6}" destId="{412A7F39-A00B-D044-AB39-A09D665D6A1C}" srcOrd="4" destOrd="0" parTransId="{A9BD4D71-B275-F843-99ED-BF7376717AE8}" sibTransId="{61907A69-2E29-3148-86C5-227ED8D0E835}"/>
-    <dgm:cxn modelId="{AEC94F50-C001-CE4E-85E2-2D142FD7D93B}" type="presOf" srcId="{8C308D2C-AAB2-C845-BFC3-8EA589820AA1}" destId="{2DAA50D5-FA14-BE45-86DA-B9A9730BC9F6}" srcOrd="0" destOrd="1" presId="urn:microsoft.com/office/officeart/2005/8/layout/vList2"/>
-    <dgm:cxn modelId="{31C73560-D88E-7644-9DCF-0CA82CEAF294}" srcId="{0C433654-E965-D74A-8D2B-CA12390B1BE6}" destId="{9B8B9F17-DF99-9342-AC93-119D0C88718A}" srcOrd="0" destOrd="0" parTransId="{3F03B0A6-64CD-7340-B8D3-3386CCC6E47C}" sibTransId="{87E57475-B415-F348-A241-4AB0464EBD3A}"/>
     <dgm:cxn modelId="{A268C863-2F98-1743-82D7-9BC0A0D46C5B}" type="presOf" srcId="{04676674-70B1-6E41-9B28-5C6D5F171FD5}" destId="{43AB5CC5-389F-0246-81B9-B3866C0C2632}" srcOrd="0" destOrd="3" presId="urn:microsoft.com/office/officeart/2005/8/layout/vList2"/>
     <dgm:cxn modelId="{94270964-106F-8849-AC1A-0029D458FE90}" type="presOf" srcId="{61718454-EC50-9E4B-AD8C-1BE44430F727}" destId="{43AB5CC5-389F-0246-81B9-B3866C0C2632}" srcOrd="0" destOrd="4" presId="urn:microsoft.com/office/officeart/2005/8/layout/vList2"/>
     <dgm:cxn modelId="{37B9D666-A530-9D49-B91C-BB30B9EB94C6}" type="presOf" srcId="{564D7D85-61B0-AC47-BE50-D8FF1763EA3C}" destId="{9AAA45CE-0B7E-7146-A7A0-1EC71B403540}" srcOrd="0" destOrd="0" presId="urn:microsoft.com/office/officeart/2005/8/layout/vList2"/>
     <dgm:cxn modelId="{C9DDA167-4DB1-B742-9BD2-BC5F1C9548DE}" type="presOf" srcId="{1F1A98DE-37C8-724C-90C4-423F3F4894B0}" destId="{43AB5CC5-389F-0246-81B9-B3866C0C2632}" srcOrd="0" destOrd="2" presId="urn:microsoft.com/office/officeart/2005/8/layout/vList2"/>
     <dgm:cxn modelId="{D1341868-450A-0B48-956C-A3EC53293CFB}" srcId="{0C433654-E965-D74A-8D2B-CA12390B1BE6}" destId="{61718454-EC50-9E4B-AD8C-1BE44430F727}" srcOrd="2" destOrd="0" parTransId="{C75A1FD0-2289-ED4C-8567-EE1BF745405B}" sibTransId="{46204773-C91F-8D4D-9E63-0CBE17D3D70A}"/>
+    <dgm:cxn modelId="{3ACD654E-CAD7-294E-972E-F084A36FF2D6}" srcId="{0C433654-E965-D74A-8D2B-CA12390B1BE6}" destId="{412A7F39-A00B-D044-AB39-A09D665D6A1C}" srcOrd="4" destOrd="0" parTransId="{A9BD4D71-B275-F843-99ED-BF7376717AE8}" sibTransId="{61907A69-2E29-3148-86C5-227ED8D0E835}"/>
+    <dgm:cxn modelId="{AEC94F50-C001-CE4E-85E2-2D142FD7D93B}" type="presOf" srcId="{8C308D2C-AAB2-C845-BFC3-8EA589820AA1}" destId="{2DAA50D5-FA14-BE45-86DA-B9A9730BC9F6}" srcOrd="0" destOrd="1" presId="urn:microsoft.com/office/officeart/2005/8/layout/vList2"/>
     <dgm:cxn modelId="{73B84877-7856-CD45-A61D-6F1AADC4E3FF}" srcId="{BACCFF47-C623-E34F-A983-98843F300FAF}" destId="{0C433654-E965-D74A-8D2B-CA12390B1BE6}" srcOrd="0" destOrd="0" parTransId="{02FFCEB3-A515-E346-B11C-37D9A7BBD5B7}" sibTransId="{834BB999-CFD7-CE45-9282-1EF61039DE75}"/>
     <dgm:cxn modelId="{25752579-793D-164C-9313-6A418016C33F}" srcId="{0C433654-E965-D74A-8D2B-CA12390B1BE6}" destId="{04676674-70B1-6E41-9B28-5C6D5F171FD5}" srcOrd="1" destOrd="0" parTransId="{A8E85219-AA3C-4E48-A072-54F871E1E868}" sibTransId="{AD2B3E56-40F9-2746-9A3A-9DCE4C7EE261}"/>
     <dgm:cxn modelId="{3E60E693-B1F3-2245-AF12-4F5A90578EBB}" srcId="{0C433654-E965-D74A-8D2B-CA12390B1BE6}" destId="{E06A1110-479A-7F4C-B39D-4DAEABA963E7}" srcOrd="3" destOrd="0" parTransId="{BC5F00FC-2D3E-1745-BE31-54072544D41B}" sibTransId="{1724AF55-FDE9-C446-9307-B9D0D809BF81}"/>
@@ -10624,15 +10645,15 @@
     <dgm:cxn modelId="{47732B15-2C44-6E4E-A1F0-DBE99E014D6D}" srcId="{564D7D85-61B0-AC47-BE50-D8FF1763EA3C}" destId="{5A74360C-BCB6-C74B-9016-3ECC827EB3A4}" srcOrd="2" destOrd="0" parTransId="{75863CC7-0FBE-1C41-ADEC-F9D7380E1487}" sibTransId="{5EA398AF-6560-D64E-850B-3874020C8464}"/>
     <dgm:cxn modelId="{0F425F15-84E1-3D48-A5BE-919336B7CB32}" srcId="{9B8B9F17-DF99-9342-AC93-119D0C88718A}" destId="{FE524CFC-88AA-674E-B029-F632042AD10E}" srcOrd="0" destOrd="0" parTransId="{083781EC-2168-F349-8BB9-0687DD9DDA6B}" sibTransId="{814E2591-D072-7F41-9EAE-3E373C352E56}"/>
     <dgm:cxn modelId="{1894EB2D-BFB9-A840-8B97-E0639849EEB1}" type="presOf" srcId="{9B8B9F17-DF99-9342-AC93-119D0C88718A}" destId="{43AB5CC5-389F-0246-81B9-B3866C0C2632}" srcOrd="0" destOrd="0" presId="urn:microsoft.com/office/officeart/2005/8/layout/vList2"/>
+    <dgm:cxn modelId="{31C73560-D88E-7644-9DCF-0CA82CEAF294}" srcId="{0C433654-E965-D74A-8D2B-CA12390B1BE6}" destId="{9B8B9F17-DF99-9342-AC93-119D0C88718A}" srcOrd="0" destOrd="0" parTransId="{3F03B0A6-64CD-7340-B8D3-3386CCC6E47C}" sibTransId="{87E57475-B415-F348-A241-4AB0464EBD3A}"/>
     <dgm:cxn modelId="{60A46D42-43F4-064B-AE30-47543991DC1F}" type="presOf" srcId="{5A74360C-BCB6-C74B-9016-3ECC827EB3A4}" destId="{2DAA50D5-FA14-BE45-86DA-B9A9730BC9F6}" srcOrd="0" destOrd="2" presId="urn:microsoft.com/office/officeart/2005/8/layout/vList2"/>
-    <dgm:cxn modelId="{3ACD654E-CAD7-294E-972E-F084A36FF2D6}" srcId="{0C433654-E965-D74A-8D2B-CA12390B1BE6}" destId="{412A7F39-A00B-D044-AB39-A09D665D6A1C}" srcOrd="3" destOrd="0" parTransId="{A9BD4D71-B275-F843-99ED-BF7376717AE8}" sibTransId="{61907A69-2E29-3148-86C5-227ED8D0E835}"/>
-    <dgm:cxn modelId="{AEC94F50-C001-CE4E-85E2-2D142FD7D93B}" type="presOf" srcId="{8C308D2C-AAB2-C845-BFC3-8EA589820AA1}" destId="{2DAA50D5-FA14-BE45-86DA-B9A9730BC9F6}" srcOrd="0" destOrd="1" presId="urn:microsoft.com/office/officeart/2005/8/layout/vList2"/>
-    <dgm:cxn modelId="{31C73560-D88E-7644-9DCF-0CA82CEAF294}" srcId="{0C433654-E965-D74A-8D2B-CA12390B1BE6}" destId="{9B8B9F17-DF99-9342-AC93-119D0C88718A}" srcOrd="0" destOrd="0" parTransId="{3F03B0A6-64CD-7340-B8D3-3386CCC6E47C}" sibTransId="{87E57475-B415-F348-A241-4AB0464EBD3A}"/>
     <dgm:cxn modelId="{A268C863-2F98-1743-82D7-9BC0A0D46C5B}" type="presOf" srcId="{04676674-70B1-6E41-9B28-5C6D5F171FD5}" destId="{43AB5CC5-389F-0246-81B9-B3866C0C2632}" srcOrd="0" destOrd="3" presId="urn:microsoft.com/office/officeart/2005/8/layout/vList2"/>
     <dgm:cxn modelId="{94270964-106F-8849-AC1A-0029D458FE90}" type="presOf" srcId="{61718454-EC50-9E4B-AD8C-1BE44430F727}" destId="{43AB5CC5-389F-0246-81B9-B3866C0C2632}" srcOrd="0" destOrd="4" presId="urn:microsoft.com/office/officeart/2005/8/layout/vList2"/>
     <dgm:cxn modelId="{37B9D666-A530-9D49-B91C-BB30B9EB94C6}" type="presOf" srcId="{564D7D85-61B0-AC47-BE50-D8FF1763EA3C}" destId="{9AAA45CE-0B7E-7146-A7A0-1EC71B403540}" srcOrd="0" destOrd="0" presId="urn:microsoft.com/office/officeart/2005/8/layout/vList2"/>
     <dgm:cxn modelId="{C9DDA167-4DB1-B742-9BD2-BC5F1C9548DE}" type="presOf" srcId="{1F1A98DE-37C8-724C-90C4-423F3F4894B0}" destId="{43AB5CC5-389F-0246-81B9-B3866C0C2632}" srcOrd="0" destOrd="2" presId="urn:microsoft.com/office/officeart/2005/8/layout/vList2"/>
     <dgm:cxn modelId="{D1341868-450A-0B48-956C-A3EC53293CFB}" srcId="{0C433654-E965-D74A-8D2B-CA12390B1BE6}" destId="{61718454-EC50-9E4B-AD8C-1BE44430F727}" srcOrd="1" destOrd="0" parTransId="{C75A1FD0-2289-ED4C-8567-EE1BF745405B}" sibTransId="{46204773-C91F-8D4D-9E63-0CBE17D3D70A}"/>
+    <dgm:cxn modelId="{3ACD654E-CAD7-294E-972E-F084A36FF2D6}" srcId="{0C433654-E965-D74A-8D2B-CA12390B1BE6}" destId="{412A7F39-A00B-D044-AB39-A09D665D6A1C}" srcOrd="3" destOrd="0" parTransId="{A9BD4D71-B275-F843-99ED-BF7376717AE8}" sibTransId="{61907A69-2E29-3148-86C5-227ED8D0E835}"/>
+    <dgm:cxn modelId="{AEC94F50-C001-CE4E-85E2-2D142FD7D93B}" type="presOf" srcId="{8C308D2C-AAB2-C845-BFC3-8EA589820AA1}" destId="{2DAA50D5-FA14-BE45-86DA-B9A9730BC9F6}" srcOrd="0" destOrd="1" presId="urn:microsoft.com/office/officeart/2005/8/layout/vList2"/>
     <dgm:cxn modelId="{73B84877-7856-CD45-A61D-6F1AADC4E3FF}" srcId="{BACCFF47-C623-E34F-A983-98843F300FAF}" destId="{0C433654-E965-D74A-8D2B-CA12390B1BE6}" srcOrd="0" destOrd="0" parTransId="{02FFCEB3-A515-E346-B11C-37D9A7BBD5B7}" sibTransId="{834BB999-CFD7-CE45-9282-1EF61039DE75}"/>
     <dgm:cxn modelId="{25752579-793D-164C-9313-6A418016C33F}" srcId="{1F1A98DE-37C8-724C-90C4-423F3F4894B0}" destId="{04676674-70B1-6E41-9B28-5C6D5F171FD5}" srcOrd="0" destOrd="0" parTransId="{A8E85219-AA3C-4E48-A072-54F871E1E868}" sibTransId="{AD2B3E56-40F9-2746-9A3A-9DCE4C7EE261}"/>
     <dgm:cxn modelId="{3E60E693-B1F3-2245-AF12-4F5A90578EBB}" srcId="{0C433654-E965-D74A-8D2B-CA12390B1BE6}" destId="{E06A1110-479A-7F4C-B39D-4DAEABA963E7}" srcOrd="2" destOrd="0" parTransId="{BC5F00FC-2D3E-1745-BE31-54072544D41B}" sibTransId="{1724AF55-FDE9-C446-9307-B9D0D809BF81}"/>
@@ -11130,16 +11151,16 @@
     <dgm:cxn modelId="{0F425F15-84E1-3D48-A5BE-919336B7CB32}" srcId="{9B8B9F17-DF99-9342-AC93-119D0C88718A}" destId="{FE524CFC-88AA-674E-B029-F632042AD10E}" srcOrd="0" destOrd="0" parTransId="{083781EC-2168-F349-8BB9-0687DD9DDA6B}" sibTransId="{814E2591-D072-7F41-9EAE-3E373C352E56}"/>
     <dgm:cxn modelId="{613E9C15-B325-EA40-9B38-B4D3CD9BA1A5}" type="presOf" srcId="{BCF53E9E-BC4C-5946-B87F-B9FED9EC6060}" destId="{2DAA50D5-FA14-BE45-86DA-B9A9730BC9F6}" srcOrd="0" destOrd="2" presId="urn:microsoft.com/office/officeart/2005/8/layout/vList2"/>
     <dgm:cxn modelId="{1894EB2D-BFB9-A840-8B97-E0639849EEB1}" type="presOf" srcId="{9B8B9F17-DF99-9342-AC93-119D0C88718A}" destId="{43AB5CC5-389F-0246-81B9-B3866C0C2632}" srcOrd="0" destOrd="0" presId="urn:microsoft.com/office/officeart/2005/8/layout/vList2"/>
+    <dgm:cxn modelId="{31C73560-D88E-7644-9DCF-0CA82CEAF294}" srcId="{0C433654-E965-D74A-8D2B-CA12390B1BE6}" destId="{9B8B9F17-DF99-9342-AC93-119D0C88718A}" srcOrd="0" destOrd="0" parTransId="{3F03B0A6-64CD-7340-B8D3-3386CCC6E47C}" sibTransId="{87E57475-B415-F348-A241-4AB0464EBD3A}"/>
     <dgm:cxn modelId="{60A46D42-43F4-064B-AE30-47543991DC1F}" type="presOf" srcId="{5A74360C-BCB6-C74B-9016-3ECC827EB3A4}" destId="{2DAA50D5-FA14-BE45-86DA-B9A9730BC9F6}" srcOrd="0" destOrd="1" presId="urn:microsoft.com/office/officeart/2005/8/layout/vList2"/>
-    <dgm:cxn modelId="{CA810B44-A60B-ED41-A31F-DDD83ADB0260}" srcId="{564D7D85-61B0-AC47-BE50-D8FF1763EA3C}" destId="{BCF53E9E-BC4C-5946-B87F-B9FED9EC6060}" srcOrd="2" destOrd="0" parTransId="{58AAC8AF-F8B1-BE4A-8B74-B4DA86EC636F}" sibTransId="{030E4BAF-A509-1E4E-8780-DCB98D295689}"/>
-    <dgm:cxn modelId="{3ACD654E-CAD7-294E-972E-F084A36FF2D6}" srcId="{0C433654-E965-D74A-8D2B-CA12390B1BE6}" destId="{412A7F39-A00B-D044-AB39-A09D665D6A1C}" srcOrd="3" destOrd="0" parTransId="{A9BD4D71-B275-F843-99ED-BF7376717AE8}" sibTransId="{61907A69-2E29-3148-86C5-227ED8D0E835}"/>
-    <dgm:cxn modelId="{AEC94F50-C001-CE4E-85E2-2D142FD7D93B}" type="presOf" srcId="{8C308D2C-AAB2-C845-BFC3-8EA589820AA1}" destId="{2DAA50D5-FA14-BE45-86DA-B9A9730BC9F6}" srcOrd="0" destOrd="0" presId="urn:microsoft.com/office/officeart/2005/8/layout/vList2"/>
-    <dgm:cxn modelId="{31C73560-D88E-7644-9DCF-0CA82CEAF294}" srcId="{0C433654-E965-D74A-8D2B-CA12390B1BE6}" destId="{9B8B9F17-DF99-9342-AC93-119D0C88718A}" srcOrd="0" destOrd="0" parTransId="{3F03B0A6-64CD-7340-B8D3-3386CCC6E47C}" sibTransId="{87E57475-B415-F348-A241-4AB0464EBD3A}"/>
     <dgm:cxn modelId="{A268C863-2F98-1743-82D7-9BC0A0D46C5B}" type="presOf" srcId="{04676674-70B1-6E41-9B28-5C6D5F171FD5}" destId="{43AB5CC5-389F-0246-81B9-B3866C0C2632}" srcOrd="0" destOrd="3" presId="urn:microsoft.com/office/officeart/2005/8/layout/vList2"/>
     <dgm:cxn modelId="{94270964-106F-8849-AC1A-0029D458FE90}" type="presOf" srcId="{61718454-EC50-9E4B-AD8C-1BE44430F727}" destId="{43AB5CC5-389F-0246-81B9-B3866C0C2632}" srcOrd="0" destOrd="4" presId="urn:microsoft.com/office/officeart/2005/8/layout/vList2"/>
+    <dgm:cxn modelId="{CA810B44-A60B-ED41-A31F-DDD83ADB0260}" srcId="{564D7D85-61B0-AC47-BE50-D8FF1763EA3C}" destId="{BCF53E9E-BC4C-5946-B87F-B9FED9EC6060}" srcOrd="2" destOrd="0" parTransId="{58AAC8AF-F8B1-BE4A-8B74-B4DA86EC636F}" sibTransId="{030E4BAF-A509-1E4E-8780-DCB98D295689}"/>
     <dgm:cxn modelId="{37B9D666-A530-9D49-B91C-BB30B9EB94C6}" type="presOf" srcId="{564D7D85-61B0-AC47-BE50-D8FF1763EA3C}" destId="{9AAA45CE-0B7E-7146-A7A0-1EC71B403540}" srcOrd="0" destOrd="0" presId="urn:microsoft.com/office/officeart/2005/8/layout/vList2"/>
     <dgm:cxn modelId="{C9DDA167-4DB1-B742-9BD2-BC5F1C9548DE}" type="presOf" srcId="{1F1A98DE-37C8-724C-90C4-423F3F4894B0}" destId="{43AB5CC5-389F-0246-81B9-B3866C0C2632}" srcOrd="0" destOrd="2" presId="urn:microsoft.com/office/officeart/2005/8/layout/vList2"/>
     <dgm:cxn modelId="{D1341868-450A-0B48-956C-A3EC53293CFB}" srcId="{0C433654-E965-D74A-8D2B-CA12390B1BE6}" destId="{61718454-EC50-9E4B-AD8C-1BE44430F727}" srcOrd="1" destOrd="0" parTransId="{C75A1FD0-2289-ED4C-8567-EE1BF745405B}" sibTransId="{46204773-C91F-8D4D-9E63-0CBE17D3D70A}"/>
+    <dgm:cxn modelId="{3ACD654E-CAD7-294E-972E-F084A36FF2D6}" srcId="{0C433654-E965-D74A-8D2B-CA12390B1BE6}" destId="{412A7F39-A00B-D044-AB39-A09D665D6A1C}" srcOrd="3" destOrd="0" parTransId="{A9BD4D71-B275-F843-99ED-BF7376717AE8}" sibTransId="{61907A69-2E29-3148-86C5-227ED8D0E835}"/>
+    <dgm:cxn modelId="{AEC94F50-C001-CE4E-85E2-2D142FD7D93B}" type="presOf" srcId="{8C308D2C-AAB2-C845-BFC3-8EA589820AA1}" destId="{2DAA50D5-FA14-BE45-86DA-B9A9730BC9F6}" srcOrd="0" destOrd="0" presId="urn:microsoft.com/office/officeart/2005/8/layout/vList2"/>
     <dgm:cxn modelId="{73B84877-7856-CD45-A61D-6F1AADC4E3FF}" srcId="{BACCFF47-C623-E34F-A983-98843F300FAF}" destId="{0C433654-E965-D74A-8D2B-CA12390B1BE6}" srcOrd="0" destOrd="0" parTransId="{02FFCEB3-A515-E346-B11C-37D9A7BBD5B7}" sibTransId="{834BB999-CFD7-CE45-9282-1EF61039DE75}"/>
     <dgm:cxn modelId="{25752579-793D-164C-9313-6A418016C33F}" srcId="{1F1A98DE-37C8-724C-90C4-423F3F4894B0}" destId="{04676674-70B1-6E41-9B28-5C6D5F171FD5}" srcOrd="0" destOrd="0" parTransId="{A8E85219-AA3C-4E48-A072-54F871E1E868}" sibTransId="{AD2B3E56-40F9-2746-9A3A-9DCE4C7EE261}"/>
     <dgm:cxn modelId="{3E60E693-B1F3-2245-AF12-4F5A90578EBB}" srcId="{0C433654-E965-D74A-8D2B-CA12390B1BE6}" destId="{E06A1110-479A-7F4C-B39D-4DAEABA963E7}" srcOrd="2" destOrd="0" parTransId="{BC5F00FC-2D3E-1745-BE31-54072544D41B}" sibTransId="{1724AF55-FDE9-C446-9307-B9D0D809BF81}"/>
@@ -11637,18 +11658,18 @@
     <dgm:cxn modelId="{47732B15-2C44-6E4E-A1F0-DBE99E014D6D}" srcId="{564D7D85-61B0-AC47-BE50-D8FF1763EA3C}" destId="{5A74360C-BCB6-C74B-9016-3ECC827EB3A4}" srcOrd="0" destOrd="0" parTransId="{75863CC7-0FBE-1C41-ADEC-F9D7380E1487}" sibTransId="{5EA398AF-6560-D64E-850B-3874020C8464}"/>
     <dgm:cxn modelId="{0F425F15-84E1-3D48-A5BE-919336B7CB32}" srcId="{9B8B9F17-DF99-9342-AC93-119D0C88718A}" destId="{FE524CFC-88AA-674E-B029-F632042AD10E}" srcOrd="0" destOrd="0" parTransId="{083781EC-2168-F349-8BB9-0687DD9DDA6B}" sibTransId="{814E2591-D072-7F41-9EAE-3E373C352E56}"/>
     <dgm:cxn modelId="{1894EB2D-BFB9-A840-8B97-E0639849EEB1}" type="presOf" srcId="{9B8B9F17-DF99-9342-AC93-119D0C88718A}" destId="{43AB5CC5-389F-0246-81B9-B3866C0C2632}" srcOrd="0" destOrd="0" presId="urn:microsoft.com/office/officeart/2005/8/layout/vList2"/>
+    <dgm:cxn modelId="{31C73560-D88E-7644-9DCF-0CA82CEAF294}" srcId="{0C433654-E965-D74A-8D2B-CA12390B1BE6}" destId="{9B8B9F17-DF99-9342-AC93-119D0C88718A}" srcOrd="0" destOrd="0" parTransId="{3F03B0A6-64CD-7340-B8D3-3386CCC6E47C}" sibTransId="{87E57475-B415-F348-A241-4AB0464EBD3A}"/>
     <dgm:cxn modelId="{60A46D42-43F4-064B-AE30-47543991DC1F}" type="presOf" srcId="{5A74360C-BCB6-C74B-9016-3ECC827EB3A4}" destId="{2DAA50D5-FA14-BE45-86DA-B9A9730BC9F6}" srcOrd="0" destOrd="0" presId="urn:microsoft.com/office/officeart/2005/8/layout/vList2"/>
-    <dgm:cxn modelId="{3ACD654E-CAD7-294E-972E-F084A36FF2D6}" srcId="{0C433654-E965-D74A-8D2B-CA12390B1BE6}" destId="{412A7F39-A00B-D044-AB39-A09D665D6A1C}" srcOrd="2" destOrd="0" parTransId="{A9BD4D71-B275-F843-99ED-BF7376717AE8}" sibTransId="{61907A69-2E29-3148-86C5-227ED8D0E835}"/>
-    <dgm:cxn modelId="{5780FA59-A585-954F-9B5A-33E9E8D046A1}" type="presOf" srcId="{84F6D483-4AE6-E04D-A90A-61C7C23175C6}" destId="{2DAA50D5-FA14-BE45-86DA-B9A9730BC9F6}" srcOrd="0" destOrd="2" presId="urn:microsoft.com/office/officeart/2005/8/layout/vList2"/>
-    <dgm:cxn modelId="{31C73560-D88E-7644-9DCF-0CA82CEAF294}" srcId="{0C433654-E965-D74A-8D2B-CA12390B1BE6}" destId="{9B8B9F17-DF99-9342-AC93-119D0C88718A}" srcOrd="0" destOrd="0" parTransId="{3F03B0A6-64CD-7340-B8D3-3386CCC6E47C}" sibTransId="{87E57475-B415-F348-A241-4AB0464EBD3A}"/>
     <dgm:cxn modelId="{A268C863-2F98-1743-82D7-9BC0A0D46C5B}" type="presOf" srcId="{04676674-70B1-6E41-9B28-5C6D5F171FD5}" destId="{43AB5CC5-389F-0246-81B9-B3866C0C2632}" srcOrd="0" destOrd="3" presId="urn:microsoft.com/office/officeart/2005/8/layout/vList2"/>
     <dgm:cxn modelId="{94270964-106F-8849-AC1A-0029D458FE90}" type="presOf" srcId="{61718454-EC50-9E4B-AD8C-1BE44430F727}" destId="{43AB5CC5-389F-0246-81B9-B3866C0C2632}" srcOrd="0" destOrd="4" presId="urn:microsoft.com/office/officeart/2005/8/layout/vList2"/>
     <dgm:cxn modelId="{37B9D666-A530-9D49-B91C-BB30B9EB94C6}" type="presOf" srcId="{564D7D85-61B0-AC47-BE50-D8FF1763EA3C}" destId="{9AAA45CE-0B7E-7146-A7A0-1EC71B403540}" srcOrd="0" destOrd="0" presId="urn:microsoft.com/office/officeart/2005/8/layout/vList2"/>
     <dgm:cxn modelId="{C9DDA167-4DB1-B742-9BD2-BC5F1C9548DE}" type="presOf" srcId="{1F1A98DE-37C8-724C-90C4-423F3F4894B0}" destId="{43AB5CC5-389F-0246-81B9-B3866C0C2632}" srcOrd="0" destOrd="2" presId="urn:microsoft.com/office/officeart/2005/8/layout/vList2"/>
     <dgm:cxn modelId="{D1341868-450A-0B48-956C-A3EC53293CFB}" srcId="{FE524CFC-88AA-674E-B029-F632042AD10E}" destId="{61718454-EC50-9E4B-AD8C-1BE44430F727}" srcOrd="1" destOrd="0" parTransId="{C75A1FD0-2289-ED4C-8567-EE1BF745405B}" sibTransId="{46204773-C91F-8D4D-9E63-0CBE17D3D70A}"/>
     <dgm:cxn modelId="{35FD8B6D-6D16-0C49-A6D2-6CC5352BB366}" type="presOf" srcId="{EDDDD9D3-0430-284F-9F69-70EBFC925320}" destId="{2DAA50D5-FA14-BE45-86DA-B9A9730BC9F6}" srcOrd="0" destOrd="1" presId="urn:microsoft.com/office/officeart/2005/8/layout/vList2"/>
+    <dgm:cxn modelId="{3ACD654E-CAD7-294E-972E-F084A36FF2D6}" srcId="{0C433654-E965-D74A-8D2B-CA12390B1BE6}" destId="{412A7F39-A00B-D044-AB39-A09D665D6A1C}" srcOrd="2" destOrd="0" parTransId="{A9BD4D71-B275-F843-99ED-BF7376717AE8}" sibTransId="{61907A69-2E29-3148-86C5-227ED8D0E835}"/>
     <dgm:cxn modelId="{73B84877-7856-CD45-A61D-6F1AADC4E3FF}" srcId="{BACCFF47-C623-E34F-A983-98843F300FAF}" destId="{0C433654-E965-D74A-8D2B-CA12390B1BE6}" srcOrd="0" destOrd="0" parTransId="{02FFCEB3-A515-E346-B11C-37D9A7BBD5B7}" sibTransId="{834BB999-CFD7-CE45-9282-1EF61039DE75}"/>
     <dgm:cxn modelId="{25752579-793D-164C-9313-6A418016C33F}" srcId="{1F1A98DE-37C8-724C-90C4-423F3F4894B0}" destId="{04676674-70B1-6E41-9B28-5C6D5F171FD5}" srcOrd="0" destOrd="0" parTransId="{A8E85219-AA3C-4E48-A072-54F871E1E868}" sibTransId="{AD2B3E56-40F9-2746-9A3A-9DCE4C7EE261}"/>
+    <dgm:cxn modelId="{5780FA59-A585-954F-9B5A-33E9E8D046A1}" type="presOf" srcId="{84F6D483-4AE6-E04D-A90A-61C7C23175C6}" destId="{2DAA50D5-FA14-BE45-86DA-B9A9730BC9F6}" srcOrd="0" destOrd="2" presId="urn:microsoft.com/office/officeart/2005/8/layout/vList2"/>
     <dgm:cxn modelId="{3E60E693-B1F3-2245-AF12-4F5A90578EBB}" srcId="{0C433654-E965-D74A-8D2B-CA12390B1BE6}" destId="{E06A1110-479A-7F4C-B39D-4DAEABA963E7}" srcOrd="1" destOrd="0" parTransId="{BC5F00FC-2D3E-1745-BE31-54072544D41B}" sibTransId="{1724AF55-FDE9-C446-9307-B9D0D809BF81}"/>
     <dgm:cxn modelId="{6E7782A7-2AE1-7E47-A6F5-6A0E9127E1C2}" type="presOf" srcId="{E06A1110-479A-7F4C-B39D-4DAEABA963E7}" destId="{43AB5CC5-389F-0246-81B9-B3866C0C2632}" srcOrd="0" destOrd="5" presId="urn:microsoft.com/office/officeart/2005/8/layout/vList2"/>
     <dgm:cxn modelId="{702132AE-E8FC-D943-98BF-D6F90C082510}" srcId="{FE524CFC-88AA-674E-B029-F632042AD10E}" destId="{1F1A98DE-37C8-724C-90C4-423F3F4894B0}" srcOrd="0" destOrd="0" parTransId="{79959F14-BABE-234E-ABE6-615F79A4163F}" sibTransId="{AAEA371B-A60D-7F46-87D0-65B5BF2F4EEF}"/>
@@ -12142,18 +12163,18 @@
     <dgm:cxn modelId="{47732B15-2C44-6E4E-A1F0-DBE99E014D6D}" srcId="{564D7D85-61B0-AC47-BE50-D8FF1763EA3C}" destId="{5A74360C-BCB6-C74B-9016-3ECC827EB3A4}" srcOrd="0" destOrd="0" parTransId="{75863CC7-0FBE-1C41-ADEC-F9D7380E1487}" sibTransId="{5EA398AF-6560-D64E-850B-3874020C8464}"/>
     <dgm:cxn modelId="{0F425F15-84E1-3D48-A5BE-919336B7CB32}" srcId="{9B8B9F17-DF99-9342-AC93-119D0C88718A}" destId="{FE524CFC-88AA-674E-B029-F632042AD10E}" srcOrd="0" destOrd="0" parTransId="{083781EC-2168-F349-8BB9-0687DD9DDA6B}" sibTransId="{814E2591-D072-7F41-9EAE-3E373C352E56}"/>
     <dgm:cxn modelId="{1894EB2D-BFB9-A840-8B97-E0639849EEB1}" type="presOf" srcId="{9B8B9F17-DF99-9342-AC93-119D0C88718A}" destId="{43AB5CC5-389F-0246-81B9-B3866C0C2632}" srcOrd="0" destOrd="0" presId="urn:microsoft.com/office/officeart/2005/8/layout/vList2"/>
+    <dgm:cxn modelId="{31C73560-D88E-7644-9DCF-0CA82CEAF294}" srcId="{0C433654-E965-D74A-8D2B-CA12390B1BE6}" destId="{9B8B9F17-DF99-9342-AC93-119D0C88718A}" srcOrd="0" destOrd="0" parTransId="{3F03B0A6-64CD-7340-B8D3-3386CCC6E47C}" sibTransId="{87E57475-B415-F348-A241-4AB0464EBD3A}"/>
     <dgm:cxn modelId="{60A46D42-43F4-064B-AE30-47543991DC1F}" type="presOf" srcId="{5A74360C-BCB6-C74B-9016-3ECC827EB3A4}" destId="{2DAA50D5-FA14-BE45-86DA-B9A9730BC9F6}" srcOrd="0" destOrd="0" presId="urn:microsoft.com/office/officeart/2005/8/layout/vList2"/>
-    <dgm:cxn modelId="{3ACD654E-CAD7-294E-972E-F084A36FF2D6}" srcId="{0C433654-E965-D74A-8D2B-CA12390B1BE6}" destId="{412A7F39-A00B-D044-AB39-A09D665D6A1C}" srcOrd="2" destOrd="0" parTransId="{A9BD4D71-B275-F843-99ED-BF7376717AE8}" sibTransId="{61907A69-2E29-3148-86C5-227ED8D0E835}"/>
-    <dgm:cxn modelId="{5780FA59-A585-954F-9B5A-33E9E8D046A1}" type="presOf" srcId="{84F6D483-4AE6-E04D-A90A-61C7C23175C6}" destId="{2DAA50D5-FA14-BE45-86DA-B9A9730BC9F6}" srcOrd="0" destOrd="2" presId="urn:microsoft.com/office/officeart/2005/8/layout/vList2"/>
-    <dgm:cxn modelId="{31C73560-D88E-7644-9DCF-0CA82CEAF294}" srcId="{0C433654-E965-D74A-8D2B-CA12390B1BE6}" destId="{9B8B9F17-DF99-9342-AC93-119D0C88718A}" srcOrd="0" destOrd="0" parTransId="{3F03B0A6-64CD-7340-B8D3-3386CCC6E47C}" sibTransId="{87E57475-B415-F348-A241-4AB0464EBD3A}"/>
     <dgm:cxn modelId="{A268C863-2F98-1743-82D7-9BC0A0D46C5B}" type="presOf" srcId="{04676674-70B1-6E41-9B28-5C6D5F171FD5}" destId="{43AB5CC5-389F-0246-81B9-B3866C0C2632}" srcOrd="0" destOrd="3" presId="urn:microsoft.com/office/officeart/2005/8/layout/vList2"/>
     <dgm:cxn modelId="{94270964-106F-8849-AC1A-0029D458FE90}" type="presOf" srcId="{61718454-EC50-9E4B-AD8C-1BE44430F727}" destId="{43AB5CC5-389F-0246-81B9-B3866C0C2632}" srcOrd="0" destOrd="4" presId="urn:microsoft.com/office/officeart/2005/8/layout/vList2"/>
     <dgm:cxn modelId="{37B9D666-A530-9D49-B91C-BB30B9EB94C6}" type="presOf" srcId="{564D7D85-61B0-AC47-BE50-D8FF1763EA3C}" destId="{9AAA45CE-0B7E-7146-A7A0-1EC71B403540}" srcOrd="0" destOrd="0" presId="urn:microsoft.com/office/officeart/2005/8/layout/vList2"/>
     <dgm:cxn modelId="{C9DDA167-4DB1-B742-9BD2-BC5F1C9548DE}" type="presOf" srcId="{1F1A98DE-37C8-724C-90C4-423F3F4894B0}" destId="{43AB5CC5-389F-0246-81B9-B3866C0C2632}" srcOrd="0" destOrd="2" presId="urn:microsoft.com/office/officeart/2005/8/layout/vList2"/>
     <dgm:cxn modelId="{D1341868-450A-0B48-956C-A3EC53293CFB}" srcId="{FE524CFC-88AA-674E-B029-F632042AD10E}" destId="{61718454-EC50-9E4B-AD8C-1BE44430F727}" srcOrd="1" destOrd="0" parTransId="{C75A1FD0-2289-ED4C-8567-EE1BF745405B}" sibTransId="{46204773-C91F-8D4D-9E63-0CBE17D3D70A}"/>
     <dgm:cxn modelId="{35FD8B6D-6D16-0C49-A6D2-6CC5352BB366}" type="presOf" srcId="{EDDDD9D3-0430-284F-9F69-70EBFC925320}" destId="{2DAA50D5-FA14-BE45-86DA-B9A9730BC9F6}" srcOrd="0" destOrd="1" presId="urn:microsoft.com/office/officeart/2005/8/layout/vList2"/>
+    <dgm:cxn modelId="{3ACD654E-CAD7-294E-972E-F084A36FF2D6}" srcId="{0C433654-E965-D74A-8D2B-CA12390B1BE6}" destId="{412A7F39-A00B-D044-AB39-A09D665D6A1C}" srcOrd="2" destOrd="0" parTransId="{A9BD4D71-B275-F843-99ED-BF7376717AE8}" sibTransId="{61907A69-2E29-3148-86C5-227ED8D0E835}"/>
     <dgm:cxn modelId="{73B84877-7856-CD45-A61D-6F1AADC4E3FF}" srcId="{BACCFF47-C623-E34F-A983-98843F300FAF}" destId="{0C433654-E965-D74A-8D2B-CA12390B1BE6}" srcOrd="0" destOrd="0" parTransId="{02FFCEB3-A515-E346-B11C-37D9A7BBD5B7}" sibTransId="{834BB999-CFD7-CE45-9282-1EF61039DE75}"/>
     <dgm:cxn modelId="{25752579-793D-164C-9313-6A418016C33F}" srcId="{1F1A98DE-37C8-724C-90C4-423F3F4894B0}" destId="{04676674-70B1-6E41-9B28-5C6D5F171FD5}" srcOrd="0" destOrd="0" parTransId="{A8E85219-AA3C-4E48-A072-54F871E1E868}" sibTransId="{AD2B3E56-40F9-2746-9A3A-9DCE4C7EE261}"/>
+    <dgm:cxn modelId="{5780FA59-A585-954F-9B5A-33E9E8D046A1}" type="presOf" srcId="{84F6D483-4AE6-E04D-A90A-61C7C23175C6}" destId="{2DAA50D5-FA14-BE45-86DA-B9A9730BC9F6}" srcOrd="0" destOrd="2" presId="urn:microsoft.com/office/officeart/2005/8/layout/vList2"/>
     <dgm:cxn modelId="{3E60E693-B1F3-2245-AF12-4F5A90578EBB}" srcId="{0C433654-E965-D74A-8D2B-CA12390B1BE6}" destId="{E06A1110-479A-7F4C-B39D-4DAEABA963E7}" srcOrd="1" destOrd="0" parTransId="{BC5F00FC-2D3E-1745-BE31-54072544D41B}" sibTransId="{1724AF55-FDE9-C446-9307-B9D0D809BF81}"/>
     <dgm:cxn modelId="{6E7782A7-2AE1-7E47-A6F5-6A0E9127E1C2}" type="presOf" srcId="{E06A1110-479A-7F4C-B39D-4DAEABA963E7}" destId="{43AB5CC5-389F-0246-81B9-B3866C0C2632}" srcOrd="0" destOrd="5" presId="urn:microsoft.com/office/officeart/2005/8/layout/vList2"/>
     <dgm:cxn modelId="{702132AE-E8FC-D943-98BF-D6F90C082510}" srcId="{FE524CFC-88AA-674E-B029-F632042AD10E}" destId="{1F1A98DE-37C8-724C-90C4-423F3F4894B0}" srcOrd="0" destOrd="0" parTransId="{79959F14-BABE-234E-ABE6-615F79A4163F}" sibTransId="{AAEA371B-A60D-7F46-87D0-65B5BF2F4EEF}"/>
@@ -12668,15 +12689,15 @@
     <dgm:cxn modelId="{0F425F15-84E1-3D48-A5BE-919336B7CB32}" srcId="{9B8B9F17-DF99-9342-AC93-119D0C88718A}" destId="{FE524CFC-88AA-674E-B029-F632042AD10E}" srcOrd="0" destOrd="0" parTransId="{083781EC-2168-F349-8BB9-0687DD9DDA6B}" sibTransId="{814E2591-D072-7F41-9EAE-3E373C352E56}"/>
     <dgm:cxn modelId="{A7DFD31D-9D41-AE4A-8811-E11699ED3AC7}" srcId="{564D7D85-61B0-AC47-BE50-D8FF1763EA3C}" destId="{E485A7EF-F1CE-C640-8FD8-ABC3F9D007A0}" srcOrd="2" destOrd="0" parTransId="{E93A93EB-7F5E-C84D-8B7B-4CCA9F21B5D4}" sibTransId="{EB5EBF20-2260-AF47-8471-C3020F44065D}"/>
     <dgm:cxn modelId="{1894EB2D-BFB9-A840-8B97-E0639849EEB1}" type="presOf" srcId="{9B8B9F17-DF99-9342-AC93-119D0C88718A}" destId="{43AB5CC5-389F-0246-81B9-B3866C0C2632}" srcOrd="0" destOrd="0" presId="urn:microsoft.com/office/officeart/2005/8/layout/vList2"/>
+    <dgm:cxn modelId="{31C73560-D88E-7644-9DCF-0CA82CEAF294}" srcId="{0C433654-E965-D74A-8D2B-CA12390B1BE6}" destId="{9B8B9F17-DF99-9342-AC93-119D0C88718A}" srcOrd="0" destOrd="0" parTransId="{3F03B0A6-64CD-7340-B8D3-3386CCC6E47C}" sibTransId="{87E57475-B415-F348-A241-4AB0464EBD3A}"/>
     <dgm:cxn modelId="{60A46D42-43F4-064B-AE30-47543991DC1F}" type="presOf" srcId="{5A74360C-BCB6-C74B-9016-3ECC827EB3A4}" destId="{2DAA50D5-FA14-BE45-86DA-B9A9730BC9F6}" srcOrd="0" destOrd="1" presId="urn:microsoft.com/office/officeart/2005/8/layout/vList2"/>
-    <dgm:cxn modelId="{3ACD654E-CAD7-294E-972E-F084A36FF2D6}" srcId="{0C433654-E965-D74A-8D2B-CA12390B1BE6}" destId="{412A7F39-A00B-D044-AB39-A09D665D6A1C}" srcOrd="1" destOrd="0" parTransId="{A9BD4D71-B275-F843-99ED-BF7376717AE8}" sibTransId="{61907A69-2E29-3148-86C5-227ED8D0E835}"/>
-    <dgm:cxn modelId="{AEC94F50-C001-CE4E-85E2-2D142FD7D93B}" type="presOf" srcId="{8C308D2C-AAB2-C845-BFC3-8EA589820AA1}" destId="{2DAA50D5-FA14-BE45-86DA-B9A9730BC9F6}" srcOrd="0" destOrd="0" presId="urn:microsoft.com/office/officeart/2005/8/layout/vList2"/>
-    <dgm:cxn modelId="{31C73560-D88E-7644-9DCF-0CA82CEAF294}" srcId="{0C433654-E965-D74A-8D2B-CA12390B1BE6}" destId="{9B8B9F17-DF99-9342-AC93-119D0C88718A}" srcOrd="0" destOrd="0" parTransId="{3F03B0A6-64CD-7340-B8D3-3386CCC6E47C}" sibTransId="{87E57475-B415-F348-A241-4AB0464EBD3A}"/>
     <dgm:cxn modelId="{A268C863-2F98-1743-82D7-9BC0A0D46C5B}" type="presOf" srcId="{04676674-70B1-6E41-9B28-5C6D5F171FD5}" destId="{43AB5CC5-389F-0246-81B9-B3866C0C2632}" srcOrd="0" destOrd="3" presId="urn:microsoft.com/office/officeart/2005/8/layout/vList2"/>
     <dgm:cxn modelId="{94270964-106F-8849-AC1A-0029D458FE90}" type="presOf" srcId="{61718454-EC50-9E4B-AD8C-1BE44430F727}" destId="{43AB5CC5-389F-0246-81B9-B3866C0C2632}" srcOrd="0" destOrd="4" presId="urn:microsoft.com/office/officeart/2005/8/layout/vList2"/>
     <dgm:cxn modelId="{37B9D666-A530-9D49-B91C-BB30B9EB94C6}" type="presOf" srcId="{564D7D85-61B0-AC47-BE50-D8FF1763EA3C}" destId="{9AAA45CE-0B7E-7146-A7A0-1EC71B403540}" srcOrd="0" destOrd="0" presId="urn:microsoft.com/office/officeart/2005/8/layout/vList2"/>
     <dgm:cxn modelId="{C9DDA167-4DB1-B742-9BD2-BC5F1C9548DE}" type="presOf" srcId="{1F1A98DE-37C8-724C-90C4-423F3F4894B0}" destId="{43AB5CC5-389F-0246-81B9-B3866C0C2632}" srcOrd="0" destOrd="2" presId="urn:microsoft.com/office/officeart/2005/8/layout/vList2"/>
     <dgm:cxn modelId="{D1341868-450A-0B48-956C-A3EC53293CFB}" srcId="{FE524CFC-88AA-674E-B029-F632042AD10E}" destId="{61718454-EC50-9E4B-AD8C-1BE44430F727}" srcOrd="1" destOrd="0" parTransId="{C75A1FD0-2289-ED4C-8567-EE1BF745405B}" sibTransId="{46204773-C91F-8D4D-9E63-0CBE17D3D70A}"/>
+    <dgm:cxn modelId="{3ACD654E-CAD7-294E-972E-F084A36FF2D6}" srcId="{0C433654-E965-D74A-8D2B-CA12390B1BE6}" destId="{412A7F39-A00B-D044-AB39-A09D665D6A1C}" srcOrd="1" destOrd="0" parTransId="{A9BD4D71-B275-F843-99ED-BF7376717AE8}" sibTransId="{61907A69-2E29-3148-86C5-227ED8D0E835}"/>
+    <dgm:cxn modelId="{AEC94F50-C001-CE4E-85E2-2D142FD7D93B}" type="presOf" srcId="{8C308D2C-AAB2-C845-BFC3-8EA589820AA1}" destId="{2DAA50D5-FA14-BE45-86DA-B9A9730BC9F6}" srcOrd="0" destOrd="0" presId="urn:microsoft.com/office/officeart/2005/8/layout/vList2"/>
     <dgm:cxn modelId="{73B84877-7856-CD45-A61D-6F1AADC4E3FF}" srcId="{BACCFF47-C623-E34F-A983-98843F300FAF}" destId="{0C433654-E965-D74A-8D2B-CA12390B1BE6}" srcOrd="0" destOrd="0" parTransId="{02FFCEB3-A515-E346-B11C-37D9A7BBD5B7}" sibTransId="{834BB999-CFD7-CE45-9282-1EF61039DE75}"/>
     <dgm:cxn modelId="{25752579-793D-164C-9313-6A418016C33F}" srcId="{1F1A98DE-37C8-724C-90C4-423F3F4894B0}" destId="{04676674-70B1-6E41-9B28-5C6D5F171FD5}" srcOrd="0" destOrd="0" parTransId="{A8E85219-AA3C-4E48-A072-54F871E1E868}" sibTransId="{AD2B3E56-40F9-2746-9A3A-9DCE4C7EE261}"/>
     <dgm:cxn modelId="{3E60E693-B1F3-2245-AF12-4F5A90578EBB}" srcId="{9B8B9F17-DF99-9342-AC93-119D0C88718A}" destId="{E06A1110-479A-7F4C-B39D-4DAEABA963E7}" srcOrd="1" destOrd="0" parTransId="{BC5F00FC-2D3E-1745-BE31-54072544D41B}" sibTransId="{1724AF55-FDE9-C446-9307-B9D0D809BF81}"/>
@@ -29446,7 +29467,7 @@
               <a:pPr>
                 <a:defRPr/>
               </a:pPr>
-              <a:t>28.06.2018</a:t>
+              <a:t>21.02.2021</a:t>
             </a:fld>
             <a:endParaRPr lang="pl-PL"/>
           </a:p>
@@ -29927,7 +29948,7 @@
               <a:pPr>
                 <a:defRPr/>
               </a:pPr>
-              <a:t>28.06.2018</a:t>
+              <a:t>21.02.2021</a:t>
             </a:fld>
             <a:endParaRPr lang="pl-PL"/>
           </a:p>
@@ -30135,7 +30156,7 @@
               <a:pPr>
                 <a:defRPr/>
               </a:pPr>
-              <a:t>28.06.2018</a:t>
+              <a:t>21.02.2021</a:t>
             </a:fld>
             <a:endParaRPr lang="pl-PL"/>
           </a:p>
@@ -30353,7 +30374,7 @@
               <a:pPr>
                 <a:defRPr/>
               </a:pPr>
-              <a:t>28.06.2018</a:t>
+              <a:t>21.02.2021</a:t>
             </a:fld>
             <a:endParaRPr lang="pl-PL"/>
           </a:p>
@@ -30561,7 +30582,7 @@
               <a:pPr>
                 <a:defRPr/>
               </a:pPr>
-              <a:t>28.06.2018</a:t>
+              <a:t>21.02.2021</a:t>
             </a:fld>
             <a:endParaRPr lang="pl-PL"/>
           </a:p>
@@ -30846,7 +30867,7 @@
               <a:pPr>
                 <a:defRPr/>
               </a:pPr>
-              <a:t>28.06.2018</a:t>
+              <a:t>21.02.2021</a:t>
             </a:fld>
             <a:endParaRPr lang="pl-PL"/>
           </a:p>
@@ -31115,7 +31136,7 @@
               <a:pPr>
                 <a:defRPr/>
               </a:pPr>
-              <a:t>28.06.2018</a:t>
+              <a:t>21.02.2021</a:t>
             </a:fld>
             <a:endParaRPr lang="pl-PL"/>
           </a:p>
@@ -31519,7 +31540,7 @@
               <a:pPr>
                 <a:defRPr/>
               </a:pPr>
-              <a:t>28.06.2018</a:t>
+              <a:t>21.02.2021</a:t>
             </a:fld>
             <a:endParaRPr lang="pl-PL"/>
           </a:p>
@@ -31676,7 +31697,7 @@
               <a:pPr>
                 <a:defRPr/>
               </a:pPr>
-              <a:t>28.06.2018</a:t>
+              <a:t>21.02.2021</a:t>
             </a:fld>
             <a:endParaRPr lang="pl-PL"/>
           </a:p>
@@ -31811,7 +31832,7 @@
               <a:pPr>
                 <a:defRPr/>
               </a:pPr>
-              <a:t>28.06.2018</a:t>
+              <a:t>21.02.2021</a:t>
             </a:fld>
             <a:endParaRPr lang="pl-PL"/>
           </a:p>
@@ -32126,7 +32147,7 @@
               <a:pPr>
                 <a:defRPr/>
               </a:pPr>
-              <a:t>28.06.2018</a:t>
+              <a:t>21.02.2021</a:t>
             </a:fld>
             <a:endParaRPr lang="pl-PL"/>
           </a:p>
@@ -32421,7 +32442,7 @@
               <a:pPr>
                 <a:defRPr/>
               </a:pPr>
-              <a:t>28.06.2018</a:t>
+              <a:t>21.02.2021</a:t>
             </a:fld>
             <a:endParaRPr lang="pl-PL"/>
           </a:p>
@@ -32742,7 +32763,7 @@
               <a:pPr>
                 <a:defRPr/>
               </a:pPr>
-              <a:t>28.06.2018</a:t>
+              <a:t>21.02.2021</a:t>
             </a:fld>
             <a:endParaRPr lang="pl-PL"/>
           </a:p>
@@ -33392,470 +33413,6 @@
 </file>
 
 <file path=ppt/slides/slide10.xml><?xml version="1.0" encoding="utf-8"?>
-<p:sld xmlns:a="http://schemas.openxmlformats.org/drawingml/2006/main" xmlns:r="http://schemas.openxmlformats.org/officeDocument/2006/relationships" xmlns:p="http://schemas.openxmlformats.org/presentationml/2006/main">
-  <p:cSld>
-    <p:spTree>
-      <p:nvGrpSpPr>
-        <p:cNvPr id="1" name=""/>
-        <p:cNvGrpSpPr/>
-        <p:nvPr/>
-      </p:nvGrpSpPr>
-      <p:grpSpPr>
-        <a:xfrm>
-          <a:off x="0" y="0"/>
-          <a:ext cx="0" cy="0"/>
-          <a:chOff x="0" y="0"/>
-          <a:chExt cx="0" cy="0"/>
-        </a:xfrm>
-      </p:grpSpPr>
-      <p:graphicFrame>
-        <p:nvGraphicFramePr>
-          <p:cNvPr id="7" name="Diagram 6"/>
-          <p:cNvGraphicFramePr/>
-          <p:nvPr>
-            <p:extLst/>
-          </p:nvPr>
-        </p:nvGraphicFramePr>
-        <p:xfrm>
-          <a:off x="5874419" y="639129"/>
-          <a:ext cx="5423613" cy="5278786"/>
-        </p:xfrm>
-        <a:graphic>
-          <a:graphicData uri="http://schemas.openxmlformats.org/drawingml/2006/diagram">
-            <dgm:relIds xmlns:dgm="http://schemas.openxmlformats.org/drawingml/2006/diagram" xmlns:r="http://schemas.openxmlformats.org/officeDocument/2006/relationships" r:dm="rId2" r:lo="rId3" r:qs="rId4" r:cs="rId5"/>
-          </a:graphicData>
-        </a:graphic>
-      </p:graphicFrame>
-      <p:grpSp>
-        <p:nvGrpSpPr>
-          <p:cNvPr id="12" name="Grupa 38">
-            <a:extLst>
-              <a:ext uri="{FF2B5EF4-FFF2-40B4-BE49-F238E27FC236}">
-                <a16:creationId xmlns:a16="http://schemas.microsoft.com/office/drawing/2014/main" id="{EC2A32E3-149D-EF45-B904-28D81181473C}"/>
-              </a:ext>
-            </a:extLst>
-          </p:cNvPr>
-          <p:cNvGrpSpPr>
-            <a:grpSpLocks/>
-          </p:cNvGrpSpPr>
-          <p:nvPr/>
-        </p:nvGrpSpPr>
-        <p:grpSpPr bwMode="auto">
-          <a:xfrm>
-            <a:off x="676347" y="1533859"/>
-            <a:ext cx="4402138" cy="3489325"/>
-            <a:chOff x="3487784" y="1711236"/>
-            <a:chExt cx="4402182" cy="3487782"/>
-          </a:xfrm>
-        </p:grpSpPr>
-        <p:sp>
-          <p:nvSpPr>
-            <p:cNvPr id="14" name="Prostokąt 13">
-              <a:extLst>
-                <a:ext uri="{FF2B5EF4-FFF2-40B4-BE49-F238E27FC236}">
-                  <a16:creationId xmlns:a16="http://schemas.microsoft.com/office/drawing/2014/main" id="{7004CB80-4C52-234F-8B0C-BD38739CF914}"/>
-                </a:ext>
-              </a:extLst>
-            </p:cNvPr>
-            <p:cNvSpPr/>
-            <p:nvPr/>
-          </p:nvSpPr>
-          <p:spPr>
-            <a:xfrm>
-              <a:off x="5834132" y="1968297"/>
-              <a:ext cx="1790718" cy="2903840"/>
-            </a:xfrm>
-            <a:prstGeom prst="rect">
-              <a:avLst/>
-            </a:prstGeom>
-            <a:noFill/>
-          </p:spPr>
-          <p:style>
-            <a:lnRef idx="2">
-              <a:schemeClr val="accent1">
-                <a:shade val="50000"/>
-              </a:schemeClr>
-            </a:lnRef>
-            <a:fillRef idx="1">
-              <a:schemeClr val="accent1"/>
-            </a:fillRef>
-            <a:effectRef idx="0">
-              <a:schemeClr val="accent1"/>
-            </a:effectRef>
-            <a:fontRef idx="minor">
-              <a:schemeClr val="lt1"/>
-            </a:fontRef>
-          </p:style>
-          <p:txBody>
-            <a:bodyPr anchor="ctr"/>
-            <a:lstStyle/>
-            <a:p>
-              <a:pPr algn="ctr" fontAlgn="auto">
-                <a:spcBef>
-                  <a:spcPts val="0"/>
-                </a:spcBef>
-                <a:spcAft>
-                  <a:spcPts val="0"/>
-                </a:spcAft>
-                <a:defRPr/>
-              </a:pPr>
-              <a:endParaRPr lang="pl-PL"/>
-            </a:p>
-          </p:txBody>
-        </p:sp>
-        <p:sp>
-          <p:nvSpPr>
-            <p:cNvPr id="16" name="Prostokąt 15">
-              <a:extLst>
-                <a:ext uri="{FF2B5EF4-FFF2-40B4-BE49-F238E27FC236}">
-                  <a16:creationId xmlns:a16="http://schemas.microsoft.com/office/drawing/2014/main" id="{4F76B87B-72C6-5742-B41D-99000C17ADEB}"/>
-                </a:ext>
-              </a:extLst>
-            </p:cNvPr>
-            <p:cNvSpPr/>
-            <p:nvPr/>
-          </p:nvSpPr>
-          <p:spPr>
-            <a:xfrm>
-              <a:off x="3487784" y="1711236"/>
-              <a:ext cx="4402182" cy="3487782"/>
-            </a:xfrm>
-            <a:prstGeom prst="rect">
-              <a:avLst/>
-            </a:prstGeom>
-            <a:noFill/>
-            <a:ln w="25400"/>
-          </p:spPr>
-          <p:style>
-            <a:lnRef idx="2">
-              <a:schemeClr val="accent1">
-                <a:shade val="50000"/>
-              </a:schemeClr>
-            </a:lnRef>
-            <a:fillRef idx="1">
-              <a:schemeClr val="accent1"/>
-            </a:fillRef>
-            <a:effectRef idx="0">
-              <a:schemeClr val="accent1"/>
-            </a:effectRef>
-            <a:fontRef idx="minor">
-              <a:schemeClr val="lt1"/>
-            </a:fontRef>
-          </p:style>
-          <p:txBody>
-            <a:bodyPr anchor="ctr"/>
-            <a:lstStyle/>
-            <a:p>
-              <a:pPr algn="ctr" fontAlgn="auto">
-                <a:spcBef>
-                  <a:spcPts val="0"/>
-                </a:spcBef>
-                <a:spcAft>
-                  <a:spcPts val="0"/>
-                </a:spcAft>
-                <a:defRPr/>
-              </a:pPr>
-              <a:endParaRPr lang="pl-PL"/>
-            </a:p>
-          </p:txBody>
-        </p:sp>
-        <p:grpSp>
-          <p:nvGrpSpPr>
-            <p:cNvPr id="23" name="Grupa 23">
-              <a:extLst>
-                <a:ext uri="{FF2B5EF4-FFF2-40B4-BE49-F238E27FC236}">
-                  <a16:creationId xmlns:a16="http://schemas.microsoft.com/office/drawing/2014/main" id="{0E809BCA-2230-924E-8498-9B9B5FA3E71D}"/>
-                </a:ext>
-              </a:extLst>
-            </p:cNvPr>
-            <p:cNvGrpSpPr>
-              <a:grpSpLocks/>
-            </p:cNvGrpSpPr>
-            <p:nvPr/>
-          </p:nvGrpSpPr>
-          <p:grpSpPr bwMode="auto">
-            <a:xfrm>
-              <a:off x="5956373" y="1970080"/>
-              <a:ext cx="339728" cy="369332"/>
-              <a:chOff x="8934550" y="794078"/>
-              <a:chExt cx="522658" cy="604360"/>
-            </a:xfrm>
-          </p:grpSpPr>
-          <p:sp>
-            <p:nvSpPr>
-              <p:cNvPr id="36" name="Elipsa 24">
-                <a:extLst>
-                  <a:ext uri="{FF2B5EF4-FFF2-40B4-BE49-F238E27FC236}">
-                    <a16:creationId xmlns:a16="http://schemas.microsoft.com/office/drawing/2014/main" id="{49A7EB21-BA3B-654C-A95C-53276723BEAD}"/>
-                  </a:ext>
-                </a:extLst>
-              </p:cNvPr>
-              <p:cNvSpPr/>
-              <p:nvPr/>
-            </p:nvSpPr>
-            <p:spPr>
-              <a:xfrm>
-                <a:off x="8934550" y="861268"/>
-                <a:ext cx="522658" cy="469980"/>
-              </a:xfrm>
-              <a:prstGeom prst="ellipse">
-                <a:avLst/>
-              </a:prstGeom>
-            </p:spPr>
-            <p:style>
-              <a:lnRef idx="2">
-                <a:schemeClr val="accent1">
-                  <a:shade val="50000"/>
-                </a:schemeClr>
-              </a:lnRef>
-              <a:fillRef idx="1">
-                <a:schemeClr val="accent1"/>
-              </a:fillRef>
-              <a:effectRef idx="0">
-                <a:schemeClr val="accent1"/>
-              </a:effectRef>
-              <a:fontRef idx="minor">
-                <a:schemeClr val="lt1"/>
-              </a:fontRef>
-            </p:style>
-            <p:txBody>
-              <a:bodyPr anchor="ctr"/>
-              <a:lstStyle/>
-              <a:p>
-                <a:pPr algn="ctr" fontAlgn="auto">
-                  <a:spcBef>
-                    <a:spcPts val="0"/>
-                  </a:spcBef>
-                  <a:spcAft>
-                    <a:spcPts val="0"/>
-                  </a:spcAft>
-                  <a:defRPr/>
-                </a:pPr>
-                <a:endParaRPr lang="pl-PL"/>
-              </a:p>
-            </p:txBody>
-          </p:sp>
-          <p:sp>
-            <p:nvSpPr>
-              <p:cNvPr id="37" name="pole tekstowe 25">
-                <a:extLst>
-                  <a:ext uri="{FF2B5EF4-FFF2-40B4-BE49-F238E27FC236}">
-                    <a16:creationId xmlns:a16="http://schemas.microsoft.com/office/drawing/2014/main" id="{18E0C03E-8EE1-BF4A-8A5D-EEF8F7EB819D}"/>
-                  </a:ext>
-                </a:extLst>
-              </p:cNvPr>
-              <p:cNvSpPr txBox="1">
-                <a:spLocks noChangeArrowheads="1"/>
-              </p:cNvSpPr>
-              <p:nvPr/>
-            </p:nvSpPr>
-            <p:spPr bwMode="auto">
-              <a:xfrm>
-                <a:off x="8985390" y="794078"/>
-                <a:ext cx="313509" cy="604361"/>
-              </a:xfrm>
-              <a:prstGeom prst="rect">
-                <a:avLst/>
-              </a:prstGeom>
-              <a:noFill/>
-              <a:ln>
-                <a:noFill/>
-              </a:ln>
-              <a:extLst>
-                <a:ext uri="{909E8E84-426E-40DD-AFC4-6F175D3DCCD1}">
-                  <a14:hiddenFill xmlns:a14="http://schemas.microsoft.com/office/drawing/2010/main">
-                    <a:solidFill>
-                      <a:srgbClr val="FFFFFF"/>
-                    </a:solidFill>
-                  </a14:hiddenFill>
-                </a:ext>
-                <a:ext uri="{91240B29-F687-4F45-9708-019B960494DF}">
-                  <a14:hiddenLine xmlns:a14="http://schemas.microsoft.com/office/drawing/2010/main" w="9525">
-                    <a:solidFill>
-                      <a:srgbClr val="000000"/>
-                    </a:solidFill>
-                    <a:miter lim="800000"/>
-                    <a:headEnd/>
-                    <a:tailEnd/>
-                  </a14:hiddenLine>
-                </a:ext>
-              </a:extLst>
-            </p:spPr>
-            <p:txBody>
-              <a:bodyPr>
-                <a:spAutoFit/>
-              </a:bodyPr>
-              <a:lstStyle>
-                <a:lvl1pPr eaLnBrk="0" hangingPunct="0">
-                  <a:defRPr>
-                    <a:solidFill>
-                      <a:schemeClr val="tx1"/>
-                    </a:solidFill>
-                    <a:latin typeface="Arial" panose="020B0604020202020204" pitchFamily="34" charset="0"/>
-                    <a:cs typeface="Arial" panose="020B0604020202020204" pitchFamily="34" charset="0"/>
-                  </a:defRPr>
-                </a:lvl1pPr>
-                <a:lvl2pPr marL="742950" indent="-285750" eaLnBrk="0" hangingPunct="0">
-                  <a:defRPr>
-                    <a:solidFill>
-                      <a:schemeClr val="tx1"/>
-                    </a:solidFill>
-                    <a:latin typeface="Arial" panose="020B0604020202020204" pitchFamily="34" charset="0"/>
-                    <a:cs typeface="Arial" panose="020B0604020202020204" pitchFamily="34" charset="0"/>
-                  </a:defRPr>
-                </a:lvl2pPr>
-                <a:lvl3pPr marL="1143000" indent="-228600" eaLnBrk="0" hangingPunct="0">
-                  <a:defRPr>
-                    <a:solidFill>
-                      <a:schemeClr val="tx1"/>
-                    </a:solidFill>
-                    <a:latin typeface="Arial" panose="020B0604020202020204" pitchFamily="34" charset="0"/>
-                    <a:cs typeface="Arial" panose="020B0604020202020204" pitchFamily="34" charset="0"/>
-                  </a:defRPr>
-                </a:lvl3pPr>
-                <a:lvl4pPr marL="1600200" indent="-228600" eaLnBrk="0" hangingPunct="0">
-                  <a:defRPr>
-                    <a:solidFill>
-                      <a:schemeClr val="tx1"/>
-                    </a:solidFill>
-                    <a:latin typeface="Arial" panose="020B0604020202020204" pitchFamily="34" charset="0"/>
-                    <a:cs typeface="Arial" panose="020B0604020202020204" pitchFamily="34" charset="0"/>
-                  </a:defRPr>
-                </a:lvl4pPr>
-                <a:lvl5pPr marL="2057400" indent="-228600" eaLnBrk="0" hangingPunct="0">
-                  <a:defRPr>
-                    <a:solidFill>
-                      <a:schemeClr val="tx1"/>
-                    </a:solidFill>
-                    <a:latin typeface="Arial" panose="020B0604020202020204" pitchFamily="34" charset="0"/>
-                    <a:cs typeface="Arial" panose="020B0604020202020204" pitchFamily="34" charset="0"/>
-                  </a:defRPr>
-                </a:lvl5pPr>
-                <a:lvl6pPr marL="2514600" indent="-228600" eaLnBrk="0" fontAlgn="base" hangingPunct="0">
-                  <a:spcBef>
-                    <a:spcPct val="0"/>
-                  </a:spcBef>
-                  <a:spcAft>
-                    <a:spcPct val="0"/>
-                  </a:spcAft>
-                  <a:defRPr>
-                    <a:solidFill>
-                      <a:schemeClr val="tx1"/>
-                    </a:solidFill>
-                    <a:latin typeface="Arial" panose="020B0604020202020204" pitchFamily="34" charset="0"/>
-                    <a:cs typeface="Arial" panose="020B0604020202020204" pitchFamily="34" charset="0"/>
-                  </a:defRPr>
-                </a:lvl6pPr>
-                <a:lvl7pPr marL="2971800" indent="-228600" eaLnBrk="0" fontAlgn="base" hangingPunct="0">
-                  <a:spcBef>
-                    <a:spcPct val="0"/>
-                  </a:spcBef>
-                  <a:spcAft>
-                    <a:spcPct val="0"/>
-                  </a:spcAft>
-                  <a:defRPr>
-                    <a:solidFill>
-                      <a:schemeClr val="tx1"/>
-                    </a:solidFill>
-                    <a:latin typeface="Arial" panose="020B0604020202020204" pitchFamily="34" charset="0"/>
-                    <a:cs typeface="Arial" panose="020B0604020202020204" pitchFamily="34" charset="0"/>
-                  </a:defRPr>
-                </a:lvl7pPr>
-                <a:lvl8pPr marL="3429000" indent="-228600" eaLnBrk="0" fontAlgn="base" hangingPunct="0">
-                  <a:spcBef>
-                    <a:spcPct val="0"/>
-                  </a:spcBef>
-                  <a:spcAft>
-                    <a:spcPct val="0"/>
-                  </a:spcAft>
-                  <a:defRPr>
-                    <a:solidFill>
-                      <a:schemeClr val="tx1"/>
-                    </a:solidFill>
-                    <a:latin typeface="Arial" panose="020B0604020202020204" pitchFamily="34" charset="0"/>
-                    <a:cs typeface="Arial" panose="020B0604020202020204" pitchFamily="34" charset="0"/>
-                  </a:defRPr>
-                </a:lvl8pPr>
-                <a:lvl9pPr marL="3886200" indent="-228600" eaLnBrk="0" fontAlgn="base" hangingPunct="0">
-                  <a:spcBef>
-                    <a:spcPct val="0"/>
-                  </a:spcBef>
-                  <a:spcAft>
-                    <a:spcPct val="0"/>
-                  </a:spcAft>
-                  <a:defRPr>
-                    <a:solidFill>
-                      <a:schemeClr val="tx1"/>
-                    </a:solidFill>
-                    <a:latin typeface="Arial" panose="020B0604020202020204" pitchFamily="34" charset="0"/>
-                    <a:cs typeface="Arial" panose="020B0604020202020204" pitchFamily="34" charset="0"/>
-                  </a:defRPr>
-                </a:lvl9pPr>
-              </a:lstStyle>
-              <a:p>
-                <a:pPr eaLnBrk="1" hangingPunct="1"/>
-                <a:r>
-                  <a:rPr lang="pl-PL" altLang="pl-PL" dirty="0">
-                    <a:latin typeface="Calibri" panose="020F0502020204030204" pitchFamily="34" charset="0"/>
-                  </a:rPr>
-                  <a:t>3</a:t>
-                </a:r>
-              </a:p>
-            </p:txBody>
-          </p:sp>
-        </p:grpSp>
-      </p:grpSp>
-      <p:sp>
-        <p:nvSpPr>
-          <p:cNvPr id="42" name="pole tekstowe 41">
-            <a:extLst>
-              <a:ext uri="{FF2B5EF4-FFF2-40B4-BE49-F238E27FC236}">
-                <a16:creationId xmlns:a16="http://schemas.microsoft.com/office/drawing/2014/main" id="{35EE22A1-F34D-7D4B-BC0C-1EE767C0ADF3}"/>
-              </a:ext>
-            </a:extLst>
-          </p:cNvPr>
-          <p:cNvSpPr txBox="1"/>
-          <p:nvPr/>
-        </p:nvSpPr>
-        <p:spPr>
-          <a:xfrm>
-            <a:off x="676346" y="117480"/>
-            <a:ext cx="11515653" cy="523220"/>
-          </a:xfrm>
-          <a:prstGeom prst="rect">
-            <a:avLst/>
-          </a:prstGeom>
-          <a:noFill/>
-        </p:spPr>
-        <p:txBody>
-          <a:bodyPr wrap="square" rtlCol="0">
-            <a:spAutoFit/>
-          </a:bodyPr>
-          <a:lstStyle/>
-          <a:p>
-            <a:r>
-              <a:rPr lang="pl-PL" sz="2800" b="1" dirty="0">
-                <a:latin typeface="+mj-lt"/>
-              </a:rPr>
-              <a:t>Wyrzucamy pudełko 2</a:t>
-            </a:r>
-          </a:p>
-        </p:txBody>
-      </p:sp>
-    </p:spTree>
-    <p:extLst>
-      <p:ext uri="{BB962C8B-B14F-4D97-AF65-F5344CB8AC3E}">
-        <p14:creationId xmlns:p14="http://schemas.microsoft.com/office/powerpoint/2010/main" val="3656391027"/>
-      </p:ext>
-    </p:extLst>
-  </p:cSld>
-  <p:clrMapOvr>
-    <a:masterClrMapping/>
-  </p:clrMapOvr>
-</p:sld>
-</file>
-
-<file path=ppt/slides/slide11.xml><?xml version="1.0" encoding="utf-8"?>
 <p:sld xmlns:a="http://schemas.openxmlformats.org/drawingml/2006/main" xmlns:r="http://schemas.openxmlformats.org/officeDocument/2006/relationships" xmlns:p="http://schemas.openxmlformats.org/presentationml/2006/main">
   <p:cSld>
     <p:spTree>
@@ -34678,7 +34235,7 @@
 </p:sld>
 </file>
 
-<file path=ppt/slides/slide12.xml><?xml version="1.0" encoding="utf-8"?>
+<file path=ppt/slides/slide11.xml><?xml version="1.0" encoding="utf-8"?>
 <p:sld xmlns:a="http://schemas.openxmlformats.org/drawingml/2006/main" xmlns:r="http://schemas.openxmlformats.org/officeDocument/2006/relationships" xmlns:p="http://schemas.openxmlformats.org/presentationml/2006/main">
   <p:cSld>
     <p:spTree>
@@ -35356,977 +34913,7 @@
 </p:sld>
 </file>
 
-<file path=ppt/slides/slide13.xml><?xml version="1.0" encoding="utf-8"?>
-<p:sld xmlns:a="http://schemas.openxmlformats.org/drawingml/2006/main" xmlns:r="http://schemas.openxmlformats.org/officeDocument/2006/relationships" xmlns:p="http://schemas.openxmlformats.org/presentationml/2006/main">
-  <p:cSld>
-    <p:spTree>
-      <p:nvGrpSpPr>
-        <p:cNvPr id="1" name=""/>
-        <p:cNvGrpSpPr/>
-        <p:nvPr/>
-      </p:nvGrpSpPr>
-      <p:grpSpPr>
-        <a:xfrm>
-          <a:off x="0" y="0"/>
-          <a:ext cx="0" cy="0"/>
-          <a:chOff x="0" y="0"/>
-          <a:chExt cx="0" cy="0"/>
-        </a:xfrm>
-      </p:grpSpPr>
-      <p:grpSp>
-        <p:nvGrpSpPr>
-          <p:cNvPr id="12290" name="Grupa 90">
-            <a:extLst>
-              <a:ext uri="{FF2B5EF4-FFF2-40B4-BE49-F238E27FC236}">
-                <a16:creationId xmlns:a16="http://schemas.microsoft.com/office/drawing/2014/main" id="{990377ED-9B5B-4B48-89E8-CB47BE19BB31}"/>
-              </a:ext>
-            </a:extLst>
-          </p:cNvPr>
-          <p:cNvGrpSpPr>
-            <a:grpSpLocks/>
-          </p:cNvGrpSpPr>
-          <p:nvPr/>
-        </p:nvGrpSpPr>
-        <p:grpSpPr bwMode="auto">
-          <a:xfrm>
-            <a:off x="3500438" y="1006475"/>
-            <a:ext cx="4259262" cy="5078413"/>
-            <a:chOff x="7210062" y="1058229"/>
-            <a:chExt cx="4259263" cy="5078313"/>
-          </a:xfrm>
-        </p:grpSpPr>
-        <p:sp>
-          <p:nvSpPr>
-            <p:cNvPr id="3" name="pole tekstowe 39">
-              <a:extLst>
-                <a:ext uri="{FF2B5EF4-FFF2-40B4-BE49-F238E27FC236}">
-                  <a16:creationId xmlns:a16="http://schemas.microsoft.com/office/drawing/2014/main" id="{250C06AC-ADBD-6B4F-8899-241DC6888DA4}"/>
-                </a:ext>
-              </a:extLst>
-            </p:cNvPr>
-            <p:cNvSpPr txBox="1">
-              <a:spLocks noChangeArrowheads="1"/>
-            </p:cNvSpPr>
-            <p:nvPr/>
-          </p:nvSpPr>
-          <p:spPr bwMode="auto">
-            <a:xfrm>
-              <a:off x="7210062" y="1058229"/>
-              <a:ext cx="4259263" cy="5078313"/>
-            </a:xfrm>
-            <a:prstGeom prst="rect">
-              <a:avLst/>
-            </a:prstGeom>
-            <a:noFill/>
-            <a:ln w="9525">
-              <a:noFill/>
-              <a:miter lim="800000"/>
-              <a:headEnd/>
-              <a:tailEnd/>
-            </a:ln>
-          </p:spPr>
-          <p:txBody>
-            <a:bodyPr>
-              <a:spAutoFit/>
-            </a:bodyPr>
-            <a:lstStyle/>
-            <a:p>
-              <a:pPr marL="342900" indent="-342900">
-                <a:defRPr/>
-              </a:pPr>
-              <a:r>
-                <a:rPr lang="pl-PL" u="sng" dirty="0">
-                  <a:solidFill>
-                    <a:schemeClr val="accent1">
-                      <a:lumMod val="50000"/>
-                    </a:schemeClr>
-                  </a:solidFill>
-                  <a:latin typeface="Calibri" pitchFamily="34" charset="0"/>
-                  <a:cs typeface="Arial" charset="0"/>
-                </a:rPr>
-                <a:t>Sprawdź pudełko (1)</a:t>
-              </a:r>
-            </a:p>
-            <a:p>
-              <a:pPr marL="342900" indent="-342900">
-                <a:defRPr/>
-              </a:pPr>
-              <a:r>
-                <a:rPr lang="pl-PL" dirty="0">
-                  <a:latin typeface="Calibri" pitchFamily="34" charset="0"/>
-                  <a:cs typeface="Arial" charset="0"/>
-                </a:rPr>
-                <a:t>   Otwórz pudełko 1</a:t>
-              </a:r>
-            </a:p>
-            <a:p>
-              <a:pPr marL="342900" indent="-342900">
-                <a:defRPr/>
-              </a:pPr>
-              <a:r>
-                <a:rPr lang="pl-PL" dirty="0">
-                  <a:latin typeface="Calibri" pitchFamily="34" charset="0"/>
-                  <a:cs typeface="Arial" charset="0"/>
-                </a:rPr>
-                <a:t>   </a:t>
-              </a:r>
-              <a:r>
-                <a:rPr lang="pl-PL" u="sng" dirty="0">
-                  <a:solidFill>
-                    <a:schemeClr val="accent1">
-                      <a:lumMod val="50000"/>
-                    </a:schemeClr>
-                  </a:solidFill>
-                  <a:latin typeface="Calibri" pitchFamily="34" charset="0"/>
-                  <a:cs typeface="Arial" charset="0"/>
-                </a:rPr>
-                <a:t>Sprawdź pudełko (2)</a:t>
-              </a:r>
-            </a:p>
-            <a:p>
-              <a:pPr marL="342900" indent="-342900">
-                <a:defRPr/>
-              </a:pPr>
-              <a:r>
-                <a:rPr lang="pl-PL" dirty="0">
-                  <a:latin typeface="Calibri" pitchFamily="34" charset="0"/>
-                  <a:cs typeface="Arial" charset="0"/>
-                </a:rPr>
-                <a:t>     Otwórz pudełko 2</a:t>
-              </a:r>
-            </a:p>
-            <a:p>
-              <a:pPr marL="342900" indent="-342900">
-                <a:defRPr/>
-              </a:pPr>
-              <a:r>
-                <a:rPr lang="pl-PL" dirty="0">
-                  <a:latin typeface="Calibri" pitchFamily="34" charset="0"/>
-                  <a:cs typeface="Arial" charset="0"/>
-                </a:rPr>
-                <a:t>     </a:t>
-              </a:r>
-              <a:r>
-                <a:rPr lang="pl-PL" u="sng" dirty="0">
-                  <a:solidFill>
-                    <a:schemeClr val="accent1">
-                      <a:lumMod val="50000"/>
-                    </a:schemeClr>
-                  </a:solidFill>
-                  <a:latin typeface="Calibri" pitchFamily="34" charset="0"/>
-                  <a:cs typeface="Arial" charset="0"/>
-                </a:rPr>
-                <a:t>Sprawdź pudełko (4)</a:t>
-              </a:r>
-            </a:p>
-            <a:p>
-              <a:pPr marL="342900" indent="-342900">
-                <a:defRPr/>
-              </a:pPr>
-              <a:r>
-                <a:rPr lang="pl-PL" dirty="0">
-                  <a:latin typeface="Calibri" pitchFamily="34" charset="0"/>
-                  <a:cs typeface="Arial" charset="0"/>
-                </a:rPr>
-                <a:t>       Otwórz pudełko 4</a:t>
-              </a:r>
-            </a:p>
-            <a:p>
-              <a:pPr marL="342900" indent="-342900">
-                <a:defRPr/>
-              </a:pPr>
-              <a:r>
-                <a:rPr lang="pl-PL" dirty="0">
-                  <a:latin typeface="Calibri" pitchFamily="34" charset="0"/>
-                  <a:cs typeface="Arial" charset="0"/>
-                </a:rPr>
-                <a:t>       Wyrzuć pudełko 4</a:t>
-              </a:r>
-            </a:p>
-            <a:p>
-              <a:pPr marL="342900" indent="-342900">
-                <a:defRPr/>
-              </a:pPr>
-              <a:r>
-                <a:rPr lang="pl-PL" dirty="0">
-                  <a:solidFill>
-                    <a:srgbClr val="FF0000"/>
-                  </a:solidFill>
-                  <a:latin typeface="Calibri" pitchFamily="34" charset="0"/>
-                  <a:cs typeface="Arial" charset="0"/>
-                </a:rPr>
-                <a:t>     </a:t>
-              </a:r>
-              <a:r>
-                <a:rPr lang="pl-PL" u="sng" dirty="0">
-                  <a:solidFill>
-                    <a:srgbClr val="FF0000"/>
-                  </a:solidFill>
-                  <a:latin typeface="Calibri" pitchFamily="34" charset="0"/>
-                  <a:cs typeface="Arial" charset="0"/>
-                </a:rPr>
-                <a:t>Koniec Sprawdź pudełko (4)</a:t>
-              </a:r>
-            </a:p>
-            <a:p>
-              <a:pPr marL="342900" indent="-342900">
-                <a:defRPr/>
-              </a:pPr>
-              <a:r>
-                <a:rPr lang="pl-PL" dirty="0">
-                  <a:latin typeface="Calibri" pitchFamily="34" charset="0"/>
-                  <a:cs typeface="Arial" charset="0"/>
-                </a:rPr>
-                <a:t>     Wyrzuć pudełko 2</a:t>
-              </a:r>
-            </a:p>
-            <a:p>
-              <a:pPr marL="342900" indent="-342900">
-                <a:defRPr/>
-              </a:pPr>
-              <a:r>
-                <a:rPr lang="pl-PL" dirty="0">
-                  <a:solidFill>
-                    <a:srgbClr val="FF0000"/>
-                  </a:solidFill>
-                  <a:latin typeface="Calibri" pitchFamily="34" charset="0"/>
-                  <a:cs typeface="Arial" charset="0"/>
-                </a:rPr>
-                <a:t>   </a:t>
-              </a:r>
-              <a:r>
-                <a:rPr lang="pl-PL" u="sng" dirty="0">
-                  <a:solidFill>
-                    <a:srgbClr val="FF0000"/>
-                  </a:solidFill>
-                  <a:latin typeface="Calibri" pitchFamily="34" charset="0"/>
-                  <a:cs typeface="Arial" charset="0"/>
-                </a:rPr>
-                <a:t>Koniec Sprawdź pudełko (2)</a:t>
-              </a:r>
-            </a:p>
-            <a:p>
-              <a:pPr marL="342900" indent="-342900">
-                <a:defRPr/>
-              </a:pPr>
-              <a:r>
-                <a:rPr lang="pl-PL" dirty="0">
-                  <a:solidFill>
-                    <a:schemeClr val="accent1">
-                      <a:lumMod val="50000"/>
-                    </a:schemeClr>
-                  </a:solidFill>
-                  <a:latin typeface="Calibri" pitchFamily="34" charset="0"/>
-                  <a:cs typeface="Arial" charset="0"/>
-                </a:rPr>
-                <a:t>   </a:t>
-              </a:r>
-              <a:r>
-                <a:rPr lang="pl-PL" u="sng" dirty="0">
-                  <a:solidFill>
-                    <a:schemeClr val="accent1">
-                      <a:lumMod val="50000"/>
-                    </a:schemeClr>
-                  </a:solidFill>
-                  <a:latin typeface="Calibri" pitchFamily="34" charset="0"/>
-                  <a:cs typeface="Arial" charset="0"/>
-                </a:rPr>
-                <a:t>Sprawdź pudełko (3)</a:t>
-              </a:r>
-              <a:endParaRPr lang="pl-PL" dirty="0">
-                <a:latin typeface="Calibri" pitchFamily="34" charset="0"/>
-                <a:cs typeface="Arial" charset="0"/>
-              </a:endParaRPr>
-            </a:p>
-            <a:p>
-              <a:pPr marL="342900" indent="-342900">
-                <a:defRPr/>
-              </a:pPr>
-              <a:r>
-                <a:rPr lang="pl-PL" dirty="0">
-                  <a:latin typeface="Calibri" pitchFamily="34" charset="0"/>
-                  <a:cs typeface="Arial" charset="0"/>
-                </a:rPr>
-                <a:t>     Otwórz pudełko 3</a:t>
-              </a:r>
-            </a:p>
-            <a:p>
-              <a:pPr marL="342900" indent="-342900">
-                <a:defRPr/>
-              </a:pPr>
-              <a:r>
-                <a:rPr lang="pl-PL" dirty="0">
-                  <a:latin typeface="Calibri" pitchFamily="34" charset="0"/>
-                  <a:cs typeface="Arial" charset="0"/>
-                </a:rPr>
-                <a:t>     </a:t>
-              </a:r>
-              <a:r>
-                <a:rPr lang="pl-PL" u="sng" dirty="0">
-                  <a:solidFill>
-                    <a:schemeClr val="accent1">
-                      <a:lumMod val="50000"/>
-                    </a:schemeClr>
-                  </a:solidFill>
-                  <a:latin typeface="Calibri" pitchFamily="34" charset="0"/>
-                  <a:cs typeface="Arial" charset="0"/>
-                </a:rPr>
-                <a:t>Sprawdź pudełko (5)</a:t>
-              </a:r>
-              <a:endParaRPr lang="pl-PL" dirty="0">
-                <a:latin typeface="Calibri" pitchFamily="34" charset="0"/>
-                <a:cs typeface="Arial" charset="0"/>
-              </a:endParaRPr>
-            </a:p>
-            <a:p>
-              <a:pPr marL="342900" indent="-342900">
-                <a:defRPr/>
-              </a:pPr>
-              <a:r>
-                <a:rPr lang="pl-PL" dirty="0">
-                  <a:latin typeface="Calibri" pitchFamily="34" charset="0"/>
-                  <a:cs typeface="Arial" charset="0"/>
-                </a:rPr>
-                <a:t>        Otwórz pudełko 5 </a:t>
-              </a:r>
-            </a:p>
-            <a:p>
-              <a:pPr marL="342900" indent="-342900">
-                <a:defRPr/>
-              </a:pPr>
-              <a:r>
-                <a:rPr lang="pl-PL" dirty="0">
-                  <a:latin typeface="Calibri" pitchFamily="34" charset="0"/>
-                  <a:cs typeface="Arial" charset="0"/>
-                </a:rPr>
-                <a:t>       </a:t>
-              </a:r>
-              <a:r>
-                <a:rPr lang="pl-PL" b="1" dirty="0">
-                  <a:latin typeface="Calibri" pitchFamily="34" charset="0"/>
-                  <a:cs typeface="Arial" charset="0"/>
-                </a:rPr>
-                <a:t>Klucz znaleziony – koniec zadania</a:t>
-              </a:r>
-            </a:p>
-            <a:p>
-              <a:pPr marL="342900" indent="-342900">
-                <a:defRPr/>
-              </a:pPr>
-              <a:r>
-                <a:rPr lang="pl-PL" dirty="0">
-                  <a:latin typeface="Calibri" pitchFamily="34" charset="0"/>
-                  <a:cs typeface="Arial" charset="0"/>
-                </a:rPr>
-                <a:t>     </a:t>
-              </a:r>
-              <a:r>
-                <a:rPr lang="pl-PL" u="sng" dirty="0">
-                  <a:solidFill>
-                    <a:srgbClr val="FF0000"/>
-                  </a:solidFill>
-                  <a:latin typeface="Calibri" pitchFamily="34" charset="0"/>
-                  <a:cs typeface="Arial" charset="0"/>
-                </a:rPr>
-                <a:t>Koniec Sprawdź pudełko (5)</a:t>
-              </a:r>
-            </a:p>
-            <a:p>
-              <a:pPr marL="342900" indent="-342900">
-                <a:defRPr/>
-              </a:pPr>
-              <a:r>
-                <a:rPr lang="pl-PL" dirty="0">
-                  <a:solidFill>
-                    <a:srgbClr val="FF0000"/>
-                  </a:solidFill>
-                  <a:latin typeface="Calibri" pitchFamily="34" charset="0"/>
-                  <a:cs typeface="Arial" charset="0"/>
-                </a:rPr>
-                <a:t>   </a:t>
-              </a:r>
-              <a:r>
-                <a:rPr lang="pl-PL" u="sng" dirty="0">
-                  <a:solidFill>
-                    <a:srgbClr val="FF0000"/>
-                  </a:solidFill>
-                  <a:latin typeface="Calibri" pitchFamily="34" charset="0"/>
-                  <a:cs typeface="Arial" charset="0"/>
-                </a:rPr>
-                <a:t>Koniec Sprawdź pudełko (3)</a:t>
-              </a:r>
-            </a:p>
-            <a:p>
-              <a:pPr marL="342900" indent="-342900">
-                <a:defRPr/>
-              </a:pPr>
-              <a:r>
-                <a:rPr lang="pl-PL" u="sng" dirty="0">
-                  <a:solidFill>
-                    <a:srgbClr val="FF0000"/>
-                  </a:solidFill>
-                  <a:latin typeface="Calibri" pitchFamily="34" charset="0"/>
-                  <a:cs typeface="Arial" charset="0"/>
-                </a:rPr>
-                <a:t>Koniec Sprawdź pudełko (1)</a:t>
-              </a:r>
-              <a:endParaRPr lang="pl-PL" dirty="0">
-                <a:latin typeface="Calibri" pitchFamily="34" charset="0"/>
-                <a:cs typeface="Arial" charset="0"/>
-              </a:endParaRPr>
-            </a:p>
-          </p:txBody>
-        </p:sp>
-        <p:cxnSp>
-          <p:nvCxnSpPr>
-            <p:cNvPr id="4" name="Łącznik prosty 3">
-              <a:extLst>
-                <a:ext uri="{FF2B5EF4-FFF2-40B4-BE49-F238E27FC236}">
-                  <a16:creationId xmlns:a16="http://schemas.microsoft.com/office/drawing/2014/main" id="{20915A08-F59C-6740-B6F2-16C77D4F5500}"/>
-                </a:ext>
-              </a:extLst>
-            </p:cNvPr>
-            <p:cNvCxnSpPr/>
-            <p:nvPr/>
-          </p:nvCxnSpPr>
-          <p:spPr>
-            <a:xfrm flipV="1">
-              <a:off x="9196024" y="1240788"/>
-              <a:ext cx="2128838" cy="26986"/>
-            </a:xfrm>
-            <a:prstGeom prst="line">
-              <a:avLst/>
-            </a:prstGeom>
-          </p:spPr>
-          <p:style>
-            <a:lnRef idx="1">
-              <a:schemeClr val="accent1"/>
-            </a:lnRef>
-            <a:fillRef idx="0">
-              <a:schemeClr val="accent1"/>
-            </a:fillRef>
-            <a:effectRef idx="0">
-              <a:schemeClr val="accent1"/>
-            </a:effectRef>
-            <a:fontRef idx="minor">
-              <a:schemeClr val="tx1"/>
-            </a:fontRef>
-          </p:style>
-        </p:cxnSp>
-        <p:cxnSp>
-          <p:nvCxnSpPr>
-            <p:cNvPr id="5" name="Łącznik prosty 4">
-              <a:extLst>
-                <a:ext uri="{FF2B5EF4-FFF2-40B4-BE49-F238E27FC236}">
-                  <a16:creationId xmlns:a16="http://schemas.microsoft.com/office/drawing/2014/main" id="{5C3180F0-2A21-254E-970A-56D6DBCB385C}"/>
-                </a:ext>
-              </a:extLst>
-            </p:cNvPr>
-            <p:cNvCxnSpPr/>
-            <p:nvPr/>
-          </p:nvCxnSpPr>
-          <p:spPr>
-            <a:xfrm flipH="1">
-              <a:off x="11312163" y="1253488"/>
-              <a:ext cx="39687" cy="4611596"/>
-            </a:xfrm>
-            <a:prstGeom prst="line">
-              <a:avLst/>
-            </a:prstGeom>
-          </p:spPr>
-          <p:style>
-            <a:lnRef idx="1">
-              <a:schemeClr val="accent1"/>
-            </a:lnRef>
-            <a:fillRef idx="0">
-              <a:schemeClr val="accent1"/>
-            </a:fillRef>
-            <a:effectRef idx="0">
-              <a:schemeClr val="accent1"/>
-            </a:effectRef>
-            <a:fontRef idx="minor">
-              <a:schemeClr val="tx1"/>
-            </a:fontRef>
-          </p:style>
-        </p:cxnSp>
-        <p:cxnSp>
-          <p:nvCxnSpPr>
-            <p:cNvPr id="6" name="Łącznik prosty 5">
-              <a:extLst>
-                <a:ext uri="{FF2B5EF4-FFF2-40B4-BE49-F238E27FC236}">
-                  <a16:creationId xmlns:a16="http://schemas.microsoft.com/office/drawing/2014/main" id="{1B8522B8-BE66-604C-B450-01116FBB5143}"/>
-                </a:ext>
-              </a:extLst>
-            </p:cNvPr>
-            <p:cNvCxnSpPr/>
-            <p:nvPr/>
-          </p:nvCxnSpPr>
-          <p:spPr>
-            <a:xfrm flipH="1">
-              <a:off x="9900875" y="5892072"/>
-              <a:ext cx="1411288" cy="0"/>
-            </a:xfrm>
-            <a:prstGeom prst="line">
-              <a:avLst/>
-            </a:prstGeom>
-          </p:spPr>
-          <p:style>
-            <a:lnRef idx="1">
-              <a:schemeClr val="accent1"/>
-            </a:lnRef>
-            <a:fillRef idx="0">
-              <a:schemeClr val="accent1"/>
-            </a:fillRef>
-            <a:effectRef idx="0">
-              <a:schemeClr val="accent1"/>
-            </a:effectRef>
-            <a:fontRef idx="minor">
-              <a:schemeClr val="tx1"/>
-            </a:fontRef>
-          </p:style>
-        </p:cxnSp>
-        <p:cxnSp>
-          <p:nvCxnSpPr>
-            <p:cNvPr id="7" name="Łącznik prosty 6">
-              <a:extLst>
-                <a:ext uri="{FF2B5EF4-FFF2-40B4-BE49-F238E27FC236}">
-                  <a16:creationId xmlns:a16="http://schemas.microsoft.com/office/drawing/2014/main" id="{542CF6B7-C61E-1546-AF94-00EEAA683181}"/>
-                </a:ext>
-              </a:extLst>
-            </p:cNvPr>
-            <p:cNvCxnSpPr/>
-            <p:nvPr/>
-          </p:nvCxnSpPr>
-          <p:spPr>
-            <a:xfrm flipV="1">
-              <a:off x="9405575" y="2337729"/>
-              <a:ext cx="914400" cy="14288"/>
-            </a:xfrm>
-            <a:prstGeom prst="line">
-              <a:avLst/>
-            </a:prstGeom>
-          </p:spPr>
-          <p:style>
-            <a:lnRef idx="1">
-              <a:schemeClr val="accent1"/>
-            </a:lnRef>
-            <a:fillRef idx="0">
-              <a:schemeClr val="accent1"/>
-            </a:fillRef>
-            <a:effectRef idx="0">
-              <a:schemeClr val="accent1"/>
-            </a:effectRef>
-            <a:fontRef idx="minor">
-              <a:schemeClr val="tx1"/>
-            </a:fontRef>
-          </p:style>
-        </p:cxnSp>
-        <p:cxnSp>
-          <p:nvCxnSpPr>
-            <p:cNvPr id="8" name="Łącznik prosty 7">
-              <a:extLst>
-                <a:ext uri="{FF2B5EF4-FFF2-40B4-BE49-F238E27FC236}">
-                  <a16:creationId xmlns:a16="http://schemas.microsoft.com/office/drawing/2014/main" id="{62F48A28-8B2B-4F43-BF11-62608BEDA77B}"/>
-                </a:ext>
-              </a:extLst>
-            </p:cNvPr>
-            <p:cNvCxnSpPr/>
-            <p:nvPr/>
-          </p:nvCxnSpPr>
-          <p:spPr>
-            <a:xfrm flipH="1">
-              <a:off x="10332675" y="2337729"/>
-              <a:ext cx="12700" cy="901682"/>
-            </a:xfrm>
-            <a:prstGeom prst="line">
-              <a:avLst/>
-            </a:prstGeom>
-          </p:spPr>
-          <p:style>
-            <a:lnRef idx="1">
-              <a:schemeClr val="accent1"/>
-            </a:lnRef>
-            <a:fillRef idx="0">
-              <a:schemeClr val="accent1"/>
-            </a:fillRef>
-            <a:effectRef idx="0">
-              <a:schemeClr val="accent1"/>
-            </a:effectRef>
-            <a:fontRef idx="minor">
-              <a:schemeClr val="tx1"/>
-            </a:fontRef>
-          </p:style>
-        </p:cxnSp>
-        <p:cxnSp>
-          <p:nvCxnSpPr>
-            <p:cNvPr id="9" name="Łącznik prosty 8">
-              <a:extLst>
-                <a:ext uri="{FF2B5EF4-FFF2-40B4-BE49-F238E27FC236}">
-                  <a16:creationId xmlns:a16="http://schemas.microsoft.com/office/drawing/2014/main" id="{B02093E3-1936-4547-9EF9-67F4B3038D27}"/>
-                </a:ext>
-              </a:extLst>
-            </p:cNvPr>
-            <p:cNvCxnSpPr/>
-            <p:nvPr/>
-          </p:nvCxnSpPr>
-          <p:spPr>
-            <a:xfrm flipH="1">
-              <a:off x="10032638" y="3252111"/>
-              <a:ext cx="312737" cy="14288"/>
-            </a:xfrm>
-            <a:prstGeom prst="line">
-              <a:avLst/>
-            </a:prstGeom>
-          </p:spPr>
-          <p:style>
-            <a:lnRef idx="1">
-              <a:schemeClr val="accent1"/>
-            </a:lnRef>
-            <a:fillRef idx="0">
-              <a:schemeClr val="accent1"/>
-            </a:fillRef>
-            <a:effectRef idx="0">
-              <a:schemeClr val="accent1"/>
-            </a:effectRef>
-            <a:fontRef idx="minor">
-              <a:schemeClr val="tx1"/>
-            </a:fontRef>
-          </p:style>
-        </p:cxnSp>
-        <p:cxnSp>
-          <p:nvCxnSpPr>
-            <p:cNvPr id="10" name="Łącznik prosty 9">
-              <a:extLst>
-                <a:ext uri="{FF2B5EF4-FFF2-40B4-BE49-F238E27FC236}">
-                  <a16:creationId xmlns:a16="http://schemas.microsoft.com/office/drawing/2014/main" id="{9AF4F8BB-7675-FB4C-B0FF-27C2A4FD4DBA}"/>
-                </a:ext>
-              </a:extLst>
-            </p:cNvPr>
-            <p:cNvCxnSpPr/>
-            <p:nvPr/>
-          </p:nvCxnSpPr>
-          <p:spPr>
-            <a:xfrm>
-              <a:off x="9170624" y="1828152"/>
-              <a:ext cx="1501775" cy="14287"/>
-            </a:xfrm>
-            <a:prstGeom prst="line">
-              <a:avLst/>
-            </a:prstGeom>
-          </p:spPr>
-          <p:style>
-            <a:lnRef idx="1">
-              <a:schemeClr val="accent1"/>
-            </a:lnRef>
-            <a:fillRef idx="0">
-              <a:schemeClr val="accent1"/>
-            </a:fillRef>
-            <a:effectRef idx="0">
-              <a:schemeClr val="accent1"/>
-            </a:effectRef>
-            <a:fontRef idx="minor">
-              <a:schemeClr val="tx1"/>
-            </a:fontRef>
-          </p:style>
-        </p:cxnSp>
-        <p:cxnSp>
-          <p:nvCxnSpPr>
-            <p:cNvPr id="11" name="Łącznik prosty 10">
-              <a:extLst>
-                <a:ext uri="{FF2B5EF4-FFF2-40B4-BE49-F238E27FC236}">
-                  <a16:creationId xmlns:a16="http://schemas.microsoft.com/office/drawing/2014/main" id="{E3B11437-642C-6E4A-AC56-066F42CF2300}"/>
-                </a:ext>
-              </a:extLst>
-            </p:cNvPr>
-            <p:cNvCxnSpPr/>
-            <p:nvPr/>
-          </p:nvCxnSpPr>
-          <p:spPr>
-            <a:xfrm flipH="1">
-              <a:off x="10647000" y="1867838"/>
-              <a:ext cx="12700" cy="1881151"/>
-            </a:xfrm>
-            <a:prstGeom prst="line">
-              <a:avLst/>
-            </a:prstGeom>
-          </p:spPr>
-          <p:style>
-            <a:lnRef idx="1">
-              <a:schemeClr val="accent1"/>
-            </a:lnRef>
-            <a:fillRef idx="0">
-              <a:schemeClr val="accent1"/>
-            </a:fillRef>
-            <a:effectRef idx="0">
-              <a:schemeClr val="accent1"/>
-            </a:effectRef>
-            <a:fontRef idx="minor">
-              <a:schemeClr val="tx1"/>
-            </a:fontRef>
-          </p:style>
-        </p:cxnSp>
-        <p:cxnSp>
-          <p:nvCxnSpPr>
-            <p:cNvPr id="12" name="Łącznik prosty 11">
-              <a:extLst>
-                <a:ext uri="{FF2B5EF4-FFF2-40B4-BE49-F238E27FC236}">
-                  <a16:creationId xmlns:a16="http://schemas.microsoft.com/office/drawing/2014/main" id="{74C3AB69-7A63-3A4B-B4AF-E75D5EC61533}"/>
-                </a:ext>
-              </a:extLst>
-            </p:cNvPr>
-            <p:cNvCxnSpPr/>
-            <p:nvPr/>
-          </p:nvCxnSpPr>
-          <p:spPr>
-            <a:xfrm flipH="1">
-              <a:off x="9992950" y="3774389"/>
-              <a:ext cx="639763" cy="0"/>
-            </a:xfrm>
-            <a:prstGeom prst="line">
-              <a:avLst/>
-            </a:prstGeom>
-          </p:spPr>
-          <p:style>
-            <a:lnRef idx="1">
-              <a:schemeClr val="accent1"/>
-            </a:lnRef>
-            <a:fillRef idx="0">
-              <a:schemeClr val="accent1"/>
-            </a:fillRef>
-            <a:effectRef idx="0">
-              <a:schemeClr val="accent1"/>
-            </a:effectRef>
-            <a:fontRef idx="minor">
-              <a:schemeClr val="tx1"/>
-            </a:fontRef>
-          </p:style>
-        </p:cxnSp>
-        <p:cxnSp>
-          <p:nvCxnSpPr>
-            <p:cNvPr id="13" name="Łącznik prosty 12">
-              <a:extLst>
-                <a:ext uri="{FF2B5EF4-FFF2-40B4-BE49-F238E27FC236}">
-                  <a16:creationId xmlns:a16="http://schemas.microsoft.com/office/drawing/2014/main" id="{4CF868D9-51A2-F443-8B09-D73DA9BC978D}"/>
-                </a:ext>
-              </a:extLst>
-            </p:cNvPr>
-            <p:cNvCxnSpPr/>
-            <p:nvPr/>
-          </p:nvCxnSpPr>
-          <p:spPr>
-            <a:xfrm>
-              <a:off x="9275399" y="3996634"/>
-              <a:ext cx="1357313" cy="0"/>
-            </a:xfrm>
-            <a:prstGeom prst="line">
-              <a:avLst/>
-            </a:prstGeom>
-          </p:spPr>
-          <p:style>
-            <a:lnRef idx="1">
-              <a:schemeClr val="accent1"/>
-            </a:lnRef>
-            <a:fillRef idx="0">
-              <a:schemeClr val="accent1"/>
-            </a:fillRef>
-            <a:effectRef idx="0">
-              <a:schemeClr val="accent1"/>
-            </a:effectRef>
-            <a:fontRef idx="minor">
-              <a:schemeClr val="tx1"/>
-            </a:fontRef>
-          </p:style>
-        </p:cxnSp>
-        <p:cxnSp>
-          <p:nvCxnSpPr>
-            <p:cNvPr id="14" name="Łącznik prosty 13">
-              <a:extLst>
-                <a:ext uri="{FF2B5EF4-FFF2-40B4-BE49-F238E27FC236}">
-                  <a16:creationId xmlns:a16="http://schemas.microsoft.com/office/drawing/2014/main" id="{3797E5C9-781C-014E-B69F-626B5AF95A32}"/>
-                </a:ext>
-              </a:extLst>
-            </p:cNvPr>
-            <p:cNvCxnSpPr/>
-            <p:nvPr/>
-          </p:nvCxnSpPr>
-          <p:spPr>
-            <a:xfrm>
-              <a:off x="10647000" y="3996634"/>
-              <a:ext cx="0" cy="1685892"/>
-            </a:xfrm>
-            <a:prstGeom prst="line">
-              <a:avLst/>
-            </a:prstGeom>
-          </p:spPr>
-          <p:style>
-            <a:lnRef idx="1">
-              <a:schemeClr val="accent1"/>
-            </a:lnRef>
-            <a:fillRef idx="0">
-              <a:schemeClr val="accent1"/>
-            </a:fillRef>
-            <a:effectRef idx="0">
-              <a:schemeClr val="accent1"/>
-            </a:effectRef>
-            <a:fontRef idx="minor">
-              <a:schemeClr val="tx1"/>
-            </a:fontRef>
-          </p:style>
-        </p:cxnSp>
-        <p:cxnSp>
-          <p:nvCxnSpPr>
-            <p:cNvPr id="15" name="Łącznik prosty 14">
-              <a:extLst>
-                <a:ext uri="{FF2B5EF4-FFF2-40B4-BE49-F238E27FC236}">
-                  <a16:creationId xmlns:a16="http://schemas.microsoft.com/office/drawing/2014/main" id="{AF4D3634-E465-E746-BB49-9694A86037C7}"/>
-                </a:ext>
-              </a:extLst>
-            </p:cNvPr>
-            <p:cNvCxnSpPr/>
-            <p:nvPr/>
-          </p:nvCxnSpPr>
-          <p:spPr>
-            <a:xfrm flipH="1">
-              <a:off x="10005650" y="5682526"/>
-              <a:ext cx="666750" cy="0"/>
-            </a:xfrm>
-            <a:prstGeom prst="line">
-              <a:avLst/>
-            </a:prstGeom>
-          </p:spPr>
-          <p:style>
-            <a:lnRef idx="1">
-              <a:schemeClr val="accent1"/>
-            </a:lnRef>
-            <a:fillRef idx="0">
-              <a:schemeClr val="accent1"/>
-            </a:fillRef>
-            <a:effectRef idx="0">
-              <a:schemeClr val="accent1"/>
-            </a:effectRef>
-            <a:fontRef idx="minor">
-              <a:schemeClr val="tx1"/>
-            </a:fontRef>
-          </p:style>
-        </p:cxnSp>
-        <p:cxnSp>
-          <p:nvCxnSpPr>
-            <p:cNvPr id="16" name="Łącznik prosty 15">
-              <a:extLst>
-                <a:ext uri="{FF2B5EF4-FFF2-40B4-BE49-F238E27FC236}">
-                  <a16:creationId xmlns:a16="http://schemas.microsoft.com/office/drawing/2014/main" id="{F869C395-B339-DA4B-8380-C4B7EA31B32A}"/>
-                </a:ext>
-              </a:extLst>
-            </p:cNvPr>
-            <p:cNvCxnSpPr/>
-            <p:nvPr/>
-          </p:nvCxnSpPr>
-          <p:spPr>
-            <a:xfrm>
-              <a:off x="9405575" y="4558598"/>
-              <a:ext cx="927100" cy="12700"/>
-            </a:xfrm>
-            <a:prstGeom prst="line">
-              <a:avLst/>
-            </a:prstGeom>
-          </p:spPr>
-          <p:style>
-            <a:lnRef idx="1">
-              <a:schemeClr val="accent1"/>
-            </a:lnRef>
-            <a:fillRef idx="0">
-              <a:schemeClr val="accent1"/>
-            </a:fillRef>
-            <a:effectRef idx="0">
-              <a:schemeClr val="accent1"/>
-            </a:effectRef>
-            <a:fontRef idx="minor">
-              <a:schemeClr val="tx1"/>
-            </a:fontRef>
-          </p:style>
-        </p:cxnSp>
-        <p:cxnSp>
-          <p:nvCxnSpPr>
-            <p:cNvPr id="17" name="Łącznik prosty 16">
-              <a:extLst>
-                <a:ext uri="{FF2B5EF4-FFF2-40B4-BE49-F238E27FC236}">
-                  <a16:creationId xmlns:a16="http://schemas.microsoft.com/office/drawing/2014/main" id="{7D6064DF-73E0-894F-B50D-310FEE1455A0}"/>
-                </a:ext>
-              </a:extLst>
-            </p:cNvPr>
-            <p:cNvCxnSpPr/>
-            <p:nvPr/>
-          </p:nvCxnSpPr>
-          <p:spPr>
-            <a:xfrm>
-              <a:off x="10319975" y="4585585"/>
-              <a:ext cx="12700" cy="835009"/>
-            </a:xfrm>
-            <a:prstGeom prst="line">
-              <a:avLst/>
-            </a:prstGeom>
-          </p:spPr>
-          <p:style>
-            <a:lnRef idx="1">
-              <a:schemeClr val="accent1"/>
-            </a:lnRef>
-            <a:fillRef idx="0">
-              <a:schemeClr val="accent1"/>
-            </a:fillRef>
-            <a:effectRef idx="0">
-              <a:schemeClr val="accent1"/>
-            </a:effectRef>
-            <a:fontRef idx="minor">
-              <a:schemeClr val="tx1"/>
-            </a:fontRef>
-          </p:style>
-        </p:cxnSp>
-        <p:cxnSp>
-          <p:nvCxnSpPr>
-            <p:cNvPr id="18" name="Łącznik prosty 17">
-              <a:extLst>
-                <a:ext uri="{FF2B5EF4-FFF2-40B4-BE49-F238E27FC236}">
-                  <a16:creationId xmlns:a16="http://schemas.microsoft.com/office/drawing/2014/main" id="{9B367698-1AEB-7647-AA39-46D949CD3437}"/>
-                </a:ext>
-              </a:extLst>
-            </p:cNvPr>
-            <p:cNvCxnSpPr/>
-            <p:nvPr/>
-          </p:nvCxnSpPr>
-          <p:spPr>
-            <a:xfrm flipH="1">
-              <a:off x="10032638" y="5420593"/>
-              <a:ext cx="300037" cy="0"/>
-            </a:xfrm>
-            <a:prstGeom prst="line">
-              <a:avLst/>
-            </a:prstGeom>
-          </p:spPr>
-          <p:style>
-            <a:lnRef idx="1">
-              <a:schemeClr val="accent1"/>
-            </a:lnRef>
-            <a:fillRef idx="0">
-              <a:schemeClr val="accent1"/>
-            </a:fillRef>
-            <a:effectRef idx="0">
-              <a:schemeClr val="accent1"/>
-            </a:effectRef>
-            <a:fontRef idx="minor">
-              <a:schemeClr val="tx1"/>
-            </a:fontRef>
-          </p:style>
-        </p:cxnSp>
-      </p:grpSp>
-    </p:spTree>
-  </p:cSld>
-  <p:clrMapOvr>
-    <a:masterClrMapping/>
-  </p:clrMapOvr>
-</p:sld>
-</file>
-
-<file path=ppt/slides/slide2.xml><?xml version="1.0" encoding="utf-8"?>
+<file path=ppt/slides/slide12.xml><?xml version="1.0" encoding="utf-8"?>
 <p:sld xmlns:a="http://schemas.openxmlformats.org/drawingml/2006/main" xmlns:r="http://schemas.openxmlformats.org/officeDocument/2006/relationships" xmlns:p="http://schemas.openxmlformats.org/presentationml/2006/main">
   <p:cSld>
     <p:spTree>
@@ -39480,7 +38067,977 @@
 </p:sld>
 </file>
 
-<file path=ppt/slides/slide3.xml><?xml version="1.0" encoding="utf-8"?>
+<file path=ppt/slides/slide13.xml><?xml version="1.0" encoding="utf-8"?>
+<p:sld xmlns:a="http://schemas.openxmlformats.org/drawingml/2006/main" xmlns:r="http://schemas.openxmlformats.org/officeDocument/2006/relationships" xmlns:p="http://schemas.openxmlformats.org/presentationml/2006/main">
+  <p:cSld>
+    <p:spTree>
+      <p:nvGrpSpPr>
+        <p:cNvPr id="1" name=""/>
+        <p:cNvGrpSpPr/>
+        <p:nvPr/>
+      </p:nvGrpSpPr>
+      <p:grpSpPr>
+        <a:xfrm>
+          <a:off x="0" y="0"/>
+          <a:ext cx="0" cy="0"/>
+          <a:chOff x="0" y="0"/>
+          <a:chExt cx="0" cy="0"/>
+        </a:xfrm>
+      </p:grpSpPr>
+      <p:grpSp>
+        <p:nvGrpSpPr>
+          <p:cNvPr id="12290" name="Grupa 90">
+            <a:extLst>
+              <a:ext uri="{FF2B5EF4-FFF2-40B4-BE49-F238E27FC236}">
+                <a16:creationId xmlns:a16="http://schemas.microsoft.com/office/drawing/2014/main" id="{990377ED-9B5B-4B48-89E8-CB47BE19BB31}"/>
+              </a:ext>
+            </a:extLst>
+          </p:cNvPr>
+          <p:cNvGrpSpPr>
+            <a:grpSpLocks/>
+          </p:cNvGrpSpPr>
+          <p:nvPr/>
+        </p:nvGrpSpPr>
+        <p:grpSpPr bwMode="auto">
+          <a:xfrm>
+            <a:off x="3500438" y="1006475"/>
+            <a:ext cx="4259262" cy="5078413"/>
+            <a:chOff x="7210062" y="1058229"/>
+            <a:chExt cx="4259263" cy="5078313"/>
+          </a:xfrm>
+        </p:grpSpPr>
+        <p:sp>
+          <p:nvSpPr>
+            <p:cNvPr id="3" name="pole tekstowe 39">
+              <a:extLst>
+                <a:ext uri="{FF2B5EF4-FFF2-40B4-BE49-F238E27FC236}">
+                  <a16:creationId xmlns:a16="http://schemas.microsoft.com/office/drawing/2014/main" id="{250C06AC-ADBD-6B4F-8899-241DC6888DA4}"/>
+                </a:ext>
+              </a:extLst>
+            </p:cNvPr>
+            <p:cNvSpPr txBox="1">
+              <a:spLocks noChangeArrowheads="1"/>
+            </p:cNvSpPr>
+            <p:nvPr/>
+          </p:nvSpPr>
+          <p:spPr bwMode="auto">
+            <a:xfrm>
+              <a:off x="7210062" y="1058229"/>
+              <a:ext cx="4259263" cy="5078313"/>
+            </a:xfrm>
+            <a:prstGeom prst="rect">
+              <a:avLst/>
+            </a:prstGeom>
+            <a:noFill/>
+            <a:ln w="9525">
+              <a:noFill/>
+              <a:miter lim="800000"/>
+              <a:headEnd/>
+              <a:tailEnd/>
+            </a:ln>
+          </p:spPr>
+          <p:txBody>
+            <a:bodyPr>
+              <a:spAutoFit/>
+            </a:bodyPr>
+            <a:lstStyle/>
+            <a:p>
+              <a:pPr marL="342900" indent="-342900">
+                <a:defRPr/>
+              </a:pPr>
+              <a:r>
+                <a:rPr lang="pl-PL" u="sng" dirty="0">
+                  <a:solidFill>
+                    <a:schemeClr val="accent1">
+                      <a:lumMod val="50000"/>
+                    </a:schemeClr>
+                  </a:solidFill>
+                  <a:latin typeface="Calibri" pitchFamily="34" charset="0"/>
+                  <a:cs typeface="Arial" charset="0"/>
+                </a:rPr>
+                <a:t>Sprawdź pudełko (1)</a:t>
+              </a:r>
+            </a:p>
+            <a:p>
+              <a:pPr marL="342900" indent="-342900">
+                <a:defRPr/>
+              </a:pPr>
+              <a:r>
+                <a:rPr lang="pl-PL" dirty="0">
+                  <a:latin typeface="Calibri" pitchFamily="34" charset="0"/>
+                  <a:cs typeface="Arial" charset="0"/>
+                </a:rPr>
+                <a:t>   Otwórz pudełko 1</a:t>
+              </a:r>
+            </a:p>
+            <a:p>
+              <a:pPr marL="342900" indent="-342900">
+                <a:defRPr/>
+              </a:pPr>
+              <a:r>
+                <a:rPr lang="pl-PL" dirty="0">
+                  <a:latin typeface="Calibri" pitchFamily="34" charset="0"/>
+                  <a:cs typeface="Arial" charset="0"/>
+                </a:rPr>
+                <a:t>   </a:t>
+              </a:r>
+              <a:r>
+                <a:rPr lang="pl-PL" u="sng" dirty="0">
+                  <a:solidFill>
+                    <a:schemeClr val="accent1">
+                      <a:lumMod val="50000"/>
+                    </a:schemeClr>
+                  </a:solidFill>
+                  <a:latin typeface="Calibri" pitchFamily="34" charset="0"/>
+                  <a:cs typeface="Arial" charset="0"/>
+                </a:rPr>
+                <a:t>Sprawdź pudełko (2)</a:t>
+              </a:r>
+            </a:p>
+            <a:p>
+              <a:pPr marL="342900" indent="-342900">
+                <a:defRPr/>
+              </a:pPr>
+              <a:r>
+                <a:rPr lang="pl-PL" dirty="0">
+                  <a:latin typeface="Calibri" pitchFamily="34" charset="0"/>
+                  <a:cs typeface="Arial" charset="0"/>
+                </a:rPr>
+                <a:t>     Otwórz pudełko 2</a:t>
+              </a:r>
+            </a:p>
+            <a:p>
+              <a:pPr marL="342900" indent="-342900">
+                <a:defRPr/>
+              </a:pPr>
+              <a:r>
+                <a:rPr lang="pl-PL" dirty="0">
+                  <a:latin typeface="Calibri" pitchFamily="34" charset="0"/>
+                  <a:cs typeface="Arial" charset="0"/>
+                </a:rPr>
+                <a:t>     </a:t>
+              </a:r>
+              <a:r>
+                <a:rPr lang="pl-PL" u="sng" dirty="0">
+                  <a:solidFill>
+                    <a:schemeClr val="accent1">
+                      <a:lumMod val="50000"/>
+                    </a:schemeClr>
+                  </a:solidFill>
+                  <a:latin typeface="Calibri" pitchFamily="34" charset="0"/>
+                  <a:cs typeface="Arial" charset="0"/>
+                </a:rPr>
+                <a:t>Sprawdź pudełko (4)</a:t>
+              </a:r>
+            </a:p>
+            <a:p>
+              <a:pPr marL="342900" indent="-342900">
+                <a:defRPr/>
+              </a:pPr>
+              <a:r>
+                <a:rPr lang="pl-PL" dirty="0">
+                  <a:latin typeface="Calibri" pitchFamily="34" charset="0"/>
+                  <a:cs typeface="Arial" charset="0"/>
+                </a:rPr>
+                <a:t>       Otwórz pudełko 4</a:t>
+              </a:r>
+            </a:p>
+            <a:p>
+              <a:pPr marL="342900" indent="-342900">
+                <a:defRPr/>
+              </a:pPr>
+              <a:r>
+                <a:rPr lang="pl-PL" dirty="0">
+                  <a:latin typeface="Calibri" pitchFamily="34" charset="0"/>
+                  <a:cs typeface="Arial" charset="0"/>
+                </a:rPr>
+                <a:t>       Wyrzuć pudełko 4</a:t>
+              </a:r>
+            </a:p>
+            <a:p>
+              <a:pPr marL="342900" indent="-342900">
+                <a:defRPr/>
+              </a:pPr>
+              <a:r>
+                <a:rPr lang="pl-PL" dirty="0">
+                  <a:solidFill>
+                    <a:srgbClr val="FF0000"/>
+                  </a:solidFill>
+                  <a:latin typeface="Calibri" pitchFamily="34" charset="0"/>
+                  <a:cs typeface="Arial" charset="0"/>
+                </a:rPr>
+                <a:t>     </a:t>
+              </a:r>
+              <a:r>
+                <a:rPr lang="pl-PL" u="sng" dirty="0">
+                  <a:solidFill>
+                    <a:srgbClr val="FF0000"/>
+                  </a:solidFill>
+                  <a:latin typeface="Calibri" pitchFamily="34" charset="0"/>
+                  <a:cs typeface="Arial" charset="0"/>
+                </a:rPr>
+                <a:t>Koniec Sprawdź pudełko (4)</a:t>
+              </a:r>
+            </a:p>
+            <a:p>
+              <a:pPr marL="342900" indent="-342900">
+                <a:defRPr/>
+              </a:pPr>
+              <a:r>
+                <a:rPr lang="pl-PL" dirty="0">
+                  <a:latin typeface="Calibri" pitchFamily="34" charset="0"/>
+                  <a:cs typeface="Arial" charset="0"/>
+                </a:rPr>
+                <a:t>     Wyrzuć pudełko 2</a:t>
+              </a:r>
+            </a:p>
+            <a:p>
+              <a:pPr marL="342900" indent="-342900">
+                <a:defRPr/>
+              </a:pPr>
+              <a:r>
+                <a:rPr lang="pl-PL" dirty="0">
+                  <a:solidFill>
+                    <a:srgbClr val="FF0000"/>
+                  </a:solidFill>
+                  <a:latin typeface="Calibri" pitchFamily="34" charset="0"/>
+                  <a:cs typeface="Arial" charset="0"/>
+                </a:rPr>
+                <a:t>   </a:t>
+              </a:r>
+              <a:r>
+                <a:rPr lang="pl-PL" u="sng" dirty="0">
+                  <a:solidFill>
+                    <a:srgbClr val="FF0000"/>
+                  </a:solidFill>
+                  <a:latin typeface="Calibri" pitchFamily="34" charset="0"/>
+                  <a:cs typeface="Arial" charset="0"/>
+                </a:rPr>
+                <a:t>Koniec Sprawdź pudełko (2)</a:t>
+              </a:r>
+            </a:p>
+            <a:p>
+              <a:pPr marL="342900" indent="-342900">
+                <a:defRPr/>
+              </a:pPr>
+              <a:r>
+                <a:rPr lang="pl-PL" dirty="0">
+                  <a:solidFill>
+                    <a:schemeClr val="accent1">
+                      <a:lumMod val="50000"/>
+                    </a:schemeClr>
+                  </a:solidFill>
+                  <a:latin typeface="Calibri" pitchFamily="34" charset="0"/>
+                  <a:cs typeface="Arial" charset="0"/>
+                </a:rPr>
+                <a:t>   </a:t>
+              </a:r>
+              <a:r>
+                <a:rPr lang="pl-PL" u="sng" dirty="0">
+                  <a:solidFill>
+                    <a:schemeClr val="accent1">
+                      <a:lumMod val="50000"/>
+                    </a:schemeClr>
+                  </a:solidFill>
+                  <a:latin typeface="Calibri" pitchFamily="34" charset="0"/>
+                  <a:cs typeface="Arial" charset="0"/>
+                </a:rPr>
+                <a:t>Sprawdź pudełko (3)</a:t>
+              </a:r>
+              <a:endParaRPr lang="pl-PL" dirty="0">
+                <a:latin typeface="Calibri" pitchFamily="34" charset="0"/>
+                <a:cs typeface="Arial" charset="0"/>
+              </a:endParaRPr>
+            </a:p>
+            <a:p>
+              <a:pPr marL="342900" indent="-342900">
+                <a:defRPr/>
+              </a:pPr>
+              <a:r>
+                <a:rPr lang="pl-PL" dirty="0">
+                  <a:latin typeface="Calibri" pitchFamily="34" charset="0"/>
+                  <a:cs typeface="Arial" charset="0"/>
+                </a:rPr>
+                <a:t>     Otwórz pudełko 3</a:t>
+              </a:r>
+            </a:p>
+            <a:p>
+              <a:pPr marL="342900" indent="-342900">
+                <a:defRPr/>
+              </a:pPr>
+              <a:r>
+                <a:rPr lang="pl-PL" dirty="0">
+                  <a:latin typeface="Calibri" pitchFamily="34" charset="0"/>
+                  <a:cs typeface="Arial" charset="0"/>
+                </a:rPr>
+                <a:t>     </a:t>
+              </a:r>
+              <a:r>
+                <a:rPr lang="pl-PL" u="sng" dirty="0">
+                  <a:solidFill>
+                    <a:schemeClr val="accent1">
+                      <a:lumMod val="50000"/>
+                    </a:schemeClr>
+                  </a:solidFill>
+                  <a:latin typeface="Calibri" pitchFamily="34" charset="0"/>
+                  <a:cs typeface="Arial" charset="0"/>
+                </a:rPr>
+                <a:t>Sprawdź pudełko (5)</a:t>
+              </a:r>
+              <a:endParaRPr lang="pl-PL" dirty="0">
+                <a:latin typeface="Calibri" pitchFamily="34" charset="0"/>
+                <a:cs typeface="Arial" charset="0"/>
+              </a:endParaRPr>
+            </a:p>
+            <a:p>
+              <a:pPr marL="342900" indent="-342900">
+                <a:defRPr/>
+              </a:pPr>
+              <a:r>
+                <a:rPr lang="pl-PL" dirty="0">
+                  <a:latin typeface="Calibri" pitchFamily="34" charset="0"/>
+                  <a:cs typeface="Arial" charset="0"/>
+                </a:rPr>
+                <a:t>        Otwórz pudełko 5 </a:t>
+              </a:r>
+            </a:p>
+            <a:p>
+              <a:pPr marL="342900" indent="-342900">
+                <a:defRPr/>
+              </a:pPr>
+              <a:r>
+                <a:rPr lang="pl-PL" dirty="0">
+                  <a:latin typeface="Calibri" pitchFamily="34" charset="0"/>
+                  <a:cs typeface="Arial" charset="0"/>
+                </a:rPr>
+                <a:t>       </a:t>
+              </a:r>
+              <a:r>
+                <a:rPr lang="pl-PL" b="1" dirty="0">
+                  <a:latin typeface="Calibri" pitchFamily="34" charset="0"/>
+                  <a:cs typeface="Arial" charset="0"/>
+                </a:rPr>
+                <a:t>Klucz znaleziony – koniec zadania</a:t>
+              </a:r>
+            </a:p>
+            <a:p>
+              <a:pPr marL="342900" indent="-342900">
+                <a:defRPr/>
+              </a:pPr>
+              <a:r>
+                <a:rPr lang="pl-PL" dirty="0">
+                  <a:latin typeface="Calibri" pitchFamily="34" charset="0"/>
+                  <a:cs typeface="Arial" charset="0"/>
+                </a:rPr>
+                <a:t>     </a:t>
+              </a:r>
+              <a:r>
+                <a:rPr lang="pl-PL" u="sng" dirty="0">
+                  <a:solidFill>
+                    <a:srgbClr val="FF0000"/>
+                  </a:solidFill>
+                  <a:latin typeface="Calibri" pitchFamily="34" charset="0"/>
+                  <a:cs typeface="Arial" charset="0"/>
+                </a:rPr>
+                <a:t>Koniec Sprawdź pudełko (5)</a:t>
+              </a:r>
+            </a:p>
+            <a:p>
+              <a:pPr marL="342900" indent="-342900">
+                <a:defRPr/>
+              </a:pPr>
+              <a:r>
+                <a:rPr lang="pl-PL" dirty="0">
+                  <a:solidFill>
+                    <a:srgbClr val="FF0000"/>
+                  </a:solidFill>
+                  <a:latin typeface="Calibri" pitchFamily="34" charset="0"/>
+                  <a:cs typeface="Arial" charset="0"/>
+                </a:rPr>
+                <a:t>   </a:t>
+              </a:r>
+              <a:r>
+                <a:rPr lang="pl-PL" u="sng" dirty="0">
+                  <a:solidFill>
+                    <a:srgbClr val="FF0000"/>
+                  </a:solidFill>
+                  <a:latin typeface="Calibri" pitchFamily="34" charset="0"/>
+                  <a:cs typeface="Arial" charset="0"/>
+                </a:rPr>
+                <a:t>Koniec Sprawdź pudełko (3)</a:t>
+              </a:r>
+            </a:p>
+            <a:p>
+              <a:pPr marL="342900" indent="-342900">
+                <a:defRPr/>
+              </a:pPr>
+              <a:r>
+                <a:rPr lang="pl-PL" u="sng" dirty="0">
+                  <a:solidFill>
+                    <a:srgbClr val="FF0000"/>
+                  </a:solidFill>
+                  <a:latin typeface="Calibri" pitchFamily="34" charset="0"/>
+                  <a:cs typeface="Arial" charset="0"/>
+                </a:rPr>
+                <a:t>Koniec Sprawdź pudełko (1)</a:t>
+              </a:r>
+              <a:endParaRPr lang="pl-PL" dirty="0">
+                <a:latin typeface="Calibri" pitchFamily="34" charset="0"/>
+                <a:cs typeface="Arial" charset="0"/>
+              </a:endParaRPr>
+            </a:p>
+          </p:txBody>
+        </p:sp>
+        <p:cxnSp>
+          <p:nvCxnSpPr>
+            <p:cNvPr id="4" name="Łącznik prosty 3">
+              <a:extLst>
+                <a:ext uri="{FF2B5EF4-FFF2-40B4-BE49-F238E27FC236}">
+                  <a16:creationId xmlns:a16="http://schemas.microsoft.com/office/drawing/2014/main" id="{20915A08-F59C-6740-B6F2-16C77D4F5500}"/>
+                </a:ext>
+              </a:extLst>
+            </p:cNvPr>
+            <p:cNvCxnSpPr/>
+            <p:nvPr/>
+          </p:nvCxnSpPr>
+          <p:spPr>
+            <a:xfrm flipV="1">
+              <a:off x="9196024" y="1240788"/>
+              <a:ext cx="2128838" cy="26986"/>
+            </a:xfrm>
+            <a:prstGeom prst="line">
+              <a:avLst/>
+            </a:prstGeom>
+          </p:spPr>
+          <p:style>
+            <a:lnRef idx="1">
+              <a:schemeClr val="accent1"/>
+            </a:lnRef>
+            <a:fillRef idx="0">
+              <a:schemeClr val="accent1"/>
+            </a:fillRef>
+            <a:effectRef idx="0">
+              <a:schemeClr val="accent1"/>
+            </a:effectRef>
+            <a:fontRef idx="minor">
+              <a:schemeClr val="tx1"/>
+            </a:fontRef>
+          </p:style>
+        </p:cxnSp>
+        <p:cxnSp>
+          <p:nvCxnSpPr>
+            <p:cNvPr id="5" name="Łącznik prosty 4">
+              <a:extLst>
+                <a:ext uri="{FF2B5EF4-FFF2-40B4-BE49-F238E27FC236}">
+                  <a16:creationId xmlns:a16="http://schemas.microsoft.com/office/drawing/2014/main" id="{5C3180F0-2A21-254E-970A-56D6DBCB385C}"/>
+                </a:ext>
+              </a:extLst>
+            </p:cNvPr>
+            <p:cNvCxnSpPr/>
+            <p:nvPr/>
+          </p:nvCxnSpPr>
+          <p:spPr>
+            <a:xfrm flipH="1">
+              <a:off x="11312163" y="1253488"/>
+              <a:ext cx="39687" cy="4611596"/>
+            </a:xfrm>
+            <a:prstGeom prst="line">
+              <a:avLst/>
+            </a:prstGeom>
+          </p:spPr>
+          <p:style>
+            <a:lnRef idx="1">
+              <a:schemeClr val="accent1"/>
+            </a:lnRef>
+            <a:fillRef idx="0">
+              <a:schemeClr val="accent1"/>
+            </a:fillRef>
+            <a:effectRef idx="0">
+              <a:schemeClr val="accent1"/>
+            </a:effectRef>
+            <a:fontRef idx="minor">
+              <a:schemeClr val="tx1"/>
+            </a:fontRef>
+          </p:style>
+        </p:cxnSp>
+        <p:cxnSp>
+          <p:nvCxnSpPr>
+            <p:cNvPr id="6" name="Łącznik prosty 5">
+              <a:extLst>
+                <a:ext uri="{FF2B5EF4-FFF2-40B4-BE49-F238E27FC236}">
+                  <a16:creationId xmlns:a16="http://schemas.microsoft.com/office/drawing/2014/main" id="{1B8522B8-BE66-604C-B450-01116FBB5143}"/>
+                </a:ext>
+              </a:extLst>
+            </p:cNvPr>
+            <p:cNvCxnSpPr/>
+            <p:nvPr/>
+          </p:nvCxnSpPr>
+          <p:spPr>
+            <a:xfrm flipH="1">
+              <a:off x="9900875" y="5892072"/>
+              <a:ext cx="1411288" cy="0"/>
+            </a:xfrm>
+            <a:prstGeom prst="line">
+              <a:avLst/>
+            </a:prstGeom>
+          </p:spPr>
+          <p:style>
+            <a:lnRef idx="1">
+              <a:schemeClr val="accent1"/>
+            </a:lnRef>
+            <a:fillRef idx="0">
+              <a:schemeClr val="accent1"/>
+            </a:fillRef>
+            <a:effectRef idx="0">
+              <a:schemeClr val="accent1"/>
+            </a:effectRef>
+            <a:fontRef idx="minor">
+              <a:schemeClr val="tx1"/>
+            </a:fontRef>
+          </p:style>
+        </p:cxnSp>
+        <p:cxnSp>
+          <p:nvCxnSpPr>
+            <p:cNvPr id="7" name="Łącznik prosty 6">
+              <a:extLst>
+                <a:ext uri="{FF2B5EF4-FFF2-40B4-BE49-F238E27FC236}">
+                  <a16:creationId xmlns:a16="http://schemas.microsoft.com/office/drawing/2014/main" id="{542CF6B7-C61E-1546-AF94-00EEAA683181}"/>
+                </a:ext>
+              </a:extLst>
+            </p:cNvPr>
+            <p:cNvCxnSpPr/>
+            <p:nvPr/>
+          </p:nvCxnSpPr>
+          <p:spPr>
+            <a:xfrm flipV="1">
+              <a:off x="9405575" y="2337729"/>
+              <a:ext cx="914400" cy="14288"/>
+            </a:xfrm>
+            <a:prstGeom prst="line">
+              <a:avLst/>
+            </a:prstGeom>
+          </p:spPr>
+          <p:style>
+            <a:lnRef idx="1">
+              <a:schemeClr val="accent1"/>
+            </a:lnRef>
+            <a:fillRef idx="0">
+              <a:schemeClr val="accent1"/>
+            </a:fillRef>
+            <a:effectRef idx="0">
+              <a:schemeClr val="accent1"/>
+            </a:effectRef>
+            <a:fontRef idx="minor">
+              <a:schemeClr val="tx1"/>
+            </a:fontRef>
+          </p:style>
+        </p:cxnSp>
+        <p:cxnSp>
+          <p:nvCxnSpPr>
+            <p:cNvPr id="8" name="Łącznik prosty 7">
+              <a:extLst>
+                <a:ext uri="{FF2B5EF4-FFF2-40B4-BE49-F238E27FC236}">
+                  <a16:creationId xmlns:a16="http://schemas.microsoft.com/office/drawing/2014/main" id="{62F48A28-8B2B-4F43-BF11-62608BEDA77B}"/>
+                </a:ext>
+              </a:extLst>
+            </p:cNvPr>
+            <p:cNvCxnSpPr/>
+            <p:nvPr/>
+          </p:nvCxnSpPr>
+          <p:spPr>
+            <a:xfrm flipH="1">
+              <a:off x="10332675" y="2337729"/>
+              <a:ext cx="12700" cy="901682"/>
+            </a:xfrm>
+            <a:prstGeom prst="line">
+              <a:avLst/>
+            </a:prstGeom>
+          </p:spPr>
+          <p:style>
+            <a:lnRef idx="1">
+              <a:schemeClr val="accent1"/>
+            </a:lnRef>
+            <a:fillRef idx="0">
+              <a:schemeClr val="accent1"/>
+            </a:fillRef>
+            <a:effectRef idx="0">
+              <a:schemeClr val="accent1"/>
+            </a:effectRef>
+            <a:fontRef idx="minor">
+              <a:schemeClr val="tx1"/>
+            </a:fontRef>
+          </p:style>
+        </p:cxnSp>
+        <p:cxnSp>
+          <p:nvCxnSpPr>
+            <p:cNvPr id="9" name="Łącznik prosty 8">
+              <a:extLst>
+                <a:ext uri="{FF2B5EF4-FFF2-40B4-BE49-F238E27FC236}">
+                  <a16:creationId xmlns:a16="http://schemas.microsoft.com/office/drawing/2014/main" id="{B02093E3-1936-4547-9EF9-67F4B3038D27}"/>
+                </a:ext>
+              </a:extLst>
+            </p:cNvPr>
+            <p:cNvCxnSpPr/>
+            <p:nvPr/>
+          </p:nvCxnSpPr>
+          <p:spPr>
+            <a:xfrm flipH="1">
+              <a:off x="10032638" y="3252111"/>
+              <a:ext cx="312737" cy="14288"/>
+            </a:xfrm>
+            <a:prstGeom prst="line">
+              <a:avLst/>
+            </a:prstGeom>
+          </p:spPr>
+          <p:style>
+            <a:lnRef idx="1">
+              <a:schemeClr val="accent1"/>
+            </a:lnRef>
+            <a:fillRef idx="0">
+              <a:schemeClr val="accent1"/>
+            </a:fillRef>
+            <a:effectRef idx="0">
+              <a:schemeClr val="accent1"/>
+            </a:effectRef>
+            <a:fontRef idx="minor">
+              <a:schemeClr val="tx1"/>
+            </a:fontRef>
+          </p:style>
+        </p:cxnSp>
+        <p:cxnSp>
+          <p:nvCxnSpPr>
+            <p:cNvPr id="10" name="Łącznik prosty 9">
+              <a:extLst>
+                <a:ext uri="{FF2B5EF4-FFF2-40B4-BE49-F238E27FC236}">
+                  <a16:creationId xmlns:a16="http://schemas.microsoft.com/office/drawing/2014/main" id="{9AF4F8BB-7675-FB4C-B0FF-27C2A4FD4DBA}"/>
+                </a:ext>
+              </a:extLst>
+            </p:cNvPr>
+            <p:cNvCxnSpPr/>
+            <p:nvPr/>
+          </p:nvCxnSpPr>
+          <p:spPr>
+            <a:xfrm>
+              <a:off x="9170624" y="1828152"/>
+              <a:ext cx="1501775" cy="14287"/>
+            </a:xfrm>
+            <a:prstGeom prst="line">
+              <a:avLst/>
+            </a:prstGeom>
+          </p:spPr>
+          <p:style>
+            <a:lnRef idx="1">
+              <a:schemeClr val="accent1"/>
+            </a:lnRef>
+            <a:fillRef idx="0">
+              <a:schemeClr val="accent1"/>
+            </a:fillRef>
+            <a:effectRef idx="0">
+              <a:schemeClr val="accent1"/>
+            </a:effectRef>
+            <a:fontRef idx="minor">
+              <a:schemeClr val="tx1"/>
+            </a:fontRef>
+          </p:style>
+        </p:cxnSp>
+        <p:cxnSp>
+          <p:nvCxnSpPr>
+            <p:cNvPr id="11" name="Łącznik prosty 10">
+              <a:extLst>
+                <a:ext uri="{FF2B5EF4-FFF2-40B4-BE49-F238E27FC236}">
+                  <a16:creationId xmlns:a16="http://schemas.microsoft.com/office/drawing/2014/main" id="{E3B11437-642C-6E4A-AC56-066F42CF2300}"/>
+                </a:ext>
+              </a:extLst>
+            </p:cNvPr>
+            <p:cNvCxnSpPr/>
+            <p:nvPr/>
+          </p:nvCxnSpPr>
+          <p:spPr>
+            <a:xfrm flipH="1">
+              <a:off x="10647000" y="1867838"/>
+              <a:ext cx="12700" cy="1881151"/>
+            </a:xfrm>
+            <a:prstGeom prst="line">
+              <a:avLst/>
+            </a:prstGeom>
+          </p:spPr>
+          <p:style>
+            <a:lnRef idx="1">
+              <a:schemeClr val="accent1"/>
+            </a:lnRef>
+            <a:fillRef idx="0">
+              <a:schemeClr val="accent1"/>
+            </a:fillRef>
+            <a:effectRef idx="0">
+              <a:schemeClr val="accent1"/>
+            </a:effectRef>
+            <a:fontRef idx="minor">
+              <a:schemeClr val="tx1"/>
+            </a:fontRef>
+          </p:style>
+        </p:cxnSp>
+        <p:cxnSp>
+          <p:nvCxnSpPr>
+            <p:cNvPr id="12" name="Łącznik prosty 11">
+              <a:extLst>
+                <a:ext uri="{FF2B5EF4-FFF2-40B4-BE49-F238E27FC236}">
+                  <a16:creationId xmlns:a16="http://schemas.microsoft.com/office/drawing/2014/main" id="{74C3AB69-7A63-3A4B-B4AF-E75D5EC61533}"/>
+                </a:ext>
+              </a:extLst>
+            </p:cNvPr>
+            <p:cNvCxnSpPr/>
+            <p:nvPr/>
+          </p:nvCxnSpPr>
+          <p:spPr>
+            <a:xfrm flipH="1">
+              <a:off x="9992950" y="3774389"/>
+              <a:ext cx="639763" cy="0"/>
+            </a:xfrm>
+            <a:prstGeom prst="line">
+              <a:avLst/>
+            </a:prstGeom>
+          </p:spPr>
+          <p:style>
+            <a:lnRef idx="1">
+              <a:schemeClr val="accent1"/>
+            </a:lnRef>
+            <a:fillRef idx="0">
+              <a:schemeClr val="accent1"/>
+            </a:fillRef>
+            <a:effectRef idx="0">
+              <a:schemeClr val="accent1"/>
+            </a:effectRef>
+            <a:fontRef idx="minor">
+              <a:schemeClr val="tx1"/>
+            </a:fontRef>
+          </p:style>
+        </p:cxnSp>
+        <p:cxnSp>
+          <p:nvCxnSpPr>
+            <p:cNvPr id="13" name="Łącznik prosty 12">
+              <a:extLst>
+                <a:ext uri="{FF2B5EF4-FFF2-40B4-BE49-F238E27FC236}">
+                  <a16:creationId xmlns:a16="http://schemas.microsoft.com/office/drawing/2014/main" id="{4CF868D9-51A2-F443-8B09-D73DA9BC978D}"/>
+                </a:ext>
+              </a:extLst>
+            </p:cNvPr>
+            <p:cNvCxnSpPr/>
+            <p:nvPr/>
+          </p:nvCxnSpPr>
+          <p:spPr>
+            <a:xfrm>
+              <a:off x="9275399" y="3996634"/>
+              <a:ext cx="1357313" cy="0"/>
+            </a:xfrm>
+            <a:prstGeom prst="line">
+              <a:avLst/>
+            </a:prstGeom>
+          </p:spPr>
+          <p:style>
+            <a:lnRef idx="1">
+              <a:schemeClr val="accent1"/>
+            </a:lnRef>
+            <a:fillRef idx="0">
+              <a:schemeClr val="accent1"/>
+            </a:fillRef>
+            <a:effectRef idx="0">
+              <a:schemeClr val="accent1"/>
+            </a:effectRef>
+            <a:fontRef idx="minor">
+              <a:schemeClr val="tx1"/>
+            </a:fontRef>
+          </p:style>
+        </p:cxnSp>
+        <p:cxnSp>
+          <p:nvCxnSpPr>
+            <p:cNvPr id="14" name="Łącznik prosty 13">
+              <a:extLst>
+                <a:ext uri="{FF2B5EF4-FFF2-40B4-BE49-F238E27FC236}">
+                  <a16:creationId xmlns:a16="http://schemas.microsoft.com/office/drawing/2014/main" id="{3797E5C9-781C-014E-B69F-626B5AF95A32}"/>
+                </a:ext>
+              </a:extLst>
+            </p:cNvPr>
+            <p:cNvCxnSpPr/>
+            <p:nvPr/>
+          </p:nvCxnSpPr>
+          <p:spPr>
+            <a:xfrm>
+              <a:off x="10647000" y="3996634"/>
+              <a:ext cx="0" cy="1685892"/>
+            </a:xfrm>
+            <a:prstGeom prst="line">
+              <a:avLst/>
+            </a:prstGeom>
+          </p:spPr>
+          <p:style>
+            <a:lnRef idx="1">
+              <a:schemeClr val="accent1"/>
+            </a:lnRef>
+            <a:fillRef idx="0">
+              <a:schemeClr val="accent1"/>
+            </a:fillRef>
+            <a:effectRef idx="0">
+              <a:schemeClr val="accent1"/>
+            </a:effectRef>
+            <a:fontRef idx="minor">
+              <a:schemeClr val="tx1"/>
+            </a:fontRef>
+          </p:style>
+        </p:cxnSp>
+        <p:cxnSp>
+          <p:nvCxnSpPr>
+            <p:cNvPr id="15" name="Łącznik prosty 14">
+              <a:extLst>
+                <a:ext uri="{FF2B5EF4-FFF2-40B4-BE49-F238E27FC236}">
+                  <a16:creationId xmlns:a16="http://schemas.microsoft.com/office/drawing/2014/main" id="{AF4D3634-E465-E746-BB49-9694A86037C7}"/>
+                </a:ext>
+              </a:extLst>
+            </p:cNvPr>
+            <p:cNvCxnSpPr/>
+            <p:nvPr/>
+          </p:nvCxnSpPr>
+          <p:spPr>
+            <a:xfrm flipH="1">
+              <a:off x="10005650" y="5682526"/>
+              <a:ext cx="666750" cy="0"/>
+            </a:xfrm>
+            <a:prstGeom prst="line">
+              <a:avLst/>
+            </a:prstGeom>
+          </p:spPr>
+          <p:style>
+            <a:lnRef idx="1">
+              <a:schemeClr val="accent1"/>
+            </a:lnRef>
+            <a:fillRef idx="0">
+              <a:schemeClr val="accent1"/>
+            </a:fillRef>
+            <a:effectRef idx="0">
+              <a:schemeClr val="accent1"/>
+            </a:effectRef>
+            <a:fontRef idx="minor">
+              <a:schemeClr val="tx1"/>
+            </a:fontRef>
+          </p:style>
+        </p:cxnSp>
+        <p:cxnSp>
+          <p:nvCxnSpPr>
+            <p:cNvPr id="16" name="Łącznik prosty 15">
+              <a:extLst>
+                <a:ext uri="{FF2B5EF4-FFF2-40B4-BE49-F238E27FC236}">
+                  <a16:creationId xmlns:a16="http://schemas.microsoft.com/office/drawing/2014/main" id="{F869C395-B339-DA4B-8380-C4B7EA31B32A}"/>
+                </a:ext>
+              </a:extLst>
+            </p:cNvPr>
+            <p:cNvCxnSpPr/>
+            <p:nvPr/>
+          </p:nvCxnSpPr>
+          <p:spPr>
+            <a:xfrm>
+              <a:off x="9405575" y="4558598"/>
+              <a:ext cx="927100" cy="12700"/>
+            </a:xfrm>
+            <a:prstGeom prst="line">
+              <a:avLst/>
+            </a:prstGeom>
+          </p:spPr>
+          <p:style>
+            <a:lnRef idx="1">
+              <a:schemeClr val="accent1"/>
+            </a:lnRef>
+            <a:fillRef idx="0">
+              <a:schemeClr val="accent1"/>
+            </a:fillRef>
+            <a:effectRef idx="0">
+              <a:schemeClr val="accent1"/>
+            </a:effectRef>
+            <a:fontRef idx="minor">
+              <a:schemeClr val="tx1"/>
+            </a:fontRef>
+          </p:style>
+        </p:cxnSp>
+        <p:cxnSp>
+          <p:nvCxnSpPr>
+            <p:cNvPr id="17" name="Łącznik prosty 16">
+              <a:extLst>
+                <a:ext uri="{FF2B5EF4-FFF2-40B4-BE49-F238E27FC236}">
+                  <a16:creationId xmlns:a16="http://schemas.microsoft.com/office/drawing/2014/main" id="{7D6064DF-73E0-894F-B50D-310FEE1455A0}"/>
+                </a:ext>
+              </a:extLst>
+            </p:cNvPr>
+            <p:cNvCxnSpPr/>
+            <p:nvPr/>
+          </p:nvCxnSpPr>
+          <p:spPr>
+            <a:xfrm>
+              <a:off x="10319975" y="4585585"/>
+              <a:ext cx="12700" cy="835009"/>
+            </a:xfrm>
+            <a:prstGeom prst="line">
+              <a:avLst/>
+            </a:prstGeom>
+          </p:spPr>
+          <p:style>
+            <a:lnRef idx="1">
+              <a:schemeClr val="accent1"/>
+            </a:lnRef>
+            <a:fillRef idx="0">
+              <a:schemeClr val="accent1"/>
+            </a:fillRef>
+            <a:effectRef idx="0">
+              <a:schemeClr val="accent1"/>
+            </a:effectRef>
+            <a:fontRef idx="minor">
+              <a:schemeClr val="tx1"/>
+            </a:fontRef>
+          </p:style>
+        </p:cxnSp>
+        <p:cxnSp>
+          <p:nvCxnSpPr>
+            <p:cNvPr id="18" name="Łącznik prosty 17">
+              <a:extLst>
+                <a:ext uri="{FF2B5EF4-FFF2-40B4-BE49-F238E27FC236}">
+                  <a16:creationId xmlns:a16="http://schemas.microsoft.com/office/drawing/2014/main" id="{9B367698-1AEB-7647-AA39-46D949CD3437}"/>
+                </a:ext>
+              </a:extLst>
+            </p:cNvPr>
+            <p:cNvCxnSpPr/>
+            <p:nvPr/>
+          </p:nvCxnSpPr>
+          <p:spPr>
+            <a:xfrm flipH="1">
+              <a:off x="10032638" y="5420593"/>
+              <a:ext cx="300037" cy="0"/>
+            </a:xfrm>
+            <a:prstGeom prst="line">
+              <a:avLst/>
+            </a:prstGeom>
+          </p:spPr>
+          <p:style>
+            <a:lnRef idx="1">
+              <a:schemeClr val="accent1"/>
+            </a:lnRef>
+            <a:fillRef idx="0">
+              <a:schemeClr val="accent1"/>
+            </a:fillRef>
+            <a:effectRef idx="0">
+              <a:schemeClr val="accent1"/>
+            </a:effectRef>
+            <a:fontRef idx="minor">
+              <a:schemeClr val="tx1"/>
+            </a:fontRef>
+          </p:style>
+        </p:cxnSp>
+      </p:grpSp>
+    </p:spTree>
+  </p:cSld>
+  <p:clrMapOvr>
+    <a:masterClrMapping/>
+  </p:clrMapOvr>
+</p:sld>
+</file>
+
+<file path=ppt/slides/slide2.xml><?xml version="1.0" encoding="utf-8"?>
 <p:sld xmlns:a="http://schemas.openxmlformats.org/drawingml/2006/main" xmlns:r="http://schemas.openxmlformats.org/officeDocument/2006/relationships" xmlns:p="http://schemas.openxmlformats.org/presentationml/2006/main">
   <p:cSld>
     <p:spTree>
@@ -39893,7 +39450,7 @@
 </p:sld>
 </file>
 
-<file path=ppt/slides/slide4.xml><?xml version="1.0" encoding="utf-8"?>
+<file path=ppt/slides/slide3.xml><?xml version="1.0" encoding="utf-8"?>
 <p:sld xmlns:a="http://schemas.openxmlformats.org/drawingml/2006/main" xmlns:r="http://schemas.openxmlformats.org/officeDocument/2006/relationships" xmlns:p="http://schemas.openxmlformats.org/presentationml/2006/main">
   <p:cSld>
     <p:spTree>
@@ -40661,7 +40218,7 @@
 </p:sld>
 </file>
 
-<file path=ppt/slides/slide5.xml><?xml version="1.0" encoding="utf-8"?>
+<file path=ppt/slides/slide4.xml><?xml version="1.0" encoding="utf-8"?>
 <p:sld xmlns:a="http://schemas.openxmlformats.org/drawingml/2006/main" xmlns:r="http://schemas.openxmlformats.org/officeDocument/2006/relationships" xmlns:p="http://schemas.openxmlformats.org/presentationml/2006/main">
   <p:cSld>
     <p:spTree>
@@ -41484,7 +41041,7 @@
 </p:sld>
 </file>
 
-<file path=ppt/slides/slide6.xml><?xml version="1.0" encoding="utf-8"?>
+<file path=ppt/slides/slide5.xml><?xml version="1.0" encoding="utf-8"?>
 <p:sld xmlns:a="http://schemas.openxmlformats.org/drawingml/2006/main" xmlns:r="http://schemas.openxmlformats.org/officeDocument/2006/relationships" xmlns:p="http://schemas.openxmlformats.org/presentationml/2006/main">
   <p:cSld>
     <p:spTree>
@@ -42062,7 +41619,7 @@
 </p:sld>
 </file>
 
-<file path=ppt/slides/slide7.xml><?xml version="1.0" encoding="utf-8"?>
+<file path=ppt/slides/slide6.xml><?xml version="1.0" encoding="utf-8"?>
 <p:sld xmlns:a="http://schemas.openxmlformats.org/drawingml/2006/main" xmlns:r="http://schemas.openxmlformats.org/officeDocument/2006/relationships" xmlns:p="http://schemas.openxmlformats.org/presentationml/2006/main">
   <p:cSld>
     <p:spTree>
@@ -42585,7 +42142,7 @@
 </p:sld>
 </file>
 
-<file path=ppt/slides/slide8.xml><?xml version="1.0" encoding="utf-8"?>
+<file path=ppt/slides/slide7.xml><?xml version="1.0" encoding="utf-8"?>
 <p:sld xmlns:a="http://schemas.openxmlformats.org/drawingml/2006/main" xmlns:r="http://schemas.openxmlformats.org/officeDocument/2006/relationships" xmlns:p="http://schemas.openxmlformats.org/presentationml/2006/main">
   <p:cSld>
     <p:spTree>
@@ -43108,7 +42665,7 @@
 </p:sld>
 </file>
 
-<file path=ppt/slides/slide9.xml><?xml version="1.0" encoding="utf-8"?>
+<file path=ppt/slides/slide8.xml><?xml version="1.0" encoding="utf-8"?>
 <p:sld xmlns:a="http://schemas.openxmlformats.org/drawingml/2006/main" xmlns:r="http://schemas.openxmlformats.org/officeDocument/2006/relationships" xmlns:p="http://schemas.openxmlformats.org/presentationml/2006/main">
   <p:cSld>
     <p:spTree>
@@ -43567,6 +43124,468 @@
     <p:extLst>
       <p:ext uri="{BB962C8B-B14F-4D97-AF65-F5344CB8AC3E}">
         <p14:creationId xmlns:p14="http://schemas.microsoft.com/office/powerpoint/2010/main" val="1287795759"/>
+      </p:ext>
+    </p:extLst>
+  </p:cSld>
+  <p:clrMapOvr>
+    <a:masterClrMapping/>
+  </p:clrMapOvr>
+</p:sld>
+</file>
+
+<file path=ppt/slides/slide9.xml><?xml version="1.0" encoding="utf-8"?>
+<p:sld xmlns:a="http://schemas.openxmlformats.org/drawingml/2006/main" xmlns:r="http://schemas.openxmlformats.org/officeDocument/2006/relationships" xmlns:p="http://schemas.openxmlformats.org/presentationml/2006/main">
+  <p:cSld>
+    <p:spTree>
+      <p:nvGrpSpPr>
+        <p:cNvPr id="1" name=""/>
+        <p:cNvGrpSpPr/>
+        <p:nvPr/>
+      </p:nvGrpSpPr>
+      <p:grpSpPr>
+        <a:xfrm>
+          <a:off x="0" y="0"/>
+          <a:ext cx="0" cy="0"/>
+          <a:chOff x="0" y="0"/>
+          <a:chExt cx="0" cy="0"/>
+        </a:xfrm>
+      </p:grpSpPr>
+      <p:graphicFrame>
+        <p:nvGraphicFramePr>
+          <p:cNvPr id="7" name="Diagram 6"/>
+          <p:cNvGraphicFramePr/>
+          <p:nvPr/>
+        </p:nvGraphicFramePr>
+        <p:xfrm>
+          <a:off x="5874419" y="639129"/>
+          <a:ext cx="5423613" cy="5278786"/>
+        </p:xfrm>
+        <a:graphic>
+          <a:graphicData uri="http://schemas.openxmlformats.org/drawingml/2006/diagram">
+            <dgm:relIds xmlns:dgm="http://schemas.openxmlformats.org/drawingml/2006/diagram" xmlns:r="http://schemas.openxmlformats.org/officeDocument/2006/relationships" r:dm="rId2" r:lo="rId3" r:qs="rId4" r:cs="rId5"/>
+          </a:graphicData>
+        </a:graphic>
+      </p:graphicFrame>
+      <p:grpSp>
+        <p:nvGrpSpPr>
+          <p:cNvPr id="12" name="Grupa 38">
+            <a:extLst>
+              <a:ext uri="{FF2B5EF4-FFF2-40B4-BE49-F238E27FC236}">
+                <a16:creationId xmlns:a16="http://schemas.microsoft.com/office/drawing/2014/main" id="{EC2A32E3-149D-EF45-B904-28D81181473C}"/>
+              </a:ext>
+            </a:extLst>
+          </p:cNvPr>
+          <p:cNvGrpSpPr>
+            <a:grpSpLocks/>
+          </p:cNvGrpSpPr>
+          <p:nvPr/>
+        </p:nvGrpSpPr>
+        <p:grpSpPr bwMode="auto">
+          <a:xfrm>
+            <a:off x="676347" y="1533859"/>
+            <a:ext cx="4402138" cy="3489325"/>
+            <a:chOff x="3487784" y="1711236"/>
+            <a:chExt cx="4402182" cy="3487782"/>
+          </a:xfrm>
+        </p:grpSpPr>
+        <p:sp>
+          <p:nvSpPr>
+            <p:cNvPr id="14" name="Prostokąt 13">
+              <a:extLst>
+                <a:ext uri="{FF2B5EF4-FFF2-40B4-BE49-F238E27FC236}">
+                  <a16:creationId xmlns:a16="http://schemas.microsoft.com/office/drawing/2014/main" id="{7004CB80-4C52-234F-8B0C-BD38739CF914}"/>
+                </a:ext>
+              </a:extLst>
+            </p:cNvPr>
+            <p:cNvSpPr/>
+            <p:nvPr/>
+          </p:nvSpPr>
+          <p:spPr>
+            <a:xfrm>
+              <a:off x="5834132" y="1968297"/>
+              <a:ext cx="1790718" cy="2903840"/>
+            </a:xfrm>
+            <a:prstGeom prst="rect">
+              <a:avLst/>
+            </a:prstGeom>
+            <a:noFill/>
+          </p:spPr>
+          <p:style>
+            <a:lnRef idx="2">
+              <a:schemeClr val="accent1">
+                <a:shade val="50000"/>
+              </a:schemeClr>
+            </a:lnRef>
+            <a:fillRef idx="1">
+              <a:schemeClr val="accent1"/>
+            </a:fillRef>
+            <a:effectRef idx="0">
+              <a:schemeClr val="accent1"/>
+            </a:effectRef>
+            <a:fontRef idx="minor">
+              <a:schemeClr val="lt1"/>
+            </a:fontRef>
+          </p:style>
+          <p:txBody>
+            <a:bodyPr anchor="ctr"/>
+            <a:lstStyle/>
+            <a:p>
+              <a:pPr algn="ctr" fontAlgn="auto">
+                <a:spcBef>
+                  <a:spcPts val="0"/>
+                </a:spcBef>
+                <a:spcAft>
+                  <a:spcPts val="0"/>
+                </a:spcAft>
+                <a:defRPr/>
+              </a:pPr>
+              <a:endParaRPr lang="pl-PL"/>
+            </a:p>
+          </p:txBody>
+        </p:sp>
+        <p:sp>
+          <p:nvSpPr>
+            <p:cNvPr id="16" name="Prostokąt 15">
+              <a:extLst>
+                <a:ext uri="{FF2B5EF4-FFF2-40B4-BE49-F238E27FC236}">
+                  <a16:creationId xmlns:a16="http://schemas.microsoft.com/office/drawing/2014/main" id="{4F76B87B-72C6-5742-B41D-99000C17ADEB}"/>
+                </a:ext>
+              </a:extLst>
+            </p:cNvPr>
+            <p:cNvSpPr/>
+            <p:nvPr/>
+          </p:nvSpPr>
+          <p:spPr>
+            <a:xfrm>
+              <a:off x="3487784" y="1711236"/>
+              <a:ext cx="4402182" cy="3487782"/>
+            </a:xfrm>
+            <a:prstGeom prst="rect">
+              <a:avLst/>
+            </a:prstGeom>
+            <a:noFill/>
+            <a:ln w="25400"/>
+          </p:spPr>
+          <p:style>
+            <a:lnRef idx="2">
+              <a:schemeClr val="accent1">
+                <a:shade val="50000"/>
+              </a:schemeClr>
+            </a:lnRef>
+            <a:fillRef idx="1">
+              <a:schemeClr val="accent1"/>
+            </a:fillRef>
+            <a:effectRef idx="0">
+              <a:schemeClr val="accent1"/>
+            </a:effectRef>
+            <a:fontRef idx="minor">
+              <a:schemeClr val="lt1"/>
+            </a:fontRef>
+          </p:style>
+          <p:txBody>
+            <a:bodyPr anchor="ctr"/>
+            <a:lstStyle/>
+            <a:p>
+              <a:pPr algn="ctr" fontAlgn="auto">
+                <a:spcBef>
+                  <a:spcPts val="0"/>
+                </a:spcBef>
+                <a:spcAft>
+                  <a:spcPts val="0"/>
+                </a:spcAft>
+                <a:defRPr/>
+              </a:pPr>
+              <a:endParaRPr lang="pl-PL"/>
+            </a:p>
+          </p:txBody>
+        </p:sp>
+        <p:grpSp>
+          <p:nvGrpSpPr>
+            <p:cNvPr id="23" name="Grupa 23">
+              <a:extLst>
+                <a:ext uri="{FF2B5EF4-FFF2-40B4-BE49-F238E27FC236}">
+                  <a16:creationId xmlns:a16="http://schemas.microsoft.com/office/drawing/2014/main" id="{0E809BCA-2230-924E-8498-9B9B5FA3E71D}"/>
+                </a:ext>
+              </a:extLst>
+            </p:cNvPr>
+            <p:cNvGrpSpPr>
+              <a:grpSpLocks/>
+            </p:cNvGrpSpPr>
+            <p:nvPr/>
+          </p:nvGrpSpPr>
+          <p:grpSpPr bwMode="auto">
+            <a:xfrm>
+              <a:off x="5956373" y="1970080"/>
+              <a:ext cx="339728" cy="369332"/>
+              <a:chOff x="8934550" y="794078"/>
+              <a:chExt cx="522658" cy="604360"/>
+            </a:xfrm>
+          </p:grpSpPr>
+          <p:sp>
+            <p:nvSpPr>
+              <p:cNvPr id="36" name="Elipsa 24">
+                <a:extLst>
+                  <a:ext uri="{FF2B5EF4-FFF2-40B4-BE49-F238E27FC236}">
+                    <a16:creationId xmlns:a16="http://schemas.microsoft.com/office/drawing/2014/main" id="{49A7EB21-BA3B-654C-A95C-53276723BEAD}"/>
+                  </a:ext>
+                </a:extLst>
+              </p:cNvPr>
+              <p:cNvSpPr/>
+              <p:nvPr/>
+            </p:nvSpPr>
+            <p:spPr>
+              <a:xfrm>
+                <a:off x="8934550" y="861268"/>
+                <a:ext cx="522658" cy="469980"/>
+              </a:xfrm>
+              <a:prstGeom prst="ellipse">
+                <a:avLst/>
+              </a:prstGeom>
+            </p:spPr>
+            <p:style>
+              <a:lnRef idx="2">
+                <a:schemeClr val="accent1">
+                  <a:shade val="50000"/>
+                </a:schemeClr>
+              </a:lnRef>
+              <a:fillRef idx="1">
+                <a:schemeClr val="accent1"/>
+              </a:fillRef>
+              <a:effectRef idx="0">
+                <a:schemeClr val="accent1"/>
+              </a:effectRef>
+              <a:fontRef idx="minor">
+                <a:schemeClr val="lt1"/>
+              </a:fontRef>
+            </p:style>
+            <p:txBody>
+              <a:bodyPr anchor="ctr"/>
+              <a:lstStyle/>
+              <a:p>
+                <a:pPr algn="ctr" fontAlgn="auto">
+                  <a:spcBef>
+                    <a:spcPts val="0"/>
+                  </a:spcBef>
+                  <a:spcAft>
+                    <a:spcPts val="0"/>
+                  </a:spcAft>
+                  <a:defRPr/>
+                </a:pPr>
+                <a:endParaRPr lang="pl-PL"/>
+              </a:p>
+            </p:txBody>
+          </p:sp>
+          <p:sp>
+            <p:nvSpPr>
+              <p:cNvPr id="37" name="pole tekstowe 25">
+                <a:extLst>
+                  <a:ext uri="{FF2B5EF4-FFF2-40B4-BE49-F238E27FC236}">
+                    <a16:creationId xmlns:a16="http://schemas.microsoft.com/office/drawing/2014/main" id="{18E0C03E-8EE1-BF4A-8A5D-EEF8F7EB819D}"/>
+                  </a:ext>
+                </a:extLst>
+              </p:cNvPr>
+              <p:cNvSpPr txBox="1">
+                <a:spLocks noChangeArrowheads="1"/>
+              </p:cNvSpPr>
+              <p:nvPr/>
+            </p:nvSpPr>
+            <p:spPr bwMode="auto">
+              <a:xfrm>
+                <a:off x="8985390" y="794078"/>
+                <a:ext cx="313509" cy="604361"/>
+              </a:xfrm>
+              <a:prstGeom prst="rect">
+                <a:avLst/>
+              </a:prstGeom>
+              <a:noFill/>
+              <a:ln>
+                <a:noFill/>
+              </a:ln>
+              <a:extLst>
+                <a:ext uri="{909E8E84-426E-40DD-AFC4-6F175D3DCCD1}">
+                  <a14:hiddenFill xmlns:a14="http://schemas.microsoft.com/office/drawing/2010/main">
+                    <a:solidFill>
+                      <a:srgbClr val="FFFFFF"/>
+                    </a:solidFill>
+                  </a14:hiddenFill>
+                </a:ext>
+                <a:ext uri="{91240B29-F687-4F45-9708-019B960494DF}">
+                  <a14:hiddenLine xmlns:a14="http://schemas.microsoft.com/office/drawing/2010/main" w="9525">
+                    <a:solidFill>
+                      <a:srgbClr val="000000"/>
+                    </a:solidFill>
+                    <a:miter lim="800000"/>
+                    <a:headEnd/>
+                    <a:tailEnd/>
+                  </a14:hiddenLine>
+                </a:ext>
+              </a:extLst>
+            </p:spPr>
+            <p:txBody>
+              <a:bodyPr>
+                <a:spAutoFit/>
+              </a:bodyPr>
+              <a:lstStyle>
+                <a:lvl1pPr eaLnBrk="0" hangingPunct="0">
+                  <a:defRPr>
+                    <a:solidFill>
+                      <a:schemeClr val="tx1"/>
+                    </a:solidFill>
+                    <a:latin typeface="Arial" panose="020B0604020202020204" pitchFamily="34" charset="0"/>
+                    <a:cs typeface="Arial" panose="020B0604020202020204" pitchFamily="34" charset="0"/>
+                  </a:defRPr>
+                </a:lvl1pPr>
+                <a:lvl2pPr marL="742950" indent="-285750" eaLnBrk="0" hangingPunct="0">
+                  <a:defRPr>
+                    <a:solidFill>
+                      <a:schemeClr val="tx1"/>
+                    </a:solidFill>
+                    <a:latin typeface="Arial" panose="020B0604020202020204" pitchFamily="34" charset="0"/>
+                    <a:cs typeface="Arial" panose="020B0604020202020204" pitchFamily="34" charset="0"/>
+                  </a:defRPr>
+                </a:lvl2pPr>
+                <a:lvl3pPr marL="1143000" indent="-228600" eaLnBrk="0" hangingPunct="0">
+                  <a:defRPr>
+                    <a:solidFill>
+                      <a:schemeClr val="tx1"/>
+                    </a:solidFill>
+                    <a:latin typeface="Arial" panose="020B0604020202020204" pitchFamily="34" charset="0"/>
+                    <a:cs typeface="Arial" panose="020B0604020202020204" pitchFamily="34" charset="0"/>
+                  </a:defRPr>
+                </a:lvl3pPr>
+                <a:lvl4pPr marL="1600200" indent="-228600" eaLnBrk="0" hangingPunct="0">
+                  <a:defRPr>
+                    <a:solidFill>
+                      <a:schemeClr val="tx1"/>
+                    </a:solidFill>
+                    <a:latin typeface="Arial" panose="020B0604020202020204" pitchFamily="34" charset="0"/>
+                    <a:cs typeface="Arial" panose="020B0604020202020204" pitchFamily="34" charset="0"/>
+                  </a:defRPr>
+                </a:lvl4pPr>
+                <a:lvl5pPr marL="2057400" indent="-228600" eaLnBrk="0" hangingPunct="0">
+                  <a:defRPr>
+                    <a:solidFill>
+                      <a:schemeClr val="tx1"/>
+                    </a:solidFill>
+                    <a:latin typeface="Arial" panose="020B0604020202020204" pitchFamily="34" charset="0"/>
+                    <a:cs typeface="Arial" panose="020B0604020202020204" pitchFamily="34" charset="0"/>
+                  </a:defRPr>
+                </a:lvl5pPr>
+                <a:lvl6pPr marL="2514600" indent="-228600" eaLnBrk="0" fontAlgn="base" hangingPunct="0">
+                  <a:spcBef>
+                    <a:spcPct val="0"/>
+                  </a:spcBef>
+                  <a:spcAft>
+                    <a:spcPct val="0"/>
+                  </a:spcAft>
+                  <a:defRPr>
+                    <a:solidFill>
+                      <a:schemeClr val="tx1"/>
+                    </a:solidFill>
+                    <a:latin typeface="Arial" panose="020B0604020202020204" pitchFamily="34" charset="0"/>
+                    <a:cs typeface="Arial" panose="020B0604020202020204" pitchFamily="34" charset="0"/>
+                  </a:defRPr>
+                </a:lvl6pPr>
+                <a:lvl7pPr marL="2971800" indent="-228600" eaLnBrk="0" fontAlgn="base" hangingPunct="0">
+                  <a:spcBef>
+                    <a:spcPct val="0"/>
+                  </a:spcBef>
+                  <a:spcAft>
+                    <a:spcPct val="0"/>
+                  </a:spcAft>
+                  <a:defRPr>
+                    <a:solidFill>
+                      <a:schemeClr val="tx1"/>
+                    </a:solidFill>
+                    <a:latin typeface="Arial" panose="020B0604020202020204" pitchFamily="34" charset="0"/>
+                    <a:cs typeface="Arial" panose="020B0604020202020204" pitchFamily="34" charset="0"/>
+                  </a:defRPr>
+                </a:lvl7pPr>
+                <a:lvl8pPr marL="3429000" indent="-228600" eaLnBrk="0" fontAlgn="base" hangingPunct="0">
+                  <a:spcBef>
+                    <a:spcPct val="0"/>
+                  </a:spcBef>
+                  <a:spcAft>
+                    <a:spcPct val="0"/>
+                  </a:spcAft>
+                  <a:defRPr>
+                    <a:solidFill>
+                      <a:schemeClr val="tx1"/>
+                    </a:solidFill>
+                    <a:latin typeface="Arial" panose="020B0604020202020204" pitchFamily="34" charset="0"/>
+                    <a:cs typeface="Arial" panose="020B0604020202020204" pitchFamily="34" charset="0"/>
+                  </a:defRPr>
+                </a:lvl8pPr>
+                <a:lvl9pPr marL="3886200" indent="-228600" eaLnBrk="0" fontAlgn="base" hangingPunct="0">
+                  <a:spcBef>
+                    <a:spcPct val="0"/>
+                  </a:spcBef>
+                  <a:spcAft>
+                    <a:spcPct val="0"/>
+                  </a:spcAft>
+                  <a:defRPr>
+                    <a:solidFill>
+                      <a:schemeClr val="tx1"/>
+                    </a:solidFill>
+                    <a:latin typeface="Arial" panose="020B0604020202020204" pitchFamily="34" charset="0"/>
+                    <a:cs typeface="Arial" panose="020B0604020202020204" pitchFamily="34" charset="0"/>
+                  </a:defRPr>
+                </a:lvl9pPr>
+              </a:lstStyle>
+              <a:p>
+                <a:pPr eaLnBrk="1" hangingPunct="1"/>
+                <a:r>
+                  <a:rPr lang="pl-PL" altLang="pl-PL" dirty="0">
+                    <a:latin typeface="Calibri" panose="020F0502020204030204" pitchFamily="34" charset="0"/>
+                  </a:rPr>
+                  <a:t>3</a:t>
+                </a:r>
+              </a:p>
+            </p:txBody>
+          </p:sp>
+        </p:grpSp>
+      </p:grpSp>
+      <p:sp>
+        <p:nvSpPr>
+          <p:cNvPr id="42" name="pole tekstowe 41">
+            <a:extLst>
+              <a:ext uri="{FF2B5EF4-FFF2-40B4-BE49-F238E27FC236}">
+                <a16:creationId xmlns:a16="http://schemas.microsoft.com/office/drawing/2014/main" id="{35EE22A1-F34D-7D4B-BC0C-1EE767C0ADF3}"/>
+              </a:ext>
+            </a:extLst>
+          </p:cNvPr>
+          <p:cNvSpPr txBox="1"/>
+          <p:nvPr/>
+        </p:nvSpPr>
+        <p:spPr>
+          <a:xfrm>
+            <a:off x="676346" y="117480"/>
+            <a:ext cx="11515653" cy="523220"/>
+          </a:xfrm>
+          <a:prstGeom prst="rect">
+            <a:avLst/>
+          </a:prstGeom>
+          <a:noFill/>
+        </p:spPr>
+        <p:txBody>
+          <a:bodyPr wrap="square" rtlCol="0">
+            <a:spAutoFit/>
+          </a:bodyPr>
+          <a:lstStyle/>
+          <a:p>
+            <a:r>
+              <a:rPr lang="pl-PL" sz="2800" b="1" dirty="0">
+                <a:latin typeface="+mj-lt"/>
+              </a:rPr>
+              <a:t>Wyrzucamy pudełko 2</a:t>
+            </a:r>
+          </a:p>
+        </p:txBody>
+      </p:sp>
+    </p:spTree>
+    <p:extLst>
+      <p:ext uri="{BB962C8B-B14F-4D97-AF65-F5344CB8AC3E}">
+        <p14:creationId xmlns:p14="http://schemas.microsoft.com/office/powerpoint/2010/main" val="3656391027"/>
       </p:ext>
     </p:extLst>
   </p:cSld>
